--- a/computer_vision.pptx
+++ b/computer_vision.pptx
@@ -4,9 +4,22 @@
   <p:sldMasterIdLst>
     <p:sldMasterId id="2147483648" r:id="rId1"/>
   </p:sldMasterIdLst>
+  <p:notesMasterIdLst>
+    <p:notesMasterId r:id="rId11"/>
+  </p:notesMasterIdLst>
+  <p:handoutMasterIdLst>
+    <p:handoutMasterId r:id="rId12"/>
+  </p:handoutMasterIdLst>
   <p:sldIdLst>
     <p:sldId id="256" r:id="rId2"/>
     <p:sldId id="257" r:id="rId3"/>
+    <p:sldId id="258" r:id="rId4"/>
+    <p:sldId id="260" r:id="rId5"/>
+    <p:sldId id="259" r:id="rId6"/>
+    <p:sldId id="262" r:id="rId7"/>
+    <p:sldId id="264" r:id="rId8"/>
+    <p:sldId id="263" r:id="rId9"/>
+    <p:sldId id="261" r:id="rId10"/>
   </p:sldIdLst>
   <p:sldSz cx="12192000" cy="6858000"/>
   <p:notesSz cx="6858000" cy="9144000"/>
@@ -105,7 +118,561 @@
       </a:defRPr>
     </a:lvl9pPr>
   </p:defaultTextStyle>
+  <p:extLst>
+    <p:ext uri="{EFAFB233-063F-42B5-8137-9DF3F51BA10A}">
+      <p15:sldGuideLst xmlns:p15="http://schemas.microsoft.com/office/powerpoint/2012/main">
+        <p15:guide id="1" orient="horz" pos="2160" userDrawn="1">
+          <p15:clr>
+            <a:srgbClr val="A4A3A4"/>
+          </p15:clr>
+        </p15:guide>
+        <p15:guide id="2" pos="3840" userDrawn="1">
+          <p15:clr>
+            <a:srgbClr val="A4A3A4"/>
+          </p15:clr>
+        </p15:guide>
+      </p15:sldGuideLst>
+    </p:ext>
+  </p:extLst>
 </p:presentation>
+</file>
+
+<file path=ppt/handoutMasters/handoutMaster1.xml><?xml version="1.0" encoding="utf-8"?>
+<p:handoutMaster xmlns:a="http://schemas.openxmlformats.org/drawingml/2006/main" xmlns:r="http://schemas.openxmlformats.org/officeDocument/2006/relationships" xmlns:p="http://schemas.openxmlformats.org/presentationml/2006/main">
+  <p:cSld>
+    <p:bg>
+      <p:bgRef idx="1001">
+        <a:schemeClr val="bg1"/>
+      </p:bgRef>
+    </p:bg>
+    <p:spTree>
+      <p:nvGrpSpPr>
+        <p:cNvPr id="1" name=""/>
+        <p:cNvGrpSpPr/>
+        <p:nvPr/>
+      </p:nvGrpSpPr>
+      <p:grpSpPr>
+        <a:xfrm>
+          <a:off x="0" y="0"/>
+          <a:ext cx="0" cy="0"/>
+          <a:chOff x="0" y="0"/>
+          <a:chExt cx="0" cy="0"/>
+        </a:xfrm>
+      </p:grpSpPr>
+      <p:sp>
+        <p:nvSpPr>
+          <p:cNvPr id="2" name="Header Placeholder 1">
+            <a:extLst>
+              <a:ext uri="{FF2B5EF4-FFF2-40B4-BE49-F238E27FC236}">
+                <a16:creationId xmlns:a16="http://schemas.microsoft.com/office/drawing/2014/main" id="{8513DB4E-757A-41DA-91B3-297733DEFFB1}"/>
+              </a:ext>
+            </a:extLst>
+          </p:cNvPr>
+          <p:cNvSpPr>
+            <a:spLocks noGrp="1"/>
+          </p:cNvSpPr>
+          <p:nvPr>
+            <p:ph type="hdr" sz="quarter"/>
+          </p:nvPr>
+        </p:nvSpPr>
+        <p:spPr>
+          <a:xfrm>
+            <a:off x="0" y="0"/>
+            <a:ext cx="2971800" cy="458788"/>
+          </a:xfrm>
+          <a:prstGeom prst="rect">
+            <a:avLst/>
+          </a:prstGeom>
+        </p:spPr>
+        <p:txBody>
+          <a:bodyPr vert="horz" lIns="91440" tIns="45720" rIns="91440" bIns="45720" rtlCol="0"/>
+          <a:lstStyle>
+            <a:lvl1pPr algn="l">
+              <a:defRPr sz="1200"/>
+            </a:lvl1pPr>
+          </a:lstStyle>
+          <a:p>
+            <a:endParaRPr lang="en-US"/>
+          </a:p>
+        </p:txBody>
+      </p:sp>
+      <p:sp>
+        <p:nvSpPr>
+          <p:cNvPr id="3" name="Date Placeholder 2">
+            <a:extLst>
+              <a:ext uri="{FF2B5EF4-FFF2-40B4-BE49-F238E27FC236}">
+                <a16:creationId xmlns:a16="http://schemas.microsoft.com/office/drawing/2014/main" id="{D3037CAC-9AB7-427E-8DA2-9EA5A0748037}"/>
+              </a:ext>
+            </a:extLst>
+          </p:cNvPr>
+          <p:cNvSpPr>
+            <a:spLocks noGrp="1"/>
+          </p:cNvSpPr>
+          <p:nvPr>
+            <p:ph type="dt" sz="quarter" idx="1"/>
+          </p:nvPr>
+        </p:nvSpPr>
+        <p:spPr>
+          <a:xfrm>
+            <a:off x="3884613" y="0"/>
+            <a:ext cx="2971800" cy="458788"/>
+          </a:xfrm>
+          <a:prstGeom prst="rect">
+            <a:avLst/>
+          </a:prstGeom>
+        </p:spPr>
+        <p:txBody>
+          <a:bodyPr vert="horz" lIns="91440" tIns="45720" rIns="91440" bIns="45720" rtlCol="0"/>
+          <a:lstStyle>
+            <a:lvl1pPr algn="r">
+              <a:defRPr sz="1200"/>
+            </a:lvl1pPr>
+          </a:lstStyle>
+          <a:p>
+            <a:fld id="{879BF49F-DF5A-4945-B8E6-DF955717FEF4}" type="datetimeFigureOut">
+              <a:rPr lang="en-US" smtClean="0"/>
+              <a:t>12/1/2019</a:t>
+            </a:fld>
+            <a:endParaRPr lang="en-US"/>
+          </a:p>
+        </p:txBody>
+      </p:sp>
+      <p:sp>
+        <p:nvSpPr>
+          <p:cNvPr id="4" name="Footer Placeholder 3">
+            <a:extLst>
+              <a:ext uri="{FF2B5EF4-FFF2-40B4-BE49-F238E27FC236}">
+                <a16:creationId xmlns:a16="http://schemas.microsoft.com/office/drawing/2014/main" id="{CEC7F87D-4B8E-4C6F-B42C-0B7DCD5C060C}"/>
+              </a:ext>
+            </a:extLst>
+          </p:cNvPr>
+          <p:cNvSpPr>
+            <a:spLocks noGrp="1"/>
+          </p:cNvSpPr>
+          <p:nvPr>
+            <p:ph type="ftr" sz="quarter" idx="2"/>
+          </p:nvPr>
+        </p:nvSpPr>
+        <p:spPr>
+          <a:xfrm>
+            <a:off x="0" y="8685213"/>
+            <a:ext cx="2971800" cy="458787"/>
+          </a:xfrm>
+          <a:prstGeom prst="rect">
+            <a:avLst/>
+          </a:prstGeom>
+        </p:spPr>
+        <p:txBody>
+          <a:bodyPr vert="horz" lIns="91440" tIns="45720" rIns="91440" bIns="45720" rtlCol="0" anchor="b"/>
+          <a:lstStyle>
+            <a:lvl1pPr algn="l">
+              <a:defRPr sz="1200"/>
+            </a:lvl1pPr>
+          </a:lstStyle>
+          <a:p>
+            <a:endParaRPr lang="en-US"/>
+          </a:p>
+        </p:txBody>
+      </p:sp>
+      <p:sp>
+        <p:nvSpPr>
+          <p:cNvPr id="5" name="Slide Number Placeholder 4">
+            <a:extLst>
+              <a:ext uri="{FF2B5EF4-FFF2-40B4-BE49-F238E27FC236}">
+                <a16:creationId xmlns:a16="http://schemas.microsoft.com/office/drawing/2014/main" id="{0FCEFE40-492A-4666-B1E9-C9DD82A3DF3D}"/>
+              </a:ext>
+            </a:extLst>
+          </p:cNvPr>
+          <p:cNvSpPr>
+            <a:spLocks noGrp="1"/>
+          </p:cNvSpPr>
+          <p:nvPr>
+            <p:ph type="sldNum" sz="quarter" idx="3"/>
+          </p:nvPr>
+        </p:nvSpPr>
+        <p:spPr>
+          <a:xfrm>
+            <a:off x="3884613" y="8685213"/>
+            <a:ext cx="2971800" cy="458787"/>
+          </a:xfrm>
+          <a:prstGeom prst="rect">
+            <a:avLst/>
+          </a:prstGeom>
+        </p:spPr>
+        <p:txBody>
+          <a:bodyPr vert="horz" lIns="91440" tIns="45720" rIns="91440" bIns="45720" rtlCol="0" anchor="b"/>
+          <a:lstStyle>
+            <a:lvl1pPr algn="r">
+              <a:defRPr sz="1200"/>
+            </a:lvl1pPr>
+          </a:lstStyle>
+          <a:p>
+            <a:fld id="{167DE8A1-6EE7-4923-B8D7-1C3A776663CA}" type="slidenum">
+              <a:rPr lang="en-US" smtClean="0"/>
+              <a:t>‹#›</a:t>
+            </a:fld>
+            <a:endParaRPr lang="en-US"/>
+          </a:p>
+        </p:txBody>
+      </p:sp>
+    </p:spTree>
+    <p:extLst>
+      <p:ext uri="{BB962C8B-B14F-4D97-AF65-F5344CB8AC3E}">
+        <p14:creationId xmlns:p14="http://schemas.microsoft.com/office/powerpoint/2010/main" val="3250360801"/>
+      </p:ext>
+    </p:extLst>
+  </p:cSld>
+  <p:clrMap bg1="lt1" tx1="dk1" bg2="lt2" tx2="dk2" accent1="accent1" accent2="accent2" accent3="accent3" accent4="accent4" accent5="accent5" accent6="accent6" hlink="hlink" folHlink="folHlink"/>
+</p:handoutMaster>
+</file>
+
+<file path=ppt/notesMasters/notesMaster1.xml><?xml version="1.0" encoding="utf-8"?>
+<p:notesMaster xmlns:a="http://schemas.openxmlformats.org/drawingml/2006/main" xmlns:r="http://schemas.openxmlformats.org/officeDocument/2006/relationships" xmlns:p="http://schemas.openxmlformats.org/presentationml/2006/main">
+  <p:cSld>
+    <p:bg>
+      <p:bgRef idx="1001">
+        <a:schemeClr val="bg1"/>
+      </p:bgRef>
+    </p:bg>
+    <p:spTree>
+      <p:nvGrpSpPr>
+        <p:cNvPr id="1" name=""/>
+        <p:cNvGrpSpPr/>
+        <p:nvPr/>
+      </p:nvGrpSpPr>
+      <p:grpSpPr>
+        <a:xfrm>
+          <a:off x="0" y="0"/>
+          <a:ext cx="0" cy="0"/>
+          <a:chOff x="0" y="0"/>
+          <a:chExt cx="0" cy="0"/>
+        </a:xfrm>
+      </p:grpSpPr>
+      <p:sp>
+        <p:nvSpPr>
+          <p:cNvPr id="2" name="Header Placeholder 1"/>
+          <p:cNvSpPr>
+            <a:spLocks noGrp="1"/>
+          </p:cNvSpPr>
+          <p:nvPr>
+            <p:ph type="hdr" sz="quarter"/>
+          </p:nvPr>
+        </p:nvSpPr>
+        <p:spPr>
+          <a:xfrm>
+            <a:off x="0" y="0"/>
+            <a:ext cx="2971800" cy="458788"/>
+          </a:xfrm>
+          <a:prstGeom prst="rect">
+            <a:avLst/>
+          </a:prstGeom>
+        </p:spPr>
+        <p:txBody>
+          <a:bodyPr vert="horz" lIns="91440" tIns="45720" rIns="91440" bIns="45720" rtlCol="0"/>
+          <a:lstStyle>
+            <a:lvl1pPr algn="l">
+              <a:defRPr sz="1200"/>
+            </a:lvl1pPr>
+          </a:lstStyle>
+          <a:p>
+            <a:endParaRPr lang="en-US"/>
+          </a:p>
+        </p:txBody>
+      </p:sp>
+      <p:sp>
+        <p:nvSpPr>
+          <p:cNvPr id="3" name="Date Placeholder 2"/>
+          <p:cNvSpPr>
+            <a:spLocks noGrp="1"/>
+          </p:cNvSpPr>
+          <p:nvPr>
+            <p:ph type="dt" idx="1"/>
+          </p:nvPr>
+        </p:nvSpPr>
+        <p:spPr>
+          <a:xfrm>
+            <a:off x="3884613" y="0"/>
+            <a:ext cx="2971800" cy="458788"/>
+          </a:xfrm>
+          <a:prstGeom prst="rect">
+            <a:avLst/>
+          </a:prstGeom>
+        </p:spPr>
+        <p:txBody>
+          <a:bodyPr vert="horz" lIns="91440" tIns="45720" rIns="91440" bIns="45720" rtlCol="0"/>
+          <a:lstStyle>
+            <a:lvl1pPr algn="r">
+              <a:defRPr sz="1200"/>
+            </a:lvl1pPr>
+          </a:lstStyle>
+          <a:p>
+            <a:fld id="{C4F5AFBB-8F7D-4642-82FE-D916E4E49FED}" type="datetimeFigureOut">
+              <a:rPr lang="en-US" smtClean="0"/>
+              <a:t>12/1/2019</a:t>
+            </a:fld>
+            <a:endParaRPr lang="en-US"/>
+          </a:p>
+        </p:txBody>
+      </p:sp>
+      <p:sp>
+        <p:nvSpPr>
+          <p:cNvPr id="4" name="Slide Image Placeholder 3"/>
+          <p:cNvSpPr>
+            <a:spLocks noGrp="1" noRot="1" noChangeAspect="1"/>
+          </p:cNvSpPr>
+          <p:nvPr>
+            <p:ph type="sldImg" idx="2"/>
+          </p:nvPr>
+        </p:nvSpPr>
+        <p:spPr>
+          <a:xfrm>
+            <a:off x="685800" y="1143000"/>
+            <a:ext cx="5486400" cy="3086100"/>
+          </a:xfrm>
+          <a:prstGeom prst="rect">
+            <a:avLst/>
+          </a:prstGeom>
+          <a:noFill/>
+          <a:ln w="12700">
+            <a:solidFill>
+              <a:prstClr val="black"/>
+            </a:solidFill>
+          </a:ln>
+        </p:spPr>
+        <p:txBody>
+          <a:bodyPr vert="horz" lIns="91440" tIns="45720" rIns="91440" bIns="45720" rtlCol="0" anchor="ctr"/>
+          <a:lstStyle/>
+          <a:p>
+            <a:endParaRPr lang="en-US"/>
+          </a:p>
+        </p:txBody>
+      </p:sp>
+      <p:sp>
+        <p:nvSpPr>
+          <p:cNvPr id="5" name="Notes Placeholder 4"/>
+          <p:cNvSpPr>
+            <a:spLocks noGrp="1"/>
+          </p:cNvSpPr>
+          <p:nvPr>
+            <p:ph type="body" sz="quarter" idx="3"/>
+          </p:nvPr>
+        </p:nvSpPr>
+        <p:spPr>
+          <a:xfrm>
+            <a:off x="685800" y="4400550"/>
+            <a:ext cx="5486400" cy="3600450"/>
+          </a:xfrm>
+          <a:prstGeom prst="rect">
+            <a:avLst/>
+          </a:prstGeom>
+        </p:spPr>
+        <p:txBody>
+          <a:bodyPr vert="horz" lIns="91440" tIns="45720" rIns="91440" bIns="45720" rtlCol="0"/>
+          <a:lstStyle/>
+          <a:p>
+            <a:pPr lvl="0"/>
+            <a:r>
+              <a:rPr lang="en-US"/>
+              <a:t>Click to edit Master text styles</a:t>
+            </a:r>
+          </a:p>
+          <a:p>
+            <a:pPr lvl="1"/>
+            <a:r>
+              <a:rPr lang="en-US"/>
+              <a:t>Second level</a:t>
+            </a:r>
+          </a:p>
+          <a:p>
+            <a:pPr lvl="2"/>
+            <a:r>
+              <a:rPr lang="en-US"/>
+              <a:t>Third level</a:t>
+            </a:r>
+          </a:p>
+          <a:p>
+            <a:pPr lvl="3"/>
+            <a:r>
+              <a:rPr lang="en-US"/>
+              <a:t>Fourth level</a:t>
+            </a:r>
+          </a:p>
+          <a:p>
+            <a:pPr lvl="4"/>
+            <a:r>
+              <a:rPr lang="en-US"/>
+              <a:t>Fifth level</a:t>
+            </a:r>
+          </a:p>
+        </p:txBody>
+      </p:sp>
+      <p:sp>
+        <p:nvSpPr>
+          <p:cNvPr id="6" name="Footer Placeholder 5"/>
+          <p:cNvSpPr>
+            <a:spLocks noGrp="1"/>
+          </p:cNvSpPr>
+          <p:nvPr>
+            <p:ph type="ftr" sz="quarter" idx="4"/>
+          </p:nvPr>
+        </p:nvSpPr>
+        <p:spPr>
+          <a:xfrm>
+            <a:off x="0" y="8685213"/>
+            <a:ext cx="2971800" cy="458787"/>
+          </a:xfrm>
+          <a:prstGeom prst="rect">
+            <a:avLst/>
+          </a:prstGeom>
+        </p:spPr>
+        <p:txBody>
+          <a:bodyPr vert="horz" lIns="91440" tIns="45720" rIns="91440" bIns="45720" rtlCol="0" anchor="b"/>
+          <a:lstStyle>
+            <a:lvl1pPr algn="l">
+              <a:defRPr sz="1200"/>
+            </a:lvl1pPr>
+          </a:lstStyle>
+          <a:p>
+            <a:endParaRPr lang="en-US"/>
+          </a:p>
+        </p:txBody>
+      </p:sp>
+      <p:sp>
+        <p:nvSpPr>
+          <p:cNvPr id="7" name="Slide Number Placeholder 6"/>
+          <p:cNvSpPr>
+            <a:spLocks noGrp="1"/>
+          </p:cNvSpPr>
+          <p:nvPr>
+            <p:ph type="sldNum" sz="quarter" idx="5"/>
+          </p:nvPr>
+        </p:nvSpPr>
+        <p:spPr>
+          <a:xfrm>
+            <a:off x="3884613" y="8685213"/>
+            <a:ext cx="2971800" cy="458787"/>
+          </a:xfrm>
+          <a:prstGeom prst="rect">
+            <a:avLst/>
+          </a:prstGeom>
+        </p:spPr>
+        <p:txBody>
+          <a:bodyPr vert="horz" lIns="91440" tIns="45720" rIns="91440" bIns="45720" rtlCol="0" anchor="b"/>
+          <a:lstStyle>
+            <a:lvl1pPr algn="r">
+              <a:defRPr sz="1200"/>
+            </a:lvl1pPr>
+          </a:lstStyle>
+          <a:p>
+            <a:fld id="{5BCFDE51-DE4E-4891-B28F-D3DD498C562E}" type="slidenum">
+              <a:rPr lang="en-US" smtClean="0"/>
+              <a:t>‹#›</a:t>
+            </a:fld>
+            <a:endParaRPr lang="en-US"/>
+          </a:p>
+        </p:txBody>
+      </p:sp>
+    </p:spTree>
+    <p:extLst>
+      <p:ext uri="{BB962C8B-B14F-4D97-AF65-F5344CB8AC3E}">
+        <p14:creationId xmlns:p14="http://schemas.microsoft.com/office/powerpoint/2010/main" val="2449858839"/>
+      </p:ext>
+    </p:extLst>
+  </p:cSld>
+  <p:clrMap bg1="lt1" tx1="dk1" bg2="lt2" tx2="dk2" accent1="accent1" accent2="accent2" accent3="accent3" accent4="accent4" accent5="accent5" accent6="accent6" hlink="hlink" folHlink="folHlink"/>
+  <p:notesStyle>
+    <a:lvl1pPr marL="0" algn="l" defTabSz="914400" rtl="0" eaLnBrk="1" latinLnBrk="0" hangingPunct="1">
+      <a:defRPr sz="1200" kern="1200">
+        <a:solidFill>
+          <a:schemeClr val="tx1"/>
+        </a:solidFill>
+        <a:latin typeface="+mn-lt"/>
+        <a:ea typeface="+mn-ea"/>
+        <a:cs typeface="+mn-cs"/>
+      </a:defRPr>
+    </a:lvl1pPr>
+    <a:lvl2pPr marL="457200" algn="l" defTabSz="914400" rtl="0" eaLnBrk="1" latinLnBrk="0" hangingPunct="1">
+      <a:defRPr sz="1200" kern="1200">
+        <a:solidFill>
+          <a:schemeClr val="tx1"/>
+        </a:solidFill>
+        <a:latin typeface="+mn-lt"/>
+        <a:ea typeface="+mn-ea"/>
+        <a:cs typeface="+mn-cs"/>
+      </a:defRPr>
+    </a:lvl2pPr>
+    <a:lvl3pPr marL="914400" algn="l" defTabSz="914400" rtl="0" eaLnBrk="1" latinLnBrk="0" hangingPunct="1">
+      <a:defRPr sz="1200" kern="1200">
+        <a:solidFill>
+          <a:schemeClr val="tx1"/>
+        </a:solidFill>
+        <a:latin typeface="+mn-lt"/>
+        <a:ea typeface="+mn-ea"/>
+        <a:cs typeface="+mn-cs"/>
+      </a:defRPr>
+    </a:lvl3pPr>
+    <a:lvl4pPr marL="1371600" algn="l" defTabSz="914400" rtl="0" eaLnBrk="1" latinLnBrk="0" hangingPunct="1">
+      <a:defRPr sz="1200" kern="1200">
+        <a:solidFill>
+          <a:schemeClr val="tx1"/>
+        </a:solidFill>
+        <a:latin typeface="+mn-lt"/>
+        <a:ea typeface="+mn-ea"/>
+        <a:cs typeface="+mn-cs"/>
+      </a:defRPr>
+    </a:lvl4pPr>
+    <a:lvl5pPr marL="1828800" algn="l" defTabSz="914400" rtl="0" eaLnBrk="1" latinLnBrk="0" hangingPunct="1">
+      <a:defRPr sz="1200" kern="1200">
+        <a:solidFill>
+          <a:schemeClr val="tx1"/>
+        </a:solidFill>
+        <a:latin typeface="+mn-lt"/>
+        <a:ea typeface="+mn-ea"/>
+        <a:cs typeface="+mn-cs"/>
+      </a:defRPr>
+    </a:lvl5pPr>
+    <a:lvl6pPr marL="2286000" algn="l" defTabSz="914400" rtl="0" eaLnBrk="1" latinLnBrk="0" hangingPunct="1">
+      <a:defRPr sz="1200" kern="1200">
+        <a:solidFill>
+          <a:schemeClr val="tx1"/>
+        </a:solidFill>
+        <a:latin typeface="+mn-lt"/>
+        <a:ea typeface="+mn-ea"/>
+        <a:cs typeface="+mn-cs"/>
+      </a:defRPr>
+    </a:lvl6pPr>
+    <a:lvl7pPr marL="2743200" algn="l" defTabSz="914400" rtl="0" eaLnBrk="1" latinLnBrk="0" hangingPunct="1">
+      <a:defRPr sz="1200" kern="1200">
+        <a:solidFill>
+          <a:schemeClr val="tx1"/>
+        </a:solidFill>
+        <a:latin typeface="+mn-lt"/>
+        <a:ea typeface="+mn-ea"/>
+        <a:cs typeface="+mn-cs"/>
+      </a:defRPr>
+    </a:lvl7pPr>
+    <a:lvl8pPr marL="3200400" algn="l" defTabSz="914400" rtl="0" eaLnBrk="1" latinLnBrk="0" hangingPunct="1">
+      <a:defRPr sz="1200" kern="1200">
+        <a:solidFill>
+          <a:schemeClr val="tx1"/>
+        </a:solidFill>
+        <a:latin typeface="+mn-lt"/>
+        <a:ea typeface="+mn-ea"/>
+        <a:cs typeface="+mn-cs"/>
+      </a:defRPr>
+    </a:lvl8pPr>
+    <a:lvl9pPr marL="3657600" algn="l" defTabSz="914400" rtl="0" eaLnBrk="1" latinLnBrk="0" hangingPunct="1">
+      <a:defRPr sz="1200" kern="1200">
+        <a:solidFill>
+          <a:schemeClr val="tx1"/>
+        </a:solidFill>
+        <a:latin typeface="+mn-lt"/>
+        <a:ea typeface="+mn-ea"/>
+        <a:cs typeface="+mn-cs"/>
+      </a:defRPr>
+    </a:lvl9pPr>
+  </p:notesStyle>
+</p:notesMaster>
 </file>
 
 <file path=ppt/slideLayouts/slideLayout1.xml><?xml version="1.0" encoding="utf-8"?>
@@ -828,10 +1395,9 @@
           <a:bodyPr/>
           <a:lstStyle/>
           <a:p>
-            <a:fld id="{B61BEF0D-F0BB-DE4B-95CE-6DB70DBA9567}" type="datetimeFigureOut">
-              <a:rPr lang="en-US" dirty="0"/>
-              <a:pPr/>
-              <a:t>12/2/2019</a:t>
+            <a:fld id="{4CE360FA-58FD-451C-BD55-D3D0477B71AD}" type="datetime1">
+              <a:rPr lang="en-US" smtClean="0"/>
+              <a:t>12/1/2019</a:t>
             </a:fld>
             <a:endParaRPr lang="en-US" dirty="0"/>
           </a:p>
@@ -1076,10 +1642,9 @@
           <a:bodyPr/>
           <a:lstStyle/>
           <a:p>
-            <a:fld id="{B61BEF0D-F0BB-DE4B-95CE-6DB70DBA9567}" type="datetimeFigureOut">
-              <a:rPr lang="en-US" dirty="0"/>
-              <a:pPr/>
-              <a:t>12/2/2019</a:t>
+            <a:fld id="{E20E986F-FC0A-4A8F-8100-18DF4AA9063F}" type="datetime1">
+              <a:rPr lang="en-US" smtClean="0"/>
+              <a:t>12/1/2019</a:t>
             </a:fld>
             <a:endParaRPr lang="en-US" dirty="0"/>
           </a:p>
@@ -1387,10 +1952,9 @@
           <a:bodyPr/>
           <a:lstStyle/>
           <a:p>
-            <a:fld id="{B61BEF0D-F0BB-DE4B-95CE-6DB70DBA9567}" type="datetimeFigureOut">
-              <a:rPr lang="en-US" dirty="0"/>
-              <a:pPr/>
-              <a:t>12/2/2019</a:t>
+            <a:fld id="{7AC1937A-312B-4E67-A065-44DB3CC3D4CD}" type="datetime1">
+              <a:rPr lang="en-US" smtClean="0"/>
+              <a:t>12/1/2019</a:t>
             </a:fld>
             <a:endParaRPr lang="en-US" dirty="0"/>
           </a:p>
@@ -1725,10 +2289,9 @@
           <a:bodyPr/>
           <a:lstStyle/>
           <a:p>
-            <a:fld id="{B61BEF0D-F0BB-DE4B-95CE-6DB70DBA9567}" type="datetimeFigureOut">
-              <a:rPr lang="en-US" dirty="0"/>
-              <a:pPr/>
-              <a:t>12/2/2019</a:t>
+            <a:fld id="{B5622241-F3EE-4A2C-A920-7119649B1675}" type="datetime1">
+              <a:rPr lang="en-US" smtClean="0"/>
+              <a:t>12/1/2019</a:t>
             </a:fld>
             <a:endParaRPr lang="en-US" dirty="0"/>
           </a:p>
@@ -2036,10 +2599,9 @@
           <a:bodyPr/>
           <a:lstStyle/>
           <a:p>
-            <a:fld id="{B61BEF0D-F0BB-DE4B-95CE-6DB70DBA9567}" type="datetimeFigureOut">
-              <a:rPr lang="en-US" dirty="0"/>
-              <a:pPr/>
-              <a:t>12/2/2019</a:t>
+            <a:fld id="{81509C5F-ECAE-4DB7-957B-54CC69DBA7BF}" type="datetime1">
+              <a:rPr lang="en-US" smtClean="0"/>
+              <a:t>12/1/2019</a:t>
             </a:fld>
             <a:endParaRPr lang="en-US" dirty="0"/>
           </a:p>
@@ -2426,10 +2988,9 @@
           <a:bodyPr/>
           <a:lstStyle/>
           <a:p>
-            <a:fld id="{B61BEF0D-F0BB-DE4B-95CE-6DB70DBA9567}" type="datetimeFigureOut">
-              <a:rPr lang="en-US" dirty="0"/>
-              <a:pPr/>
-              <a:t>12/2/2019</a:t>
+            <a:fld id="{56284F7D-4BDF-41A4-87C3-B296AF5CC018}" type="datetime1">
+              <a:rPr lang="en-US" smtClean="0"/>
+              <a:t>12/1/2019</a:t>
             </a:fld>
             <a:endParaRPr lang="en-US" dirty="0"/>
           </a:p>
@@ -2593,9 +3154,9 @@
           <a:bodyPr/>
           <a:lstStyle/>
           <a:p>
-            <a:fld id="{55C6B4A9-1611-4792-9094-5F34BCA07E0B}" type="datetimeFigureOut">
-              <a:rPr lang="en-US" dirty="0"/>
-              <a:t>12/2/2019</a:t>
+            <a:fld id="{B04051EB-F503-4DE5-AC61-770C2AC8505E}" type="datetime1">
+              <a:rPr lang="en-US" smtClean="0"/>
+              <a:t>12/1/2019</a:t>
             </a:fld>
             <a:endParaRPr lang="en-US" dirty="0"/>
           </a:p>
@@ -2768,10 +3329,9 @@
           <a:bodyPr/>
           <a:lstStyle/>
           <a:p>
-            <a:fld id="{B61BEF0D-F0BB-DE4B-95CE-6DB70DBA9567}" type="datetimeFigureOut">
-              <a:rPr lang="en-US" dirty="0"/>
-              <a:pPr/>
-              <a:t>12/2/2019</a:t>
+            <a:fld id="{456FC1C6-9333-41D8-9FF5-C59CC3FA5CA6}" type="datetime1">
+              <a:rPr lang="en-US" smtClean="0"/>
+              <a:t>12/1/2019</a:t>
             </a:fld>
             <a:endParaRPr lang="en-US" dirty="0"/>
           </a:p>
@@ -2941,10 +3501,9 @@
           <a:bodyPr/>
           <a:lstStyle/>
           <a:p>
-            <a:fld id="{B61BEF0D-F0BB-DE4B-95CE-6DB70DBA9567}" type="datetimeFigureOut">
-              <a:rPr lang="en-US" dirty="0"/>
-              <a:pPr/>
-              <a:t>12/2/2019</a:t>
+            <a:fld id="{219079B0-63D7-4AA5-A4DD-743326774367}" type="datetime1">
+              <a:rPr lang="en-US" smtClean="0"/>
+              <a:t>12/1/2019</a:t>
             </a:fld>
             <a:endParaRPr lang="en-US" dirty="0"/>
           </a:p>
@@ -3185,10 +3744,9 @@
           <a:bodyPr/>
           <a:lstStyle/>
           <a:p>
-            <a:fld id="{B61BEF0D-F0BB-DE4B-95CE-6DB70DBA9567}" type="datetimeFigureOut">
-              <a:rPr lang="en-US" dirty="0"/>
-              <a:pPr/>
-              <a:t>12/2/2019</a:t>
+            <a:fld id="{6C59CD2D-0A7F-4BC9-AC80-765DABC3FFAB}" type="datetime1">
+              <a:rPr lang="en-US" smtClean="0"/>
+              <a:t>12/1/2019</a:t>
             </a:fld>
             <a:endParaRPr lang="en-US" dirty="0"/>
           </a:p>
@@ -3414,9 +3972,9 @@
           <a:bodyPr/>
           <a:lstStyle/>
           <a:p>
-            <a:fld id="{EB712588-04B1-427B-82EE-E8DB90309F08}" type="datetimeFigureOut">
-              <a:rPr lang="en-US" dirty="0"/>
-              <a:t>12/2/2019</a:t>
+            <a:fld id="{B6873DDA-BB41-4CB7-AE09-0A458E226FED}" type="datetime1">
+              <a:rPr lang="en-US" smtClean="0"/>
+              <a:t>12/1/2019</a:t>
             </a:fld>
             <a:endParaRPr lang="en-US" dirty="0"/>
           </a:p>
@@ -3783,10 +4341,9 @@
           <a:bodyPr/>
           <a:lstStyle/>
           <a:p>
-            <a:fld id="{B61BEF0D-F0BB-DE4B-95CE-6DB70DBA9567}" type="datetimeFigureOut">
-              <a:rPr lang="en-US" dirty="0"/>
-              <a:pPr/>
-              <a:t>12/2/2019</a:t>
+            <a:fld id="{2A9A17B7-DC4C-4791-B6F4-9D43378B3BE1}" type="datetime1">
+              <a:rPr lang="en-US" smtClean="0"/>
+              <a:t>12/1/2019</a:t>
             </a:fld>
             <a:endParaRPr lang="en-US" dirty="0"/>
           </a:p>
@@ -3903,10 +4460,9 @@
           <a:bodyPr/>
           <a:lstStyle/>
           <a:p>
-            <a:fld id="{B61BEF0D-F0BB-DE4B-95CE-6DB70DBA9567}" type="datetimeFigureOut">
-              <a:rPr lang="en-US" dirty="0"/>
-              <a:pPr/>
-              <a:t>12/2/2019</a:t>
+            <a:fld id="{1923BD07-7D78-4A3D-84EB-9126D88662BD}" type="datetime1">
+              <a:rPr lang="en-US" smtClean="0"/>
+              <a:t>12/1/2019</a:t>
             </a:fld>
             <a:endParaRPr lang="en-US" dirty="0"/>
           </a:p>
@@ -3995,10 +4551,9 @@
           <a:bodyPr/>
           <a:lstStyle/>
           <a:p>
-            <a:fld id="{B61BEF0D-F0BB-DE4B-95CE-6DB70DBA9567}" type="datetimeFigureOut">
-              <a:rPr lang="en-US" dirty="0"/>
-              <a:pPr/>
-              <a:t>12/2/2019</a:t>
+            <a:fld id="{86CF2615-9448-42F1-92F5-D85125994D67}" type="datetime1">
+              <a:rPr lang="en-US" smtClean="0"/>
+              <a:t>12/1/2019</a:t>
             </a:fld>
             <a:endParaRPr lang="en-US" dirty="0"/>
           </a:p>
@@ -4247,9 +4802,9 @@
           <a:bodyPr/>
           <a:lstStyle/>
           <a:p>
-            <a:fld id="{42A54C80-263E-416B-A8E0-580EDEADCBDC}" type="datetimeFigureOut">
-              <a:rPr lang="en-US" dirty="0"/>
-              <a:t>12/2/2019</a:t>
+            <a:fld id="{EA185A62-5F0C-432D-B1EF-12398B4AE8C3}" type="datetime1">
+              <a:rPr lang="en-US" smtClean="0"/>
+              <a:t>12/1/2019</a:t>
             </a:fld>
             <a:endParaRPr lang="en-US" dirty="0"/>
           </a:p>
@@ -4505,10 +5060,9 @@
           <a:bodyPr/>
           <a:lstStyle/>
           <a:p>
-            <a:fld id="{B61BEF0D-F0BB-DE4B-95CE-6DB70DBA9567}" type="datetimeFigureOut">
-              <a:rPr lang="en-US" dirty="0"/>
-              <a:pPr/>
-              <a:t>12/2/2019</a:t>
+            <a:fld id="{5C147256-2191-4B1F-8B4C-70D55D9CCF42}" type="datetime1">
+              <a:rPr lang="en-US" smtClean="0"/>
+              <a:t>12/1/2019</a:t>
             </a:fld>
             <a:endParaRPr lang="en-US" dirty="0"/>
           </a:p>
@@ -5245,10 +5799,9 @@
             </a:lvl1pPr>
           </a:lstStyle>
           <a:p>
-            <a:fld id="{B61BEF0D-F0BB-DE4B-95CE-6DB70DBA9567}" type="datetimeFigureOut">
-              <a:rPr lang="en-US" dirty="0"/>
-              <a:pPr/>
-              <a:t>12/2/2019</a:t>
+            <a:fld id="{A05719FF-4C8F-431A-B012-FB497F0DF6C9}" type="datetime1">
+              <a:rPr lang="en-US" smtClean="0"/>
+              <a:t>12/1/2019</a:t>
             </a:fld>
             <a:endParaRPr lang="en-US" dirty="0"/>
           </a:p>
@@ -5352,6 +5905,7 @@
     <p:sldLayoutId id="2147483667" r:id="rId15"/>
     <p:sldLayoutId id="2147483659" r:id="rId16"/>
   </p:sldLayoutIdLst>
+  <p:hf hdr="0" dt="0"/>
   <p:txStyles>
     <p:titleStyle>
       <a:lvl1pPr algn="l" defTabSz="457200" rtl="0" eaLnBrk="1" latinLnBrk="0" hangingPunct="1">
@@ -5855,11 +6409,86 @@
           <a:p>
             <a:r>
               <a:rPr lang="en-US" dirty="0"/>
-              <a:t>December 4, 2019</a:t>
-            </a:r>
-          </a:p>
-        </p:txBody>
-      </p:sp>
+              <a:t>December 3, 2019</a:t>
+            </a:r>
+          </a:p>
+        </p:txBody>
+      </p:sp>
+      <p:sp>
+        <p:nvSpPr>
+          <p:cNvPr id="4" name="Slide Number Placeholder 3">
+            <a:extLst>
+              <a:ext uri="{FF2B5EF4-FFF2-40B4-BE49-F238E27FC236}">
+                <a16:creationId xmlns:a16="http://schemas.microsoft.com/office/drawing/2014/main" id="{792D9A4A-585F-457A-95F4-8D9758A4D634}"/>
+              </a:ext>
+            </a:extLst>
+          </p:cNvPr>
+          <p:cNvSpPr>
+            <a:spLocks noGrp="1"/>
+          </p:cNvSpPr>
+          <p:nvPr>
+            <p:ph type="sldNum" sz="quarter" idx="12"/>
+          </p:nvPr>
+        </p:nvSpPr>
+        <p:spPr/>
+        <p:txBody>
+          <a:bodyPr/>
+          <a:lstStyle/>
+          <a:p>
+            <a:fld id="{D57F1E4F-1CFF-5643-939E-217C01CDF565}" type="slidenum">
+              <a:rPr lang="en-US" smtClean="0"/>
+              <a:pPr/>
+              <a:t>1</a:t>
+            </a:fld>
+            <a:endParaRPr lang="en-US" dirty="0"/>
+          </a:p>
+        </p:txBody>
+      </p:sp>
+      <p:pic>
+        <p:nvPicPr>
+          <p:cNvPr id="4106" name="Picture 10" descr="Aioi Insurance Services USA logo">
+            <a:extLst>
+              <a:ext uri="{FF2B5EF4-FFF2-40B4-BE49-F238E27FC236}">
+                <a16:creationId xmlns:a16="http://schemas.microsoft.com/office/drawing/2014/main" id="{C8AA12B5-69D3-4022-8FEA-98190B5052ED}"/>
+              </a:ext>
+            </a:extLst>
+          </p:cNvPr>
+          <p:cNvPicPr>
+            <a:picLocks noChangeAspect="1" noChangeArrowheads="1"/>
+          </p:cNvPicPr>
+          <p:nvPr/>
+        </p:nvPicPr>
+        <p:blipFill rotWithShape="1">
+          <a:blip r:embed="rId2">
+            <a:extLst>
+              <a:ext uri="{28A0092B-C50C-407E-A947-70E740481C1C}">
+                <a14:useLocalDpi xmlns:a14="http://schemas.microsoft.com/office/drawing/2010/main" val="0"/>
+              </a:ext>
+            </a:extLst>
+          </a:blip>
+          <a:srcRect l="5100" t="26880" r="5763" b="27568"/>
+          <a:stretch/>
+        </p:blipFill>
+        <p:spPr bwMode="auto">
+          <a:xfrm>
+            <a:off x="262642" y="5949031"/>
+            <a:ext cx="1075847" cy="549786"/>
+          </a:xfrm>
+          <a:prstGeom prst="rect">
+            <a:avLst/>
+          </a:prstGeom>
+          <a:noFill/>
+          <a:extLst>
+            <a:ext uri="{909E8E84-426E-40DD-AFC4-6F175D3DCCD1}">
+              <a14:hiddenFill xmlns:a14="http://schemas.microsoft.com/office/drawing/2010/main">
+                <a:solidFill>
+                  <a:srgbClr val="FFFFFF"/>
+                </a:solidFill>
+              </a14:hiddenFill>
+            </a:ext>
+          </a:extLst>
+        </p:spPr>
+      </p:pic>
     </p:spTree>
     <p:extLst>
       <p:ext uri="{BB962C8B-B14F-4D97-AF65-F5344CB8AC3E}">
@@ -6065,10 +6694,2694 @@
           </a:p>
         </p:txBody>
       </p:sp>
+      <p:sp>
+        <p:nvSpPr>
+          <p:cNvPr id="4" name="Slide Number Placeholder 3">
+            <a:extLst>
+              <a:ext uri="{FF2B5EF4-FFF2-40B4-BE49-F238E27FC236}">
+                <a16:creationId xmlns:a16="http://schemas.microsoft.com/office/drawing/2014/main" id="{E516D82C-631E-45A5-ABAE-F7B1A879B3E1}"/>
+              </a:ext>
+            </a:extLst>
+          </p:cNvPr>
+          <p:cNvSpPr>
+            <a:spLocks noGrp="1"/>
+          </p:cNvSpPr>
+          <p:nvPr>
+            <p:ph type="sldNum" sz="quarter" idx="12"/>
+          </p:nvPr>
+        </p:nvSpPr>
+        <p:spPr/>
+        <p:txBody>
+          <a:bodyPr/>
+          <a:lstStyle/>
+          <a:p>
+            <a:fld id="{D57F1E4F-1CFF-5643-939E-217C01CDF565}" type="slidenum">
+              <a:rPr lang="en-US" smtClean="0"/>
+              <a:pPr/>
+              <a:t>2</a:t>
+            </a:fld>
+            <a:endParaRPr lang="en-US" dirty="0"/>
+          </a:p>
+        </p:txBody>
+      </p:sp>
+      <p:pic>
+        <p:nvPicPr>
+          <p:cNvPr id="7" name="Picture 2" descr="Image result for pytorch&quot;">
+            <a:extLst>
+              <a:ext uri="{FF2B5EF4-FFF2-40B4-BE49-F238E27FC236}">
+                <a16:creationId xmlns:a16="http://schemas.microsoft.com/office/drawing/2014/main" id="{1BD289A3-D87C-46A0-82E6-EEB2EE80BE01}"/>
+              </a:ext>
+            </a:extLst>
+          </p:cNvPr>
+          <p:cNvPicPr>
+            <a:picLocks noChangeAspect="1" noChangeArrowheads="1"/>
+          </p:cNvPicPr>
+          <p:nvPr/>
+        </p:nvPicPr>
+        <p:blipFill>
+          <a:blip r:embed="rId3">
+            <a:extLst>
+              <a:ext uri="{28A0092B-C50C-407E-A947-70E740481C1C}">
+                <a14:useLocalDpi xmlns:a14="http://schemas.microsoft.com/office/drawing/2010/main" val="0"/>
+              </a:ext>
+            </a:extLst>
+          </a:blip>
+          <a:srcRect/>
+          <a:stretch>
+            <a:fillRect/>
+          </a:stretch>
+        </p:blipFill>
+        <p:spPr bwMode="auto">
+          <a:xfrm>
+            <a:off x="7490469" y="3211861"/>
+            <a:ext cx="2200387" cy="995045"/>
+          </a:xfrm>
+          <a:prstGeom prst="rect">
+            <a:avLst/>
+          </a:prstGeom>
+          <a:noFill/>
+          <a:extLst>
+            <a:ext uri="{909E8E84-426E-40DD-AFC4-6F175D3DCCD1}">
+              <a14:hiddenFill xmlns:a14="http://schemas.microsoft.com/office/drawing/2010/main">
+                <a:solidFill>
+                  <a:srgbClr val="FFFFFF"/>
+                </a:solidFill>
+              </a14:hiddenFill>
+            </a:ext>
+          </a:extLst>
+        </p:spPr>
+      </p:pic>
     </p:spTree>
     <p:extLst>
       <p:ext uri="{BB962C8B-B14F-4D97-AF65-F5344CB8AC3E}">
         <p14:creationId xmlns:p14="http://schemas.microsoft.com/office/powerpoint/2010/main" val="2256936963"/>
+      </p:ext>
+    </p:extLst>
+  </p:cSld>
+  <p:clrMapOvr>
+    <a:masterClrMapping/>
+  </p:clrMapOvr>
+</p:sld>
+</file>
+
+<file path=ppt/slides/slide3.xml><?xml version="1.0" encoding="utf-8"?>
+<p:sld xmlns:a="http://schemas.openxmlformats.org/drawingml/2006/main" xmlns:r="http://schemas.openxmlformats.org/officeDocument/2006/relationships" xmlns:p="http://schemas.openxmlformats.org/presentationml/2006/main">
+  <p:cSld>
+    <p:spTree>
+      <p:nvGrpSpPr>
+        <p:cNvPr id="1" name=""/>
+        <p:cNvGrpSpPr/>
+        <p:nvPr/>
+      </p:nvGrpSpPr>
+      <p:grpSpPr>
+        <a:xfrm>
+          <a:off x="0" y="0"/>
+          <a:ext cx="0" cy="0"/>
+          <a:chOff x="0" y="0"/>
+          <a:chExt cx="0" cy="0"/>
+        </a:xfrm>
+      </p:grpSpPr>
+      <p:sp>
+        <p:nvSpPr>
+          <p:cNvPr id="3" name="Content Placeholder 2">
+            <a:extLst>
+              <a:ext uri="{FF2B5EF4-FFF2-40B4-BE49-F238E27FC236}">
+                <a16:creationId xmlns:a16="http://schemas.microsoft.com/office/drawing/2014/main" id="{F28DC204-F2D8-4BBB-911A-69B42FA4DB15}"/>
+              </a:ext>
+            </a:extLst>
+          </p:cNvPr>
+          <p:cNvSpPr>
+            <a:spLocks noGrp="1"/>
+          </p:cNvSpPr>
+          <p:nvPr>
+            <p:ph idx="1"/>
+          </p:nvPr>
+        </p:nvSpPr>
+        <p:spPr>
+          <a:xfrm>
+            <a:off x="677334" y="2160590"/>
+            <a:ext cx="8596668" cy="629264"/>
+          </a:xfrm>
+        </p:spPr>
+        <p:txBody>
+          <a:bodyPr>
+            <a:normAutofit lnSpcReduction="10000"/>
+          </a:bodyPr>
+          <a:lstStyle/>
+          <a:p>
+            <a:r>
+              <a:rPr lang="en-US" dirty="0"/>
+              <a:t>Computer vision (CV) is an interdisciplinary field focused on the development and use of algorithms to interpret digital images and videos</a:t>
+            </a:r>
+          </a:p>
+        </p:txBody>
+      </p:sp>
+      <p:sp>
+        <p:nvSpPr>
+          <p:cNvPr id="4" name="Title 3">
+            <a:extLst>
+              <a:ext uri="{FF2B5EF4-FFF2-40B4-BE49-F238E27FC236}">
+                <a16:creationId xmlns:a16="http://schemas.microsoft.com/office/drawing/2014/main" id="{49FFA62B-7894-416C-88CA-160D2E0B7B92}"/>
+              </a:ext>
+            </a:extLst>
+          </p:cNvPr>
+          <p:cNvSpPr>
+            <a:spLocks noGrp="1"/>
+          </p:cNvSpPr>
+          <p:nvPr>
+            <p:ph type="title"/>
+          </p:nvPr>
+        </p:nvSpPr>
+        <p:spPr/>
+        <p:txBody>
+          <a:bodyPr/>
+          <a:lstStyle/>
+          <a:p>
+            <a:r>
+              <a:rPr lang="en-US" dirty="0"/>
+              <a:t>What is computer vision?</a:t>
+            </a:r>
+          </a:p>
+        </p:txBody>
+      </p:sp>
+      <p:sp>
+        <p:nvSpPr>
+          <p:cNvPr id="19" name="Slide Number Placeholder 18">
+            <a:extLst>
+              <a:ext uri="{FF2B5EF4-FFF2-40B4-BE49-F238E27FC236}">
+                <a16:creationId xmlns:a16="http://schemas.microsoft.com/office/drawing/2014/main" id="{A7B91826-7EE2-44F6-9E20-A7FF05899B08}"/>
+              </a:ext>
+            </a:extLst>
+          </p:cNvPr>
+          <p:cNvSpPr>
+            <a:spLocks noGrp="1"/>
+          </p:cNvSpPr>
+          <p:nvPr>
+            <p:ph type="sldNum" sz="quarter" idx="12"/>
+          </p:nvPr>
+        </p:nvSpPr>
+        <p:spPr/>
+        <p:txBody>
+          <a:bodyPr/>
+          <a:lstStyle/>
+          <a:p>
+            <a:fld id="{D57F1E4F-1CFF-5643-939E-217C01CDF565}" type="slidenum">
+              <a:rPr lang="en-US" smtClean="0"/>
+              <a:pPr/>
+              <a:t>3</a:t>
+            </a:fld>
+            <a:endParaRPr lang="en-US" dirty="0"/>
+          </a:p>
+        </p:txBody>
+      </p:sp>
+      <p:sp>
+        <p:nvSpPr>
+          <p:cNvPr id="20" name="Footer Placeholder 19">
+            <a:extLst>
+              <a:ext uri="{FF2B5EF4-FFF2-40B4-BE49-F238E27FC236}">
+                <a16:creationId xmlns:a16="http://schemas.microsoft.com/office/drawing/2014/main" id="{6E50C11E-3213-4AEB-9C2A-E3C3A8DB7997}"/>
+              </a:ext>
+            </a:extLst>
+          </p:cNvPr>
+          <p:cNvSpPr>
+            <a:spLocks noGrp="1"/>
+          </p:cNvSpPr>
+          <p:nvPr>
+            <p:ph type="ftr" sz="quarter" idx="11"/>
+          </p:nvPr>
+        </p:nvSpPr>
+        <p:spPr>
+          <a:xfrm>
+            <a:off x="657719" y="6406487"/>
+            <a:ext cx="6297612" cy="365125"/>
+          </a:xfrm>
+        </p:spPr>
+        <p:txBody>
+          <a:bodyPr/>
+          <a:lstStyle/>
+          <a:p>
+            <a:r>
+              <a:rPr lang="en-US" dirty="0"/>
+              <a:t>1. COCO dataset, http://cocodataset.org</a:t>
+            </a:r>
+          </a:p>
+        </p:txBody>
+      </p:sp>
+      <p:grpSp>
+        <p:nvGrpSpPr>
+          <p:cNvPr id="21" name="Group 20">
+            <a:extLst>
+              <a:ext uri="{FF2B5EF4-FFF2-40B4-BE49-F238E27FC236}">
+                <a16:creationId xmlns:a16="http://schemas.microsoft.com/office/drawing/2014/main" id="{20DDF244-556D-412E-8878-547BF9930F4E}"/>
+              </a:ext>
+            </a:extLst>
+          </p:cNvPr>
+          <p:cNvGrpSpPr/>
+          <p:nvPr/>
+        </p:nvGrpSpPr>
+        <p:grpSpPr>
+          <a:xfrm>
+            <a:off x="677334" y="3205839"/>
+            <a:ext cx="7947917" cy="3018085"/>
+            <a:chOff x="984415" y="3318734"/>
+            <a:chExt cx="7947917" cy="3018085"/>
+          </a:xfrm>
+        </p:grpSpPr>
+        <p:grpSp>
+          <p:nvGrpSpPr>
+            <p:cNvPr id="13" name="Group 12">
+              <a:extLst>
+                <a:ext uri="{FF2B5EF4-FFF2-40B4-BE49-F238E27FC236}">
+                  <a16:creationId xmlns:a16="http://schemas.microsoft.com/office/drawing/2014/main" id="{BF0502E2-7110-44B3-BF37-1948476FA6DC}"/>
+                </a:ext>
+              </a:extLst>
+            </p:cNvPr>
+            <p:cNvGrpSpPr/>
+            <p:nvPr/>
+          </p:nvGrpSpPr>
+          <p:grpSpPr>
+            <a:xfrm>
+              <a:off x="984415" y="3899919"/>
+              <a:ext cx="7947917" cy="2436900"/>
+              <a:chOff x="858101" y="3531035"/>
+              <a:chExt cx="7947917" cy="2436900"/>
+            </a:xfrm>
+          </p:grpSpPr>
+          <p:grpSp>
+            <p:nvGrpSpPr>
+              <p:cNvPr id="10" name="Group 9">
+                <a:extLst>
+                  <a:ext uri="{FF2B5EF4-FFF2-40B4-BE49-F238E27FC236}">
+                    <a16:creationId xmlns:a16="http://schemas.microsoft.com/office/drawing/2014/main" id="{1D6CBD7B-4D1F-4779-BFD6-34655B6CEF3E}"/>
+                  </a:ext>
+                </a:extLst>
+              </p:cNvPr>
+              <p:cNvGrpSpPr/>
+              <p:nvPr/>
+            </p:nvGrpSpPr>
+            <p:grpSpPr>
+              <a:xfrm>
+                <a:off x="858101" y="3900367"/>
+                <a:ext cx="7947917" cy="1698237"/>
+                <a:chOff x="841323" y="3773588"/>
+                <a:chExt cx="8504400" cy="1817141"/>
+              </a:xfrm>
+            </p:grpSpPr>
+            <p:pic>
+              <p:nvPicPr>
+                <p:cNvPr id="5" name="Picture 4">
+                  <a:extLst>
+                    <a:ext uri="{FF2B5EF4-FFF2-40B4-BE49-F238E27FC236}">
+                      <a16:creationId xmlns:a16="http://schemas.microsoft.com/office/drawing/2014/main" id="{6BB33F3C-B521-4F99-A562-F72A2D8F50E7}"/>
+                    </a:ext>
+                  </a:extLst>
+                </p:cNvPr>
+                <p:cNvPicPr>
+                  <a:picLocks noChangeAspect="1"/>
+                </p:cNvPicPr>
+                <p:nvPr/>
+              </p:nvPicPr>
+              <p:blipFill>
+                <a:blip r:embed="rId2"/>
+                <a:stretch>
+                  <a:fillRect/>
+                </a:stretch>
+              </p:blipFill>
+              <p:spPr>
+                <a:xfrm>
+                  <a:off x="6578081" y="3773589"/>
+                  <a:ext cx="2767642" cy="1817139"/>
+                </a:xfrm>
+                <a:prstGeom prst="rect">
+                  <a:avLst/>
+                </a:prstGeom>
+              </p:spPr>
+            </p:pic>
+            <p:pic>
+              <p:nvPicPr>
+                <p:cNvPr id="7" name="Picture 6">
+                  <a:extLst>
+                    <a:ext uri="{FF2B5EF4-FFF2-40B4-BE49-F238E27FC236}">
+                      <a16:creationId xmlns:a16="http://schemas.microsoft.com/office/drawing/2014/main" id="{0AE86C2A-28C2-49B8-A794-B04D98015155}"/>
+                    </a:ext>
+                  </a:extLst>
+                </p:cNvPr>
+                <p:cNvPicPr>
+                  <a:picLocks noChangeAspect="1"/>
+                </p:cNvPicPr>
+                <p:nvPr/>
+              </p:nvPicPr>
+              <p:blipFill>
+                <a:blip r:embed="rId3"/>
+                <a:stretch>
+                  <a:fillRect/>
+                </a:stretch>
+              </p:blipFill>
+              <p:spPr>
+                <a:xfrm>
+                  <a:off x="841323" y="3773588"/>
+                  <a:ext cx="2722477" cy="1817140"/>
+                </a:xfrm>
+                <a:prstGeom prst="rect">
+                  <a:avLst/>
+                </a:prstGeom>
+              </p:spPr>
+            </p:pic>
+            <p:pic>
+              <p:nvPicPr>
+                <p:cNvPr id="9" name="Picture 8">
+                  <a:extLst>
+                    <a:ext uri="{FF2B5EF4-FFF2-40B4-BE49-F238E27FC236}">
+                      <a16:creationId xmlns:a16="http://schemas.microsoft.com/office/drawing/2014/main" id="{12AF3C90-0648-4F0F-B513-6D1FB28F8333}"/>
+                    </a:ext>
+                  </a:extLst>
+                </p:cNvPr>
+                <p:cNvPicPr>
+                  <a:picLocks noChangeAspect="1"/>
+                </p:cNvPicPr>
+                <p:nvPr/>
+              </p:nvPicPr>
+              <p:blipFill>
+                <a:blip r:embed="rId4"/>
+                <a:stretch>
+                  <a:fillRect/>
+                </a:stretch>
+              </p:blipFill>
+              <p:spPr>
+                <a:xfrm>
+                  <a:off x="3942326" y="3773588"/>
+                  <a:ext cx="2257229" cy="1817141"/>
+                </a:xfrm>
+                <a:prstGeom prst="rect">
+                  <a:avLst/>
+                </a:prstGeom>
+              </p:spPr>
+            </p:pic>
+          </p:grpSp>
+          <p:sp>
+            <p:nvSpPr>
+              <p:cNvPr id="11" name="Rectangle 10">
+                <a:extLst>
+                  <a:ext uri="{FF2B5EF4-FFF2-40B4-BE49-F238E27FC236}">
+                    <a16:creationId xmlns:a16="http://schemas.microsoft.com/office/drawing/2014/main" id="{2BB2AA3D-8B6B-4DA9-8307-15B1E4506865}"/>
+                  </a:ext>
+                </a:extLst>
+              </p:cNvPr>
+              <p:cNvSpPr/>
+              <p:nvPr/>
+            </p:nvSpPr>
+            <p:spPr>
+              <a:xfrm>
+                <a:off x="3858936" y="4191874"/>
+                <a:ext cx="1610686" cy="1359017"/>
+              </a:xfrm>
+              <a:prstGeom prst="rect">
+                <a:avLst/>
+              </a:prstGeom>
+              <a:noFill/>
+              <a:ln w="28575">
+                <a:solidFill>
+                  <a:srgbClr val="FF0000"/>
+                </a:solidFill>
+              </a:ln>
+            </p:spPr>
+            <p:style>
+              <a:lnRef idx="2">
+                <a:schemeClr val="accent1">
+                  <a:shade val="50000"/>
+                </a:schemeClr>
+              </a:lnRef>
+              <a:fillRef idx="1">
+                <a:schemeClr val="accent1"/>
+              </a:fillRef>
+              <a:effectRef idx="0">
+                <a:schemeClr val="accent1"/>
+              </a:effectRef>
+              <a:fontRef idx="minor">
+                <a:schemeClr val="lt1"/>
+              </a:fontRef>
+            </p:style>
+            <p:txBody>
+              <a:bodyPr rtlCol="0" anchor="ctr"/>
+              <a:lstStyle/>
+              <a:p>
+                <a:pPr algn="ctr"/>
+                <a:endParaRPr lang="en-US"/>
+              </a:p>
+            </p:txBody>
+          </p:sp>
+          <p:sp>
+            <p:nvSpPr>
+              <p:cNvPr id="12" name="Rectangle 11">
+                <a:extLst>
+                  <a:ext uri="{FF2B5EF4-FFF2-40B4-BE49-F238E27FC236}">
+                    <a16:creationId xmlns:a16="http://schemas.microsoft.com/office/drawing/2014/main" id="{85612913-6B9B-43B3-8945-40B2B1814945}"/>
+                  </a:ext>
+                </a:extLst>
+              </p:cNvPr>
+              <p:cNvSpPr/>
+              <p:nvPr/>
+            </p:nvSpPr>
+            <p:spPr>
+              <a:xfrm>
+                <a:off x="1378051" y="3531035"/>
+                <a:ext cx="1556836" cy="369332"/>
+              </a:xfrm>
+              <a:prstGeom prst="rect">
+                <a:avLst/>
+              </a:prstGeom>
+            </p:spPr>
+            <p:txBody>
+              <a:bodyPr wrap="none">
+                <a:spAutoFit/>
+              </a:bodyPr>
+              <a:lstStyle/>
+              <a:p>
+                <a:r>
+                  <a:rPr lang="en-US" dirty="0"/>
+                  <a:t>Classification</a:t>
+                </a:r>
+              </a:p>
+            </p:txBody>
+          </p:sp>
+          <p:sp>
+            <p:nvSpPr>
+              <p:cNvPr id="14" name="Rectangle 13">
+                <a:extLst>
+                  <a:ext uri="{FF2B5EF4-FFF2-40B4-BE49-F238E27FC236}">
+                    <a16:creationId xmlns:a16="http://schemas.microsoft.com/office/drawing/2014/main" id="{D4369E44-1C78-4E2D-BE17-614126EF8AC8}"/>
+                  </a:ext>
+                </a:extLst>
+              </p:cNvPr>
+              <p:cNvSpPr/>
+              <p:nvPr/>
+            </p:nvSpPr>
+            <p:spPr>
+              <a:xfrm>
+                <a:off x="3858936" y="3531035"/>
+                <a:ext cx="1960793" cy="369332"/>
+              </a:xfrm>
+              <a:prstGeom prst="rect">
+                <a:avLst/>
+              </a:prstGeom>
+            </p:spPr>
+            <p:txBody>
+              <a:bodyPr wrap="none">
+                <a:spAutoFit/>
+              </a:bodyPr>
+              <a:lstStyle/>
+              <a:p>
+                <a:r>
+                  <a:rPr lang="en-US" dirty="0"/>
+                  <a:t>Object Detection</a:t>
+                </a:r>
+              </a:p>
+            </p:txBody>
+          </p:sp>
+          <p:sp>
+            <p:nvSpPr>
+              <p:cNvPr id="15" name="Rectangle 14">
+                <a:extLst>
+                  <a:ext uri="{FF2B5EF4-FFF2-40B4-BE49-F238E27FC236}">
+                    <a16:creationId xmlns:a16="http://schemas.microsoft.com/office/drawing/2014/main" id="{94130711-779D-4631-B3AB-F36F7BFFC5B2}"/>
+                  </a:ext>
+                </a:extLst>
+              </p:cNvPr>
+              <p:cNvSpPr/>
+              <p:nvPr/>
+            </p:nvSpPr>
+            <p:spPr>
+              <a:xfrm>
+                <a:off x="6688266" y="3531035"/>
+                <a:ext cx="1603324" cy="369332"/>
+              </a:xfrm>
+              <a:prstGeom prst="rect">
+                <a:avLst/>
+              </a:prstGeom>
+            </p:spPr>
+            <p:txBody>
+              <a:bodyPr wrap="none">
+                <a:spAutoFit/>
+              </a:bodyPr>
+              <a:lstStyle/>
+              <a:p>
+                <a:r>
+                  <a:rPr lang="en-US" dirty="0"/>
+                  <a:t>Segmentation</a:t>
+                </a:r>
+              </a:p>
+            </p:txBody>
+          </p:sp>
+          <p:sp>
+            <p:nvSpPr>
+              <p:cNvPr id="16" name="Rectangle 15">
+                <a:extLst>
+                  <a:ext uri="{FF2B5EF4-FFF2-40B4-BE49-F238E27FC236}">
+                    <a16:creationId xmlns:a16="http://schemas.microsoft.com/office/drawing/2014/main" id="{976FBE26-36FD-403E-A6A7-28F726B17364}"/>
+                  </a:ext>
+                </a:extLst>
+              </p:cNvPr>
+              <p:cNvSpPr/>
+              <p:nvPr/>
+            </p:nvSpPr>
+            <p:spPr>
+              <a:xfrm>
+                <a:off x="1847978" y="5550891"/>
+                <a:ext cx="564578" cy="369332"/>
+              </a:xfrm>
+              <a:prstGeom prst="rect">
+                <a:avLst/>
+              </a:prstGeom>
+            </p:spPr>
+            <p:txBody>
+              <a:bodyPr wrap="none">
+                <a:spAutoFit/>
+              </a:bodyPr>
+              <a:lstStyle/>
+              <a:p>
+                <a:r>
+                  <a:rPr lang="en-US" dirty="0"/>
+                  <a:t>Dog</a:t>
+                </a:r>
+              </a:p>
+            </p:txBody>
+          </p:sp>
+          <p:sp>
+            <p:nvSpPr>
+              <p:cNvPr id="17" name="Rectangle 16">
+                <a:extLst>
+                  <a:ext uri="{FF2B5EF4-FFF2-40B4-BE49-F238E27FC236}">
+                    <a16:creationId xmlns:a16="http://schemas.microsoft.com/office/drawing/2014/main" id="{C75E21A6-0C0E-4B92-8196-E31C2EE5E68A}"/>
+                  </a:ext>
+                </a:extLst>
+              </p:cNvPr>
+              <p:cNvSpPr/>
+              <p:nvPr/>
+            </p:nvSpPr>
+            <p:spPr>
+              <a:xfrm>
+                <a:off x="4392310" y="5550891"/>
+                <a:ext cx="768159" cy="369332"/>
+              </a:xfrm>
+              <a:prstGeom prst="rect">
+                <a:avLst/>
+              </a:prstGeom>
+            </p:spPr>
+            <p:txBody>
+              <a:bodyPr wrap="none">
+                <a:spAutoFit/>
+              </a:bodyPr>
+              <a:lstStyle/>
+              <a:p>
+                <a:r>
+                  <a:rPr lang="en-US" dirty="0"/>
+                  <a:t>Horse</a:t>
+                </a:r>
+              </a:p>
+            </p:txBody>
+          </p:sp>
+          <p:sp>
+            <p:nvSpPr>
+              <p:cNvPr id="18" name="Rectangle 17">
+                <a:extLst>
+                  <a:ext uri="{FF2B5EF4-FFF2-40B4-BE49-F238E27FC236}">
+                    <a16:creationId xmlns:a16="http://schemas.microsoft.com/office/drawing/2014/main" id="{B6AC6DC3-06F5-4C1D-8A0F-C6F232486442}"/>
+                  </a:ext>
+                </a:extLst>
+              </p:cNvPr>
+              <p:cNvSpPr/>
+              <p:nvPr/>
+            </p:nvSpPr>
+            <p:spPr>
+              <a:xfrm>
+                <a:off x="7172009" y="5598603"/>
+                <a:ext cx="535724" cy="369332"/>
+              </a:xfrm>
+              <a:prstGeom prst="rect">
+                <a:avLst/>
+              </a:prstGeom>
+            </p:spPr>
+            <p:txBody>
+              <a:bodyPr wrap="none">
+                <a:spAutoFit/>
+              </a:bodyPr>
+              <a:lstStyle/>
+              <a:p>
+                <a:r>
+                  <a:rPr lang="en-US" dirty="0"/>
+                  <a:t>Cat</a:t>
+                </a:r>
+              </a:p>
+            </p:txBody>
+          </p:sp>
+        </p:grpSp>
+        <p:sp>
+          <p:nvSpPr>
+            <p:cNvPr id="22" name="Rectangle 21">
+              <a:extLst>
+                <a:ext uri="{FF2B5EF4-FFF2-40B4-BE49-F238E27FC236}">
+                  <a16:creationId xmlns:a16="http://schemas.microsoft.com/office/drawing/2014/main" id="{58CD31EA-E283-45F2-B16B-2AEB689C2322}"/>
+                </a:ext>
+              </a:extLst>
+            </p:cNvPr>
+            <p:cNvSpPr/>
+            <p:nvPr/>
+          </p:nvSpPr>
+          <p:spPr>
+            <a:xfrm>
+              <a:off x="984415" y="3318734"/>
+              <a:ext cx="2224007" cy="400110"/>
+            </a:xfrm>
+            <a:prstGeom prst="rect">
+              <a:avLst/>
+            </a:prstGeom>
+          </p:spPr>
+          <p:txBody>
+            <a:bodyPr wrap="none">
+              <a:spAutoFit/>
+            </a:bodyPr>
+            <a:lstStyle/>
+            <a:p>
+              <a:r>
+                <a:rPr lang="en-US" sz="2000" dirty="0"/>
+                <a:t>Common CV Tasks</a:t>
+              </a:r>
+            </a:p>
+          </p:txBody>
+        </p:sp>
+      </p:grpSp>
+    </p:spTree>
+    <p:extLst>
+      <p:ext uri="{BB962C8B-B14F-4D97-AF65-F5344CB8AC3E}">
+        <p14:creationId xmlns:p14="http://schemas.microsoft.com/office/powerpoint/2010/main" val="1293133405"/>
+      </p:ext>
+    </p:extLst>
+  </p:cSld>
+  <p:clrMapOvr>
+    <a:masterClrMapping/>
+  </p:clrMapOvr>
+</p:sld>
+</file>
+
+<file path=ppt/slides/slide4.xml><?xml version="1.0" encoding="utf-8"?>
+<p:sld xmlns:a="http://schemas.openxmlformats.org/drawingml/2006/main" xmlns:r="http://schemas.openxmlformats.org/officeDocument/2006/relationships" xmlns:p="http://schemas.openxmlformats.org/presentationml/2006/main">
+  <p:cSld>
+    <p:spTree>
+      <p:nvGrpSpPr>
+        <p:cNvPr id="1" name=""/>
+        <p:cNvGrpSpPr/>
+        <p:nvPr/>
+      </p:nvGrpSpPr>
+      <p:grpSpPr>
+        <a:xfrm>
+          <a:off x="0" y="0"/>
+          <a:ext cx="0" cy="0"/>
+          <a:chOff x="0" y="0"/>
+          <a:chExt cx="0" cy="0"/>
+        </a:xfrm>
+      </p:grpSpPr>
+      <p:sp>
+        <p:nvSpPr>
+          <p:cNvPr id="2" name="Title 1">
+            <a:extLst>
+              <a:ext uri="{FF2B5EF4-FFF2-40B4-BE49-F238E27FC236}">
+                <a16:creationId xmlns:a16="http://schemas.microsoft.com/office/drawing/2014/main" id="{5008799F-E995-4158-92F3-3C9D36739EC8}"/>
+              </a:ext>
+            </a:extLst>
+          </p:cNvPr>
+          <p:cNvSpPr>
+            <a:spLocks noGrp="1"/>
+          </p:cNvSpPr>
+          <p:nvPr>
+            <p:ph type="title"/>
+          </p:nvPr>
+        </p:nvSpPr>
+        <p:spPr/>
+        <p:txBody>
+          <a:bodyPr/>
+          <a:lstStyle/>
+          <a:p>
+            <a:r>
+              <a:rPr lang="en-US" dirty="0"/>
+              <a:t>Convolutional Neural Networks</a:t>
+            </a:r>
+          </a:p>
+        </p:txBody>
+      </p:sp>
+      <p:sp>
+        <p:nvSpPr>
+          <p:cNvPr id="5" name="Slide Number Placeholder 4">
+            <a:extLst>
+              <a:ext uri="{FF2B5EF4-FFF2-40B4-BE49-F238E27FC236}">
+                <a16:creationId xmlns:a16="http://schemas.microsoft.com/office/drawing/2014/main" id="{200CB53B-5718-422A-B8C0-148EBC152605}"/>
+              </a:ext>
+            </a:extLst>
+          </p:cNvPr>
+          <p:cNvSpPr>
+            <a:spLocks noGrp="1"/>
+          </p:cNvSpPr>
+          <p:nvPr>
+            <p:ph type="sldNum" sz="quarter" idx="12"/>
+          </p:nvPr>
+        </p:nvSpPr>
+        <p:spPr/>
+        <p:txBody>
+          <a:bodyPr/>
+          <a:lstStyle/>
+          <a:p>
+            <a:fld id="{D57F1E4F-1CFF-5643-939E-217C01CDF565}" type="slidenum">
+              <a:rPr lang="en-US" smtClean="0"/>
+              <a:pPr/>
+              <a:t>4</a:t>
+            </a:fld>
+            <a:endParaRPr lang="en-US" dirty="0"/>
+          </a:p>
+        </p:txBody>
+      </p:sp>
+      <p:sp>
+        <p:nvSpPr>
+          <p:cNvPr id="7" name="Footer Placeholder 19">
+            <a:extLst>
+              <a:ext uri="{FF2B5EF4-FFF2-40B4-BE49-F238E27FC236}">
+                <a16:creationId xmlns:a16="http://schemas.microsoft.com/office/drawing/2014/main" id="{1174B057-8774-45D2-B978-5258F5B75990}"/>
+              </a:ext>
+            </a:extLst>
+          </p:cNvPr>
+          <p:cNvSpPr>
+            <a:spLocks noGrp="1"/>
+          </p:cNvSpPr>
+          <p:nvPr>
+            <p:ph type="ftr" sz="quarter" idx="11"/>
+          </p:nvPr>
+        </p:nvSpPr>
+        <p:spPr>
+          <a:xfrm>
+            <a:off x="657719" y="6406487"/>
+            <a:ext cx="6297612" cy="365125"/>
+          </a:xfrm>
+        </p:spPr>
+        <p:txBody>
+          <a:bodyPr/>
+          <a:lstStyle/>
+          <a:p>
+            <a:r>
+              <a:rPr lang="en-US" dirty="0"/>
+              <a:t>3. </a:t>
+            </a:r>
+            <a:r>
+              <a:rPr lang="en-US" dirty="0" err="1"/>
+              <a:t>LeCun</a:t>
+            </a:r>
+            <a:r>
+              <a:rPr lang="en-US" dirty="0"/>
+              <a:t> et. al, </a:t>
+            </a:r>
+            <a:r>
+              <a:rPr lang="en-US" i="1" dirty="0"/>
+              <a:t>Gradient-Based Learning Applied to Document Recognition</a:t>
+            </a:r>
+            <a:r>
+              <a:rPr lang="en-US" dirty="0"/>
+              <a:t>.</a:t>
+            </a:r>
+          </a:p>
+        </p:txBody>
+      </p:sp>
+      <p:sp>
+        <p:nvSpPr>
+          <p:cNvPr id="8" name="Content Placeholder 2">
+            <a:extLst>
+              <a:ext uri="{FF2B5EF4-FFF2-40B4-BE49-F238E27FC236}">
+                <a16:creationId xmlns:a16="http://schemas.microsoft.com/office/drawing/2014/main" id="{B1B89136-D9D7-49B5-A087-1CEAA45BB2F3}"/>
+              </a:ext>
+            </a:extLst>
+          </p:cNvPr>
+          <p:cNvSpPr txBox="1">
+            <a:spLocks/>
+          </p:cNvSpPr>
+          <p:nvPr/>
+        </p:nvSpPr>
+        <p:spPr>
+          <a:xfrm>
+            <a:off x="677334" y="2160589"/>
+            <a:ext cx="7682894" cy="1268411"/>
+          </a:xfrm>
+          <a:prstGeom prst="rect">
+            <a:avLst/>
+          </a:prstGeom>
+        </p:spPr>
+        <p:txBody>
+          <a:bodyPr vert="horz" lIns="91440" tIns="45720" rIns="91440" bIns="45720" rtlCol="0">
+            <a:normAutofit/>
+          </a:bodyPr>
+          <a:lstStyle>
+            <a:lvl1pPr marL="342900" indent="-342900" algn="l" defTabSz="457200" rtl="0" eaLnBrk="1" latinLnBrk="0" hangingPunct="1">
+              <a:spcBef>
+                <a:spcPts val="1000"/>
+              </a:spcBef>
+              <a:spcAft>
+                <a:spcPts val="0"/>
+              </a:spcAft>
+              <a:buClr>
+                <a:schemeClr val="accent1"/>
+              </a:buClr>
+              <a:buSzPct val="80000"/>
+              <a:buFont typeface="Wingdings 3" charset="2"/>
+              <a:buChar char=""/>
+              <a:defRPr sz="1800" kern="1200">
+                <a:solidFill>
+                  <a:schemeClr val="tx1">
+                    <a:lumMod val="75000"/>
+                    <a:lumOff val="25000"/>
+                  </a:schemeClr>
+                </a:solidFill>
+                <a:latin typeface="+mn-lt"/>
+                <a:ea typeface="+mn-ea"/>
+                <a:cs typeface="+mn-cs"/>
+              </a:defRPr>
+            </a:lvl1pPr>
+            <a:lvl2pPr marL="742950" indent="-285750" algn="l" defTabSz="457200" rtl="0" eaLnBrk="1" latinLnBrk="0" hangingPunct="1">
+              <a:spcBef>
+                <a:spcPts val="1000"/>
+              </a:spcBef>
+              <a:spcAft>
+                <a:spcPts val="0"/>
+              </a:spcAft>
+              <a:buClr>
+                <a:schemeClr val="accent1"/>
+              </a:buClr>
+              <a:buSzPct val="80000"/>
+              <a:buFont typeface="Wingdings 3" charset="2"/>
+              <a:buChar char=""/>
+              <a:defRPr sz="1600" kern="1200">
+                <a:solidFill>
+                  <a:schemeClr val="tx1">
+                    <a:lumMod val="75000"/>
+                    <a:lumOff val="25000"/>
+                  </a:schemeClr>
+                </a:solidFill>
+                <a:latin typeface="+mn-lt"/>
+                <a:ea typeface="+mn-ea"/>
+                <a:cs typeface="+mn-cs"/>
+              </a:defRPr>
+            </a:lvl2pPr>
+            <a:lvl3pPr marL="1143000" indent="-228600" algn="l" defTabSz="457200" rtl="0" eaLnBrk="1" latinLnBrk="0" hangingPunct="1">
+              <a:spcBef>
+                <a:spcPts val="1000"/>
+              </a:spcBef>
+              <a:spcAft>
+                <a:spcPts val="0"/>
+              </a:spcAft>
+              <a:buClr>
+                <a:schemeClr val="accent1"/>
+              </a:buClr>
+              <a:buSzPct val="80000"/>
+              <a:buFont typeface="Wingdings 3" charset="2"/>
+              <a:buChar char=""/>
+              <a:defRPr sz="1400" kern="1200">
+                <a:solidFill>
+                  <a:schemeClr val="tx1">
+                    <a:lumMod val="75000"/>
+                    <a:lumOff val="25000"/>
+                  </a:schemeClr>
+                </a:solidFill>
+                <a:latin typeface="+mn-lt"/>
+                <a:ea typeface="+mn-ea"/>
+                <a:cs typeface="+mn-cs"/>
+              </a:defRPr>
+            </a:lvl3pPr>
+            <a:lvl4pPr marL="1600200" indent="-228600" algn="l" defTabSz="457200" rtl="0" eaLnBrk="1" latinLnBrk="0" hangingPunct="1">
+              <a:spcBef>
+                <a:spcPts val="1000"/>
+              </a:spcBef>
+              <a:spcAft>
+                <a:spcPts val="0"/>
+              </a:spcAft>
+              <a:buClr>
+                <a:schemeClr val="accent1"/>
+              </a:buClr>
+              <a:buSzPct val="80000"/>
+              <a:buFont typeface="Wingdings 3" charset="2"/>
+              <a:buChar char=""/>
+              <a:defRPr sz="1200" kern="1200">
+                <a:solidFill>
+                  <a:schemeClr val="tx1">
+                    <a:lumMod val="75000"/>
+                    <a:lumOff val="25000"/>
+                  </a:schemeClr>
+                </a:solidFill>
+                <a:latin typeface="+mn-lt"/>
+                <a:ea typeface="+mn-ea"/>
+                <a:cs typeface="+mn-cs"/>
+              </a:defRPr>
+            </a:lvl4pPr>
+            <a:lvl5pPr marL="2057400" indent="-228600" algn="l" defTabSz="457200" rtl="0" eaLnBrk="1" latinLnBrk="0" hangingPunct="1">
+              <a:spcBef>
+                <a:spcPts val="1000"/>
+              </a:spcBef>
+              <a:spcAft>
+                <a:spcPts val="0"/>
+              </a:spcAft>
+              <a:buClr>
+                <a:schemeClr val="accent1"/>
+              </a:buClr>
+              <a:buSzPct val="80000"/>
+              <a:buFont typeface="Wingdings 3" charset="2"/>
+              <a:buChar char=""/>
+              <a:defRPr sz="1200" kern="1200">
+                <a:solidFill>
+                  <a:schemeClr val="tx1">
+                    <a:lumMod val="75000"/>
+                    <a:lumOff val="25000"/>
+                  </a:schemeClr>
+                </a:solidFill>
+                <a:latin typeface="+mn-lt"/>
+                <a:ea typeface="+mn-ea"/>
+                <a:cs typeface="+mn-cs"/>
+              </a:defRPr>
+            </a:lvl5pPr>
+            <a:lvl6pPr marL="2514600" indent="-228600" algn="l" defTabSz="457200" rtl="0" eaLnBrk="1" latinLnBrk="0" hangingPunct="1">
+              <a:spcBef>
+                <a:spcPts val="1000"/>
+              </a:spcBef>
+              <a:spcAft>
+                <a:spcPts val="0"/>
+              </a:spcAft>
+              <a:buClr>
+                <a:schemeClr val="accent1"/>
+              </a:buClr>
+              <a:buSzPct val="80000"/>
+              <a:buFont typeface="Wingdings 3" charset="2"/>
+              <a:buChar char=""/>
+              <a:defRPr sz="1200" kern="1200">
+                <a:solidFill>
+                  <a:schemeClr val="tx1">
+                    <a:lumMod val="75000"/>
+                    <a:lumOff val="25000"/>
+                  </a:schemeClr>
+                </a:solidFill>
+                <a:latin typeface="+mn-lt"/>
+                <a:ea typeface="+mn-ea"/>
+                <a:cs typeface="+mn-cs"/>
+              </a:defRPr>
+            </a:lvl6pPr>
+            <a:lvl7pPr marL="2971800" indent="-228600" algn="l" defTabSz="457200" rtl="0" eaLnBrk="1" latinLnBrk="0" hangingPunct="1">
+              <a:spcBef>
+                <a:spcPts val="1000"/>
+              </a:spcBef>
+              <a:spcAft>
+                <a:spcPts val="0"/>
+              </a:spcAft>
+              <a:buClr>
+                <a:schemeClr val="accent1"/>
+              </a:buClr>
+              <a:buSzPct val="80000"/>
+              <a:buFont typeface="Wingdings 3" charset="2"/>
+              <a:buChar char=""/>
+              <a:defRPr sz="1200" kern="1200">
+                <a:solidFill>
+                  <a:schemeClr val="tx1">
+                    <a:lumMod val="75000"/>
+                    <a:lumOff val="25000"/>
+                  </a:schemeClr>
+                </a:solidFill>
+                <a:latin typeface="+mn-lt"/>
+                <a:ea typeface="+mn-ea"/>
+                <a:cs typeface="+mn-cs"/>
+              </a:defRPr>
+            </a:lvl7pPr>
+            <a:lvl8pPr marL="3429000" indent="-228600" algn="l" defTabSz="457200" rtl="0" eaLnBrk="1" latinLnBrk="0" hangingPunct="1">
+              <a:spcBef>
+                <a:spcPts val="1000"/>
+              </a:spcBef>
+              <a:spcAft>
+                <a:spcPts val="0"/>
+              </a:spcAft>
+              <a:buClr>
+                <a:schemeClr val="accent1"/>
+              </a:buClr>
+              <a:buSzPct val="80000"/>
+              <a:buFont typeface="Wingdings 3" charset="2"/>
+              <a:buChar char=""/>
+              <a:defRPr sz="1200" kern="1200">
+                <a:solidFill>
+                  <a:schemeClr val="tx1">
+                    <a:lumMod val="75000"/>
+                    <a:lumOff val="25000"/>
+                  </a:schemeClr>
+                </a:solidFill>
+                <a:latin typeface="+mn-lt"/>
+                <a:ea typeface="+mn-ea"/>
+                <a:cs typeface="+mn-cs"/>
+              </a:defRPr>
+            </a:lvl8pPr>
+            <a:lvl9pPr marL="3886200" indent="-228600" algn="l" defTabSz="457200" rtl="0" eaLnBrk="1" latinLnBrk="0" hangingPunct="1">
+              <a:spcBef>
+                <a:spcPts val="1000"/>
+              </a:spcBef>
+              <a:spcAft>
+                <a:spcPts val="0"/>
+              </a:spcAft>
+              <a:buClr>
+                <a:schemeClr val="accent1"/>
+              </a:buClr>
+              <a:buSzPct val="80000"/>
+              <a:buFont typeface="Wingdings 3" charset="2"/>
+              <a:buChar char=""/>
+              <a:defRPr sz="1200" kern="1200">
+                <a:solidFill>
+                  <a:schemeClr val="tx1">
+                    <a:lumMod val="75000"/>
+                    <a:lumOff val="25000"/>
+                  </a:schemeClr>
+                </a:solidFill>
+                <a:latin typeface="+mn-lt"/>
+                <a:ea typeface="+mn-ea"/>
+                <a:cs typeface="+mn-cs"/>
+              </a:defRPr>
+            </a:lvl9pPr>
+          </a:lstStyle>
+          <a:p>
+            <a:pPr marL="914400" lvl="2" indent="0">
+              <a:buNone/>
+            </a:pPr>
+            <a:endParaRPr lang="en-US" dirty="0"/>
+          </a:p>
+        </p:txBody>
+      </p:sp>
+      <p:sp>
+        <p:nvSpPr>
+          <p:cNvPr id="12" name="Content Placeholder 2">
+            <a:extLst>
+              <a:ext uri="{FF2B5EF4-FFF2-40B4-BE49-F238E27FC236}">
+                <a16:creationId xmlns:a16="http://schemas.microsoft.com/office/drawing/2014/main" id="{E700B91C-FE70-4CD8-8530-C0360E943BE0}"/>
+              </a:ext>
+            </a:extLst>
+          </p:cNvPr>
+          <p:cNvSpPr>
+            <a:spLocks noGrp="1"/>
+          </p:cNvSpPr>
+          <p:nvPr>
+            <p:ph idx="1"/>
+          </p:nvPr>
+        </p:nvSpPr>
+        <p:spPr>
+          <a:xfrm>
+            <a:off x="677334" y="1930401"/>
+            <a:ext cx="8894505" cy="1795716"/>
+          </a:xfrm>
+        </p:spPr>
+        <p:txBody>
+          <a:bodyPr>
+            <a:normAutofit lnSpcReduction="10000"/>
+          </a:bodyPr>
+          <a:lstStyle/>
+          <a:p>
+            <a:r>
+              <a:rPr lang="en-US" dirty="0"/>
+              <a:t>Convolution neural networks extract features from images</a:t>
+            </a:r>
+          </a:p>
+          <a:p>
+            <a:pPr marL="457200" lvl="1" indent="0">
+              <a:buNone/>
+            </a:pPr>
+            <a:r>
+              <a:rPr lang="en-US" dirty="0"/>
+              <a:t>1. Represent input image as a matrix/tensor</a:t>
+            </a:r>
+          </a:p>
+          <a:p>
+            <a:pPr marL="457200" lvl="1" indent="0">
+              <a:buNone/>
+            </a:pPr>
+            <a:r>
+              <a:rPr lang="en-US" dirty="0"/>
+              <a:t>2. Apply convolutions to create local feature maps</a:t>
+            </a:r>
+          </a:p>
+          <a:p>
+            <a:pPr marL="457200" lvl="1" indent="0">
+              <a:buNone/>
+            </a:pPr>
+            <a:r>
+              <a:rPr lang="en-US" dirty="0"/>
+              <a:t>3. Use subsampling/pooling to reduce the size of feature maps</a:t>
+            </a:r>
+          </a:p>
+          <a:p>
+            <a:pPr marL="457200" lvl="1" indent="0">
+              <a:buNone/>
+            </a:pPr>
+            <a:r>
+              <a:rPr lang="en-US" dirty="0"/>
+              <a:t>4. Network that produces target variable (fully connected layers for classification)</a:t>
+            </a:r>
+          </a:p>
+        </p:txBody>
+      </p:sp>
+      <p:grpSp>
+        <p:nvGrpSpPr>
+          <p:cNvPr id="6" name="Group 5">
+            <a:extLst>
+              <a:ext uri="{FF2B5EF4-FFF2-40B4-BE49-F238E27FC236}">
+                <a16:creationId xmlns:a16="http://schemas.microsoft.com/office/drawing/2014/main" id="{78B7B3CC-A955-406C-8A1D-D0BB94729F56}"/>
+              </a:ext>
+            </a:extLst>
+          </p:cNvPr>
+          <p:cNvGrpSpPr/>
+          <p:nvPr/>
+        </p:nvGrpSpPr>
+        <p:grpSpPr>
+          <a:xfrm>
+            <a:off x="890500" y="3956305"/>
+            <a:ext cx="7700163" cy="2315246"/>
+            <a:chOff x="815789" y="4091241"/>
+            <a:chExt cx="7700163" cy="2315246"/>
+          </a:xfrm>
+        </p:grpSpPr>
+        <p:pic>
+          <p:nvPicPr>
+            <p:cNvPr id="3074" name="Picture 2" descr="Image result for lenet-4&quot;">
+              <a:extLst>
+                <a:ext uri="{FF2B5EF4-FFF2-40B4-BE49-F238E27FC236}">
+                  <a16:creationId xmlns:a16="http://schemas.microsoft.com/office/drawing/2014/main" id="{2849FD5D-77EB-4FD8-A160-EE92C3BD0E73}"/>
+                </a:ext>
+              </a:extLst>
+            </p:cNvPr>
+            <p:cNvPicPr>
+              <a:picLocks noChangeAspect="1" noChangeArrowheads="1"/>
+            </p:cNvPicPr>
+            <p:nvPr/>
+          </p:nvPicPr>
+          <p:blipFill>
+            <a:blip r:embed="rId2">
+              <a:extLst>
+                <a:ext uri="{28A0092B-C50C-407E-A947-70E740481C1C}">
+                  <a14:useLocalDpi xmlns:a14="http://schemas.microsoft.com/office/drawing/2010/main" val="0"/>
+                </a:ext>
+              </a:extLst>
+            </a:blip>
+            <a:srcRect/>
+            <a:stretch>
+              <a:fillRect/>
+            </a:stretch>
+          </p:blipFill>
+          <p:spPr bwMode="auto">
+            <a:xfrm>
+              <a:off x="815789" y="4275908"/>
+              <a:ext cx="7700163" cy="2130579"/>
+            </a:xfrm>
+            <a:prstGeom prst="rect">
+              <a:avLst/>
+            </a:prstGeom>
+            <a:noFill/>
+            <a:extLst>
+              <a:ext uri="{909E8E84-426E-40DD-AFC4-6F175D3DCCD1}">
+                <a14:hiddenFill xmlns:a14="http://schemas.microsoft.com/office/drawing/2010/main">
+                  <a:solidFill>
+                    <a:srgbClr val="FFFFFF"/>
+                  </a:solidFill>
+                </a14:hiddenFill>
+              </a:ext>
+            </a:extLst>
+          </p:spPr>
+        </p:pic>
+        <p:sp>
+          <p:nvSpPr>
+            <p:cNvPr id="4" name="Rectangle 3">
+              <a:extLst>
+                <a:ext uri="{FF2B5EF4-FFF2-40B4-BE49-F238E27FC236}">
+                  <a16:creationId xmlns:a16="http://schemas.microsoft.com/office/drawing/2014/main" id="{466FB6B3-43F1-4F94-801F-8E74477BC11E}"/>
+                </a:ext>
+              </a:extLst>
+            </p:cNvPr>
+            <p:cNvSpPr/>
+            <p:nvPr/>
+          </p:nvSpPr>
+          <p:spPr>
+            <a:xfrm>
+              <a:off x="815789" y="4091241"/>
+              <a:ext cx="2355197" cy="369332"/>
+            </a:xfrm>
+            <a:prstGeom prst="rect">
+              <a:avLst/>
+            </a:prstGeom>
+          </p:spPr>
+          <p:txBody>
+            <a:bodyPr wrap="none">
+              <a:spAutoFit/>
+            </a:bodyPr>
+            <a:lstStyle/>
+            <a:p>
+              <a:r>
+                <a:rPr lang="en-US" dirty="0"/>
+                <a:t>LeNet-5 Architecture</a:t>
+              </a:r>
+            </a:p>
+          </p:txBody>
+        </p:sp>
+      </p:grpSp>
+    </p:spTree>
+    <p:extLst>
+      <p:ext uri="{BB962C8B-B14F-4D97-AF65-F5344CB8AC3E}">
+        <p14:creationId xmlns:p14="http://schemas.microsoft.com/office/powerpoint/2010/main" val="3450212203"/>
+      </p:ext>
+    </p:extLst>
+  </p:cSld>
+  <p:clrMapOvr>
+    <a:masterClrMapping/>
+  </p:clrMapOvr>
+</p:sld>
+</file>
+
+<file path=ppt/slides/slide5.xml><?xml version="1.0" encoding="utf-8"?>
+<p:sld xmlns:a="http://schemas.openxmlformats.org/drawingml/2006/main" xmlns:r="http://schemas.openxmlformats.org/officeDocument/2006/relationships" xmlns:p="http://schemas.openxmlformats.org/presentationml/2006/main">
+  <p:cSld>
+    <p:spTree>
+      <p:nvGrpSpPr>
+        <p:cNvPr id="1" name=""/>
+        <p:cNvGrpSpPr/>
+        <p:nvPr/>
+      </p:nvGrpSpPr>
+      <p:grpSpPr>
+        <a:xfrm>
+          <a:off x="0" y="0"/>
+          <a:ext cx="0" cy="0"/>
+          <a:chOff x="0" y="0"/>
+          <a:chExt cx="0" cy="0"/>
+        </a:xfrm>
+      </p:grpSpPr>
+      <p:sp>
+        <p:nvSpPr>
+          <p:cNvPr id="2" name="Title 1">
+            <a:extLst>
+              <a:ext uri="{FF2B5EF4-FFF2-40B4-BE49-F238E27FC236}">
+                <a16:creationId xmlns:a16="http://schemas.microsoft.com/office/drawing/2014/main" id="{5008799F-E995-4158-92F3-3C9D36739EC8}"/>
+              </a:ext>
+            </a:extLst>
+          </p:cNvPr>
+          <p:cNvSpPr>
+            <a:spLocks noGrp="1"/>
+          </p:cNvSpPr>
+          <p:nvPr>
+            <p:ph type="title"/>
+          </p:nvPr>
+        </p:nvSpPr>
+        <p:spPr/>
+        <p:txBody>
+          <a:bodyPr/>
+          <a:lstStyle/>
+          <a:p>
+            <a:r>
+              <a:rPr lang="en-US" dirty="0"/>
+              <a:t>Growing interest in computer vision</a:t>
+            </a:r>
+          </a:p>
+        </p:txBody>
+      </p:sp>
+      <p:sp>
+        <p:nvSpPr>
+          <p:cNvPr id="5" name="Slide Number Placeholder 4">
+            <a:extLst>
+              <a:ext uri="{FF2B5EF4-FFF2-40B4-BE49-F238E27FC236}">
+                <a16:creationId xmlns:a16="http://schemas.microsoft.com/office/drawing/2014/main" id="{200CB53B-5718-422A-B8C0-148EBC152605}"/>
+              </a:ext>
+            </a:extLst>
+          </p:cNvPr>
+          <p:cNvSpPr>
+            <a:spLocks noGrp="1"/>
+          </p:cNvSpPr>
+          <p:nvPr>
+            <p:ph type="sldNum" sz="quarter" idx="12"/>
+          </p:nvPr>
+        </p:nvSpPr>
+        <p:spPr/>
+        <p:txBody>
+          <a:bodyPr/>
+          <a:lstStyle/>
+          <a:p>
+            <a:fld id="{D57F1E4F-1CFF-5643-939E-217C01CDF565}" type="slidenum">
+              <a:rPr lang="en-US" smtClean="0"/>
+              <a:pPr/>
+              <a:t>5</a:t>
+            </a:fld>
+            <a:endParaRPr lang="en-US" dirty="0"/>
+          </a:p>
+        </p:txBody>
+      </p:sp>
+      <p:pic>
+        <p:nvPicPr>
+          <p:cNvPr id="2050" name="Picture 2" descr="Image">
+            <a:extLst>
+              <a:ext uri="{FF2B5EF4-FFF2-40B4-BE49-F238E27FC236}">
+                <a16:creationId xmlns:a16="http://schemas.microsoft.com/office/drawing/2014/main" id="{06B50AF4-BF20-4EF1-9216-6943504EB892}"/>
+              </a:ext>
+            </a:extLst>
+          </p:cNvPr>
+          <p:cNvPicPr>
+            <a:picLocks noGrp="1" noChangeAspect="1" noChangeArrowheads="1"/>
+          </p:cNvPicPr>
+          <p:nvPr>
+            <p:ph idx="1"/>
+          </p:nvPr>
+        </p:nvPicPr>
+        <p:blipFill rotWithShape="1">
+          <a:blip r:embed="rId2">
+            <a:extLst>
+              <a:ext uri="{28A0092B-C50C-407E-A947-70E740481C1C}">
+                <a14:useLocalDpi xmlns:a14="http://schemas.microsoft.com/office/drawing/2010/main" val="0"/>
+              </a:ext>
+            </a:extLst>
+          </a:blip>
+          <a:srcRect l="2392" t="15582" r="11068" b="2204"/>
+          <a:stretch/>
+        </p:blipFill>
+        <p:spPr bwMode="auto">
+          <a:xfrm>
+            <a:off x="7366696" y="3295874"/>
+            <a:ext cx="3814612" cy="2717912"/>
+          </a:xfrm>
+          <a:prstGeom prst="rect">
+            <a:avLst/>
+          </a:prstGeom>
+          <a:ln w="38100" cap="sq">
+            <a:solidFill>
+              <a:srgbClr val="000000"/>
+            </a:solidFill>
+            <a:prstDash val="solid"/>
+            <a:miter lim="800000"/>
+          </a:ln>
+          <a:effectLst>
+            <a:outerShdw blurRad="50800" dist="38100" dir="2700000" algn="tl" rotWithShape="0">
+              <a:srgbClr val="000000">
+                <a:alpha val="43000"/>
+              </a:srgbClr>
+            </a:outerShdw>
+          </a:effectLst>
+          <a:extLst>
+            <a:ext uri="{909E8E84-426E-40DD-AFC4-6F175D3DCCD1}">
+              <a14:hiddenFill xmlns:a14="http://schemas.microsoft.com/office/drawing/2010/main">
+                <a:solidFill>
+                  <a:srgbClr val="FFFFFF"/>
+                </a:solidFill>
+              </a14:hiddenFill>
+            </a:ext>
+          </a:extLst>
+        </p:spPr>
+      </p:pic>
+      <p:sp>
+        <p:nvSpPr>
+          <p:cNvPr id="7" name="Footer Placeholder 19">
+            <a:extLst>
+              <a:ext uri="{FF2B5EF4-FFF2-40B4-BE49-F238E27FC236}">
+                <a16:creationId xmlns:a16="http://schemas.microsoft.com/office/drawing/2014/main" id="{1174B057-8774-45D2-B978-5258F5B75990}"/>
+              </a:ext>
+            </a:extLst>
+          </p:cNvPr>
+          <p:cNvSpPr>
+            <a:spLocks noGrp="1"/>
+          </p:cNvSpPr>
+          <p:nvPr>
+            <p:ph type="ftr" sz="quarter" idx="11"/>
+          </p:nvPr>
+        </p:nvSpPr>
+        <p:spPr>
+          <a:xfrm>
+            <a:off x="657719" y="6406487"/>
+            <a:ext cx="6297612" cy="365125"/>
+          </a:xfrm>
+        </p:spPr>
+        <p:txBody>
+          <a:bodyPr/>
+          <a:lstStyle/>
+          <a:p>
+            <a:r>
+              <a:rPr lang="en-US" dirty="0"/>
+              <a:t>2. http://twitter.com/CSProfKGD/status/1141009378830684161</a:t>
+            </a:r>
+          </a:p>
+        </p:txBody>
+      </p:sp>
+      <p:sp>
+        <p:nvSpPr>
+          <p:cNvPr id="8" name="Content Placeholder 2">
+            <a:extLst>
+              <a:ext uri="{FF2B5EF4-FFF2-40B4-BE49-F238E27FC236}">
+                <a16:creationId xmlns:a16="http://schemas.microsoft.com/office/drawing/2014/main" id="{B1B89136-D9D7-49B5-A087-1CEAA45BB2F3}"/>
+              </a:ext>
+            </a:extLst>
+          </p:cNvPr>
+          <p:cNvSpPr txBox="1">
+            <a:spLocks/>
+          </p:cNvSpPr>
+          <p:nvPr/>
+        </p:nvSpPr>
+        <p:spPr>
+          <a:xfrm>
+            <a:off x="677334" y="2160589"/>
+            <a:ext cx="7682894" cy="4087811"/>
+          </a:xfrm>
+          <a:prstGeom prst="rect">
+            <a:avLst/>
+          </a:prstGeom>
+        </p:spPr>
+        <p:txBody>
+          <a:bodyPr vert="horz" lIns="91440" tIns="45720" rIns="91440" bIns="45720" rtlCol="0">
+            <a:normAutofit lnSpcReduction="10000"/>
+          </a:bodyPr>
+          <a:lstStyle>
+            <a:lvl1pPr marL="342900" indent="-342900" algn="l" defTabSz="457200" rtl="0" eaLnBrk="1" latinLnBrk="0" hangingPunct="1">
+              <a:spcBef>
+                <a:spcPts val="1000"/>
+              </a:spcBef>
+              <a:spcAft>
+                <a:spcPts val="0"/>
+              </a:spcAft>
+              <a:buClr>
+                <a:schemeClr val="accent1"/>
+              </a:buClr>
+              <a:buSzPct val="80000"/>
+              <a:buFont typeface="Wingdings 3" charset="2"/>
+              <a:buChar char=""/>
+              <a:defRPr sz="1800" kern="1200">
+                <a:solidFill>
+                  <a:schemeClr val="tx1">
+                    <a:lumMod val="75000"/>
+                    <a:lumOff val="25000"/>
+                  </a:schemeClr>
+                </a:solidFill>
+                <a:latin typeface="+mn-lt"/>
+                <a:ea typeface="+mn-ea"/>
+                <a:cs typeface="+mn-cs"/>
+              </a:defRPr>
+            </a:lvl1pPr>
+            <a:lvl2pPr marL="742950" indent="-285750" algn="l" defTabSz="457200" rtl="0" eaLnBrk="1" latinLnBrk="0" hangingPunct="1">
+              <a:spcBef>
+                <a:spcPts val="1000"/>
+              </a:spcBef>
+              <a:spcAft>
+                <a:spcPts val="0"/>
+              </a:spcAft>
+              <a:buClr>
+                <a:schemeClr val="accent1"/>
+              </a:buClr>
+              <a:buSzPct val="80000"/>
+              <a:buFont typeface="Wingdings 3" charset="2"/>
+              <a:buChar char=""/>
+              <a:defRPr sz="1600" kern="1200">
+                <a:solidFill>
+                  <a:schemeClr val="tx1">
+                    <a:lumMod val="75000"/>
+                    <a:lumOff val="25000"/>
+                  </a:schemeClr>
+                </a:solidFill>
+                <a:latin typeface="+mn-lt"/>
+                <a:ea typeface="+mn-ea"/>
+                <a:cs typeface="+mn-cs"/>
+              </a:defRPr>
+            </a:lvl2pPr>
+            <a:lvl3pPr marL="1143000" indent="-228600" algn="l" defTabSz="457200" rtl="0" eaLnBrk="1" latinLnBrk="0" hangingPunct="1">
+              <a:spcBef>
+                <a:spcPts val="1000"/>
+              </a:spcBef>
+              <a:spcAft>
+                <a:spcPts val="0"/>
+              </a:spcAft>
+              <a:buClr>
+                <a:schemeClr val="accent1"/>
+              </a:buClr>
+              <a:buSzPct val="80000"/>
+              <a:buFont typeface="Wingdings 3" charset="2"/>
+              <a:buChar char=""/>
+              <a:defRPr sz="1400" kern="1200">
+                <a:solidFill>
+                  <a:schemeClr val="tx1">
+                    <a:lumMod val="75000"/>
+                    <a:lumOff val="25000"/>
+                  </a:schemeClr>
+                </a:solidFill>
+                <a:latin typeface="+mn-lt"/>
+                <a:ea typeface="+mn-ea"/>
+                <a:cs typeface="+mn-cs"/>
+              </a:defRPr>
+            </a:lvl3pPr>
+            <a:lvl4pPr marL="1600200" indent="-228600" algn="l" defTabSz="457200" rtl="0" eaLnBrk="1" latinLnBrk="0" hangingPunct="1">
+              <a:spcBef>
+                <a:spcPts val="1000"/>
+              </a:spcBef>
+              <a:spcAft>
+                <a:spcPts val="0"/>
+              </a:spcAft>
+              <a:buClr>
+                <a:schemeClr val="accent1"/>
+              </a:buClr>
+              <a:buSzPct val="80000"/>
+              <a:buFont typeface="Wingdings 3" charset="2"/>
+              <a:buChar char=""/>
+              <a:defRPr sz="1200" kern="1200">
+                <a:solidFill>
+                  <a:schemeClr val="tx1">
+                    <a:lumMod val="75000"/>
+                    <a:lumOff val="25000"/>
+                  </a:schemeClr>
+                </a:solidFill>
+                <a:latin typeface="+mn-lt"/>
+                <a:ea typeface="+mn-ea"/>
+                <a:cs typeface="+mn-cs"/>
+              </a:defRPr>
+            </a:lvl4pPr>
+            <a:lvl5pPr marL="2057400" indent="-228600" algn="l" defTabSz="457200" rtl="0" eaLnBrk="1" latinLnBrk="0" hangingPunct="1">
+              <a:spcBef>
+                <a:spcPts val="1000"/>
+              </a:spcBef>
+              <a:spcAft>
+                <a:spcPts val="0"/>
+              </a:spcAft>
+              <a:buClr>
+                <a:schemeClr val="accent1"/>
+              </a:buClr>
+              <a:buSzPct val="80000"/>
+              <a:buFont typeface="Wingdings 3" charset="2"/>
+              <a:buChar char=""/>
+              <a:defRPr sz="1200" kern="1200">
+                <a:solidFill>
+                  <a:schemeClr val="tx1">
+                    <a:lumMod val="75000"/>
+                    <a:lumOff val="25000"/>
+                  </a:schemeClr>
+                </a:solidFill>
+                <a:latin typeface="+mn-lt"/>
+                <a:ea typeface="+mn-ea"/>
+                <a:cs typeface="+mn-cs"/>
+              </a:defRPr>
+            </a:lvl5pPr>
+            <a:lvl6pPr marL="2514600" indent="-228600" algn="l" defTabSz="457200" rtl="0" eaLnBrk="1" latinLnBrk="0" hangingPunct="1">
+              <a:spcBef>
+                <a:spcPts val="1000"/>
+              </a:spcBef>
+              <a:spcAft>
+                <a:spcPts val="0"/>
+              </a:spcAft>
+              <a:buClr>
+                <a:schemeClr val="accent1"/>
+              </a:buClr>
+              <a:buSzPct val="80000"/>
+              <a:buFont typeface="Wingdings 3" charset="2"/>
+              <a:buChar char=""/>
+              <a:defRPr sz="1200" kern="1200">
+                <a:solidFill>
+                  <a:schemeClr val="tx1">
+                    <a:lumMod val="75000"/>
+                    <a:lumOff val="25000"/>
+                  </a:schemeClr>
+                </a:solidFill>
+                <a:latin typeface="+mn-lt"/>
+                <a:ea typeface="+mn-ea"/>
+                <a:cs typeface="+mn-cs"/>
+              </a:defRPr>
+            </a:lvl6pPr>
+            <a:lvl7pPr marL="2971800" indent="-228600" algn="l" defTabSz="457200" rtl="0" eaLnBrk="1" latinLnBrk="0" hangingPunct="1">
+              <a:spcBef>
+                <a:spcPts val="1000"/>
+              </a:spcBef>
+              <a:spcAft>
+                <a:spcPts val="0"/>
+              </a:spcAft>
+              <a:buClr>
+                <a:schemeClr val="accent1"/>
+              </a:buClr>
+              <a:buSzPct val="80000"/>
+              <a:buFont typeface="Wingdings 3" charset="2"/>
+              <a:buChar char=""/>
+              <a:defRPr sz="1200" kern="1200">
+                <a:solidFill>
+                  <a:schemeClr val="tx1">
+                    <a:lumMod val="75000"/>
+                    <a:lumOff val="25000"/>
+                  </a:schemeClr>
+                </a:solidFill>
+                <a:latin typeface="+mn-lt"/>
+                <a:ea typeface="+mn-ea"/>
+                <a:cs typeface="+mn-cs"/>
+              </a:defRPr>
+            </a:lvl7pPr>
+            <a:lvl8pPr marL="3429000" indent="-228600" algn="l" defTabSz="457200" rtl="0" eaLnBrk="1" latinLnBrk="0" hangingPunct="1">
+              <a:spcBef>
+                <a:spcPts val="1000"/>
+              </a:spcBef>
+              <a:spcAft>
+                <a:spcPts val="0"/>
+              </a:spcAft>
+              <a:buClr>
+                <a:schemeClr val="accent1"/>
+              </a:buClr>
+              <a:buSzPct val="80000"/>
+              <a:buFont typeface="Wingdings 3" charset="2"/>
+              <a:buChar char=""/>
+              <a:defRPr sz="1200" kern="1200">
+                <a:solidFill>
+                  <a:schemeClr val="tx1">
+                    <a:lumMod val="75000"/>
+                    <a:lumOff val="25000"/>
+                  </a:schemeClr>
+                </a:solidFill>
+                <a:latin typeface="+mn-lt"/>
+                <a:ea typeface="+mn-ea"/>
+                <a:cs typeface="+mn-cs"/>
+              </a:defRPr>
+            </a:lvl8pPr>
+            <a:lvl9pPr marL="3886200" indent="-228600" algn="l" defTabSz="457200" rtl="0" eaLnBrk="1" latinLnBrk="0" hangingPunct="1">
+              <a:spcBef>
+                <a:spcPts val="1000"/>
+              </a:spcBef>
+              <a:spcAft>
+                <a:spcPts val="0"/>
+              </a:spcAft>
+              <a:buClr>
+                <a:schemeClr val="accent1"/>
+              </a:buClr>
+              <a:buSzPct val="80000"/>
+              <a:buFont typeface="Wingdings 3" charset="2"/>
+              <a:buChar char=""/>
+              <a:defRPr sz="1200" kern="1200">
+                <a:solidFill>
+                  <a:schemeClr val="tx1">
+                    <a:lumMod val="75000"/>
+                    <a:lumOff val="25000"/>
+                  </a:schemeClr>
+                </a:solidFill>
+                <a:latin typeface="+mn-lt"/>
+                <a:ea typeface="+mn-ea"/>
+                <a:cs typeface="+mn-cs"/>
+              </a:defRPr>
+            </a:lvl9pPr>
+          </a:lstStyle>
+          <a:p>
+            <a:r>
+              <a:rPr lang="en-US" dirty="0"/>
+              <a:t>Rapid advances and growing interest in computer vision</a:t>
+            </a:r>
+          </a:p>
+          <a:p>
+            <a:pPr lvl="1"/>
+            <a:r>
+              <a:rPr lang="en-US" dirty="0"/>
+              <a:t>Improved algorithms</a:t>
+            </a:r>
+          </a:p>
+          <a:p>
+            <a:pPr lvl="2"/>
+            <a:r>
+              <a:rPr lang="en-US" dirty="0"/>
+              <a:t>A convolutional neural networks (CNN) first won ImageNet in 2012</a:t>
+            </a:r>
+          </a:p>
+          <a:p>
+            <a:pPr lvl="2"/>
+            <a:r>
+              <a:rPr lang="en-US" dirty="0"/>
+              <a:t>Better architectures are constantly being released </a:t>
+            </a:r>
+          </a:p>
+          <a:p>
+            <a:pPr lvl="2"/>
+            <a:endParaRPr lang="en-US" dirty="0"/>
+          </a:p>
+          <a:p>
+            <a:pPr lvl="1"/>
+            <a:r>
+              <a:rPr lang="en-US" dirty="0"/>
+              <a:t>Improved hardware</a:t>
+            </a:r>
+          </a:p>
+          <a:p>
+            <a:pPr lvl="2"/>
+            <a:r>
+              <a:rPr lang="en-US" dirty="0"/>
+              <a:t>Nvidia GPUs (with CUDA)</a:t>
+            </a:r>
+          </a:p>
+          <a:p>
+            <a:pPr lvl="2"/>
+            <a:r>
+              <a:rPr lang="en-US" dirty="0"/>
+              <a:t>Google TPUs</a:t>
+            </a:r>
+          </a:p>
+          <a:p>
+            <a:pPr lvl="2"/>
+            <a:endParaRPr lang="en-US" dirty="0"/>
+          </a:p>
+          <a:p>
+            <a:pPr lvl="1"/>
+            <a:r>
+              <a:rPr lang="en-US" dirty="0"/>
+              <a:t>Improved software</a:t>
+            </a:r>
+          </a:p>
+          <a:p>
+            <a:pPr lvl="2"/>
+            <a:r>
+              <a:rPr lang="en-US" dirty="0" err="1"/>
+              <a:t>Tensorflow</a:t>
+            </a:r>
+            <a:r>
+              <a:rPr lang="en-US" dirty="0"/>
+              <a:t> (2015)</a:t>
+            </a:r>
+          </a:p>
+          <a:p>
+            <a:pPr lvl="2"/>
+            <a:r>
+              <a:rPr lang="en-US" b="1" dirty="0" err="1"/>
+              <a:t>PyTorch</a:t>
+            </a:r>
+            <a:r>
+              <a:rPr lang="en-US" dirty="0"/>
+              <a:t> (2016)</a:t>
+            </a:r>
+          </a:p>
+          <a:p>
+            <a:pPr lvl="2"/>
+            <a:endParaRPr lang="en-US" dirty="0"/>
+          </a:p>
+        </p:txBody>
+      </p:sp>
+      <p:sp>
+        <p:nvSpPr>
+          <p:cNvPr id="9" name="Rectangle 8">
+            <a:extLst>
+              <a:ext uri="{FF2B5EF4-FFF2-40B4-BE49-F238E27FC236}">
+                <a16:creationId xmlns:a16="http://schemas.microsoft.com/office/drawing/2014/main" id="{98E0DA84-8AEF-47FD-B1C7-00CC7FC1D909}"/>
+              </a:ext>
+            </a:extLst>
+          </p:cNvPr>
+          <p:cNvSpPr/>
+          <p:nvPr/>
+        </p:nvSpPr>
+        <p:spPr>
+          <a:xfrm>
+            <a:off x="8326687" y="4133714"/>
+            <a:ext cx="2315057" cy="338554"/>
+          </a:xfrm>
+          <a:prstGeom prst="rect">
+            <a:avLst/>
+          </a:prstGeom>
+        </p:spPr>
+        <p:txBody>
+          <a:bodyPr wrap="none">
+            <a:spAutoFit/>
+          </a:bodyPr>
+          <a:lstStyle/>
+          <a:p>
+            <a:r>
+              <a:rPr lang="en-US" sz="1600" dirty="0" err="1"/>
+              <a:t>AlexNet</a:t>
+            </a:r>
+            <a:r>
+              <a:rPr lang="en-US" sz="1600" dirty="0"/>
+              <a:t> wins ImageNet</a:t>
+            </a:r>
+          </a:p>
+        </p:txBody>
+      </p:sp>
+      <p:cxnSp>
+        <p:nvCxnSpPr>
+          <p:cNvPr id="11" name="Straight Arrow Connector 10">
+            <a:extLst>
+              <a:ext uri="{FF2B5EF4-FFF2-40B4-BE49-F238E27FC236}">
+                <a16:creationId xmlns:a16="http://schemas.microsoft.com/office/drawing/2014/main" id="{07DE5260-43AF-47E2-B49A-30A699E568D1}"/>
+              </a:ext>
+            </a:extLst>
+          </p:cNvPr>
+          <p:cNvCxnSpPr>
+            <a:cxnSpLocks/>
+          </p:cNvCxnSpPr>
+          <p:nvPr/>
+        </p:nvCxnSpPr>
+        <p:spPr>
+          <a:xfrm>
+            <a:off x="9817574" y="4541554"/>
+            <a:ext cx="0" cy="572464"/>
+          </a:xfrm>
+          <a:prstGeom prst="straightConnector1">
+            <a:avLst/>
+          </a:prstGeom>
+          <a:ln>
+            <a:solidFill>
+              <a:schemeClr val="tx1"/>
+            </a:solidFill>
+            <a:tailEnd type="triangle"/>
+          </a:ln>
+        </p:spPr>
+        <p:style>
+          <a:lnRef idx="1">
+            <a:schemeClr val="accent1"/>
+          </a:lnRef>
+          <a:fillRef idx="0">
+            <a:schemeClr val="accent1"/>
+          </a:fillRef>
+          <a:effectRef idx="0">
+            <a:schemeClr val="accent1"/>
+          </a:effectRef>
+          <a:fontRef idx="minor">
+            <a:schemeClr val="tx1"/>
+          </a:fontRef>
+        </p:style>
+      </p:cxnSp>
+    </p:spTree>
+    <p:extLst>
+      <p:ext uri="{BB962C8B-B14F-4D97-AF65-F5344CB8AC3E}">
+        <p14:creationId xmlns:p14="http://schemas.microsoft.com/office/powerpoint/2010/main" val="1911407750"/>
+      </p:ext>
+    </p:extLst>
+  </p:cSld>
+  <p:clrMapOvr>
+    <a:masterClrMapping/>
+  </p:clrMapOvr>
+</p:sld>
+</file>
+
+<file path=ppt/slides/slide6.xml><?xml version="1.0" encoding="utf-8"?>
+<p:sld xmlns:a="http://schemas.openxmlformats.org/drawingml/2006/main" xmlns:r="http://schemas.openxmlformats.org/officeDocument/2006/relationships" xmlns:p="http://schemas.openxmlformats.org/presentationml/2006/main">
+  <p:cSld>
+    <p:spTree>
+      <p:nvGrpSpPr>
+        <p:cNvPr id="1" name=""/>
+        <p:cNvGrpSpPr/>
+        <p:nvPr/>
+      </p:nvGrpSpPr>
+      <p:grpSpPr>
+        <a:xfrm>
+          <a:off x="0" y="0"/>
+          <a:ext cx="0" cy="0"/>
+          <a:chOff x="0" y="0"/>
+          <a:chExt cx="0" cy="0"/>
+        </a:xfrm>
+      </p:grpSpPr>
+      <p:sp>
+        <p:nvSpPr>
+          <p:cNvPr id="2" name="Title 1">
+            <a:extLst>
+              <a:ext uri="{FF2B5EF4-FFF2-40B4-BE49-F238E27FC236}">
+                <a16:creationId xmlns:a16="http://schemas.microsoft.com/office/drawing/2014/main" id="{791EAE3A-3182-4217-B6F8-AE2A09F8BF1D}"/>
+              </a:ext>
+            </a:extLst>
+          </p:cNvPr>
+          <p:cNvSpPr>
+            <a:spLocks noGrp="1"/>
+          </p:cNvSpPr>
+          <p:nvPr>
+            <p:ph type="title"/>
+          </p:nvPr>
+        </p:nvSpPr>
+        <p:spPr>
+          <a:xfrm>
+            <a:off x="677334" y="609600"/>
+            <a:ext cx="8596668" cy="1320800"/>
+          </a:xfrm>
+        </p:spPr>
+        <p:txBody>
+          <a:bodyPr/>
+          <a:lstStyle/>
+          <a:p>
+            <a:r>
+              <a:rPr lang="en-US" dirty="0"/>
+              <a:t>What is </a:t>
+            </a:r>
+            <a:r>
+              <a:rPr lang="en-US" dirty="0" err="1"/>
+              <a:t>PyTorch</a:t>
+            </a:r>
+            <a:endParaRPr lang="en-US" dirty="0"/>
+          </a:p>
+        </p:txBody>
+      </p:sp>
+      <p:sp>
+        <p:nvSpPr>
+          <p:cNvPr id="3" name="Content Placeholder 2">
+            <a:extLst>
+              <a:ext uri="{FF2B5EF4-FFF2-40B4-BE49-F238E27FC236}">
+                <a16:creationId xmlns:a16="http://schemas.microsoft.com/office/drawing/2014/main" id="{F0D60072-1FC0-433C-A71F-76761959E502}"/>
+              </a:ext>
+            </a:extLst>
+          </p:cNvPr>
+          <p:cNvSpPr>
+            <a:spLocks noGrp="1"/>
+          </p:cNvSpPr>
+          <p:nvPr>
+            <p:ph idx="1"/>
+          </p:nvPr>
+        </p:nvSpPr>
+        <p:spPr>
+          <a:xfrm>
+            <a:off x="677334" y="2160589"/>
+            <a:ext cx="8596668" cy="3880773"/>
+          </a:xfrm>
+        </p:spPr>
+        <p:txBody>
+          <a:bodyPr/>
+          <a:lstStyle/>
+          <a:p>
+            <a:r>
+              <a:rPr lang="en-US" dirty="0"/>
+              <a:t>Popular framework for implementing neural networks</a:t>
+            </a:r>
+          </a:p>
+          <a:p>
+            <a:r>
+              <a:rPr lang="en-US" dirty="0"/>
+              <a:t>Developed by Facebook for rapid prototyping</a:t>
+            </a:r>
+          </a:p>
+          <a:p>
+            <a:r>
+              <a:rPr lang="en-US" dirty="0"/>
+              <a:t>Essentially </a:t>
+            </a:r>
+            <a:r>
+              <a:rPr lang="en-US" dirty="0" err="1"/>
+              <a:t>numpy</a:t>
+            </a:r>
+            <a:r>
+              <a:rPr lang="en-US" dirty="0"/>
+              <a:t> with GPU support</a:t>
+            </a:r>
+          </a:p>
+          <a:p>
+            <a:r>
+              <a:rPr lang="en-US" dirty="0" err="1"/>
+              <a:t>Torchvision</a:t>
+            </a:r>
+            <a:r>
+              <a:rPr lang="en-US" dirty="0"/>
+              <a:t> library supports computer vision</a:t>
+            </a:r>
+          </a:p>
+          <a:p>
+            <a:r>
+              <a:rPr lang="en-US" dirty="0"/>
+              <a:t>Dynamically typed, research oriented</a:t>
+            </a:r>
+          </a:p>
+          <a:p>
+            <a:pPr marL="457200" lvl="1" indent="0">
+              <a:buNone/>
+            </a:pPr>
+            <a:endParaRPr lang="en-US" dirty="0"/>
+          </a:p>
+          <a:p>
+            <a:pPr marL="457200" lvl="1" indent="0">
+              <a:buNone/>
+            </a:pPr>
+            <a:r>
+              <a:rPr lang="en-US" dirty="0"/>
+              <a:t>Example network</a:t>
+            </a:r>
+          </a:p>
+          <a:p>
+            <a:pPr marL="457200" lvl="1" indent="0">
+              <a:buNone/>
+            </a:pPr>
+            <a:r>
+              <a:rPr lang="en-US" dirty="0"/>
+              <a:t>	(</a:t>
+            </a:r>
+            <a:r>
+              <a:rPr lang="en-US" dirty="0" err="1"/>
+              <a:t>Tensorflow</a:t>
+            </a:r>
+            <a:r>
+              <a:rPr lang="en-US" dirty="0"/>
+              <a:t> has a compile statement here)</a:t>
+            </a:r>
+          </a:p>
+          <a:p>
+            <a:pPr lvl="1"/>
+            <a:endParaRPr lang="en-US" dirty="0"/>
+          </a:p>
+          <a:p>
+            <a:pPr lvl="1"/>
+            <a:endParaRPr lang="en-US" dirty="0"/>
+          </a:p>
+        </p:txBody>
+      </p:sp>
+      <p:sp>
+        <p:nvSpPr>
+          <p:cNvPr id="5" name="Slide Number Placeholder 4">
+            <a:extLst>
+              <a:ext uri="{FF2B5EF4-FFF2-40B4-BE49-F238E27FC236}">
+                <a16:creationId xmlns:a16="http://schemas.microsoft.com/office/drawing/2014/main" id="{46121EAE-A297-4F5F-A7E9-CAA52219705B}"/>
+              </a:ext>
+            </a:extLst>
+          </p:cNvPr>
+          <p:cNvSpPr>
+            <a:spLocks noGrp="1"/>
+          </p:cNvSpPr>
+          <p:nvPr>
+            <p:ph type="sldNum" sz="quarter" idx="12"/>
+          </p:nvPr>
+        </p:nvSpPr>
+        <p:spPr>
+          <a:xfrm>
+            <a:off x="8834503" y="6113464"/>
+            <a:ext cx="683339" cy="365125"/>
+          </a:xfrm>
+        </p:spPr>
+        <p:txBody>
+          <a:bodyPr/>
+          <a:lstStyle/>
+          <a:p>
+            <a:fld id="{D57F1E4F-1CFF-5643-939E-217C01CDF565}" type="slidenum">
+              <a:rPr lang="en-US" smtClean="0"/>
+              <a:pPr/>
+              <a:t>6</a:t>
+            </a:fld>
+            <a:endParaRPr lang="en-US" dirty="0"/>
+          </a:p>
+        </p:txBody>
+      </p:sp>
+      <p:grpSp>
+        <p:nvGrpSpPr>
+          <p:cNvPr id="7" name="Group 6">
+            <a:extLst>
+              <a:ext uri="{FF2B5EF4-FFF2-40B4-BE49-F238E27FC236}">
+                <a16:creationId xmlns:a16="http://schemas.microsoft.com/office/drawing/2014/main" id="{C0691906-2C0D-403D-B86D-E05F24433C7E}"/>
+              </a:ext>
+            </a:extLst>
+          </p:cNvPr>
+          <p:cNvGrpSpPr/>
+          <p:nvPr/>
+        </p:nvGrpSpPr>
+        <p:grpSpPr>
+          <a:xfrm>
+            <a:off x="8207621" y="5300981"/>
+            <a:ext cx="3072178" cy="995045"/>
+            <a:chOff x="6026476" y="552927"/>
+            <a:chExt cx="3072178" cy="995045"/>
+          </a:xfrm>
+        </p:grpSpPr>
+        <p:pic>
+          <p:nvPicPr>
+            <p:cNvPr id="6" name="Picture 2" descr="Image result for pytorch&quot;">
+              <a:extLst>
+                <a:ext uri="{FF2B5EF4-FFF2-40B4-BE49-F238E27FC236}">
+                  <a16:creationId xmlns:a16="http://schemas.microsoft.com/office/drawing/2014/main" id="{B91E0B9F-476F-42D3-BD9D-966154E2F2B9}"/>
+                </a:ext>
+              </a:extLst>
+            </p:cNvPr>
+            <p:cNvPicPr>
+              <a:picLocks noChangeAspect="1" noChangeArrowheads="1"/>
+            </p:cNvPicPr>
+            <p:nvPr/>
+          </p:nvPicPr>
+          <p:blipFill>
+            <a:blip r:embed="rId2">
+              <a:extLst>
+                <a:ext uri="{28A0092B-C50C-407E-A947-70E740481C1C}">
+                  <a14:useLocalDpi xmlns:a14="http://schemas.microsoft.com/office/drawing/2010/main" val="0"/>
+                </a:ext>
+              </a:extLst>
+            </a:blip>
+            <a:srcRect/>
+            <a:stretch>
+              <a:fillRect/>
+            </a:stretch>
+          </p:blipFill>
+          <p:spPr bwMode="auto">
+            <a:xfrm>
+              <a:off x="6026476" y="552927"/>
+              <a:ext cx="2200387" cy="995045"/>
+            </a:xfrm>
+            <a:prstGeom prst="rect">
+              <a:avLst/>
+            </a:prstGeom>
+            <a:noFill/>
+            <a:extLst>
+              <a:ext uri="{909E8E84-426E-40DD-AFC4-6F175D3DCCD1}">
+                <a14:hiddenFill xmlns:a14="http://schemas.microsoft.com/office/drawing/2010/main">
+                  <a:solidFill>
+                    <a:srgbClr val="FFFFFF"/>
+                  </a:solidFill>
+                </a14:hiddenFill>
+              </a:ext>
+            </a:extLst>
+          </p:spPr>
+        </p:pic>
+        <p:pic>
+          <p:nvPicPr>
+            <p:cNvPr id="7170" name="Picture 2" descr="Image result for facebook logo">
+              <a:extLst>
+                <a:ext uri="{FF2B5EF4-FFF2-40B4-BE49-F238E27FC236}">
+                  <a16:creationId xmlns:a16="http://schemas.microsoft.com/office/drawing/2014/main" id="{42CF3561-C80C-47FD-8B3F-42D60A126544}"/>
+                </a:ext>
+              </a:extLst>
+            </p:cNvPr>
+            <p:cNvPicPr>
+              <a:picLocks noChangeAspect="1" noChangeArrowheads="1"/>
+            </p:cNvPicPr>
+            <p:nvPr/>
+          </p:nvPicPr>
+          <p:blipFill>
+            <a:blip r:embed="rId3">
+              <a:extLst>
+                <a:ext uri="{28A0092B-C50C-407E-A947-70E740481C1C}">
+                  <a14:useLocalDpi xmlns:a14="http://schemas.microsoft.com/office/drawing/2010/main" val="0"/>
+                </a:ext>
+              </a:extLst>
+            </a:blip>
+            <a:srcRect/>
+            <a:stretch>
+              <a:fillRect/>
+            </a:stretch>
+          </p:blipFill>
+          <p:spPr bwMode="auto">
+            <a:xfrm>
+              <a:off x="8438254" y="609600"/>
+              <a:ext cx="660400" cy="660400"/>
+            </a:xfrm>
+            <a:prstGeom prst="rect">
+              <a:avLst/>
+            </a:prstGeom>
+            <a:noFill/>
+            <a:extLst>
+              <a:ext uri="{909E8E84-426E-40DD-AFC4-6F175D3DCCD1}">
+                <a14:hiddenFill xmlns:a14="http://schemas.microsoft.com/office/drawing/2010/main">
+                  <a:solidFill>
+                    <a:srgbClr val="FFFFFF"/>
+                  </a:solidFill>
+                </a14:hiddenFill>
+              </a:ext>
+            </a:extLst>
+          </p:spPr>
+        </p:pic>
+      </p:grpSp>
+      <p:pic>
+        <p:nvPicPr>
+          <p:cNvPr id="8" name="Picture 7">
+            <a:extLst>
+              <a:ext uri="{FF2B5EF4-FFF2-40B4-BE49-F238E27FC236}">
+                <a16:creationId xmlns:a16="http://schemas.microsoft.com/office/drawing/2014/main" id="{3E2BB61A-70A2-418F-84FA-885A79C817EC}"/>
+              </a:ext>
+            </a:extLst>
+          </p:cNvPr>
+          <p:cNvPicPr>
+            <a:picLocks noChangeAspect="1"/>
+          </p:cNvPicPr>
+          <p:nvPr/>
+        </p:nvPicPr>
+        <p:blipFill rotWithShape="1">
+          <a:blip r:embed="rId4"/>
+          <a:srcRect b="32955"/>
+          <a:stretch/>
+        </p:blipFill>
+        <p:spPr>
+          <a:xfrm>
+            <a:off x="7284512" y="379411"/>
+            <a:ext cx="4617477" cy="1320800"/>
+          </a:xfrm>
+          <a:prstGeom prst="rect">
+            <a:avLst/>
+          </a:prstGeom>
+        </p:spPr>
+      </p:pic>
+    </p:spTree>
+    <p:extLst>
+      <p:ext uri="{BB962C8B-B14F-4D97-AF65-F5344CB8AC3E}">
+        <p14:creationId xmlns:p14="http://schemas.microsoft.com/office/powerpoint/2010/main" val="3162430825"/>
+      </p:ext>
+    </p:extLst>
+  </p:cSld>
+  <p:clrMapOvr>
+    <a:masterClrMapping/>
+  </p:clrMapOvr>
+</p:sld>
+</file>
+
+<file path=ppt/slides/slide7.xml><?xml version="1.0" encoding="utf-8"?>
+<p:sld xmlns:a="http://schemas.openxmlformats.org/drawingml/2006/main" xmlns:r="http://schemas.openxmlformats.org/officeDocument/2006/relationships" xmlns:p="http://schemas.openxmlformats.org/presentationml/2006/main">
+  <p:cSld>
+    <p:spTree>
+      <p:nvGrpSpPr>
+        <p:cNvPr id="1" name=""/>
+        <p:cNvGrpSpPr/>
+        <p:nvPr/>
+      </p:nvGrpSpPr>
+      <p:grpSpPr>
+        <a:xfrm>
+          <a:off x="0" y="0"/>
+          <a:ext cx="0" cy="0"/>
+          <a:chOff x="0" y="0"/>
+          <a:chExt cx="0" cy="0"/>
+        </a:xfrm>
+      </p:grpSpPr>
+      <p:sp>
+        <p:nvSpPr>
+          <p:cNvPr id="2" name="Title 1">
+            <a:extLst>
+              <a:ext uri="{FF2B5EF4-FFF2-40B4-BE49-F238E27FC236}">
+                <a16:creationId xmlns:a16="http://schemas.microsoft.com/office/drawing/2014/main" id="{076E539F-C9B6-451C-AF0E-9401844D1122}"/>
+              </a:ext>
+            </a:extLst>
+          </p:cNvPr>
+          <p:cNvSpPr>
+            <a:spLocks noGrp="1"/>
+          </p:cNvSpPr>
+          <p:nvPr>
+            <p:ph type="title"/>
+          </p:nvPr>
+        </p:nvSpPr>
+        <p:spPr/>
+        <p:txBody>
+          <a:bodyPr/>
+          <a:lstStyle/>
+          <a:p>
+            <a:r>
+              <a:rPr lang="en-US" dirty="0"/>
+              <a:t>Examples</a:t>
+            </a:r>
+          </a:p>
+        </p:txBody>
+      </p:sp>
+      <p:sp>
+        <p:nvSpPr>
+          <p:cNvPr id="3" name="Content Placeholder 2">
+            <a:extLst>
+              <a:ext uri="{FF2B5EF4-FFF2-40B4-BE49-F238E27FC236}">
+                <a16:creationId xmlns:a16="http://schemas.microsoft.com/office/drawing/2014/main" id="{A802576D-E275-42C6-979B-8B765D551903}"/>
+              </a:ext>
+            </a:extLst>
+          </p:cNvPr>
+          <p:cNvSpPr>
+            <a:spLocks noGrp="1"/>
+          </p:cNvSpPr>
+          <p:nvPr>
+            <p:ph idx="1"/>
+          </p:nvPr>
+        </p:nvSpPr>
+        <p:spPr/>
+        <p:txBody>
+          <a:bodyPr/>
+          <a:lstStyle/>
+          <a:p>
+            <a:r>
+              <a:rPr lang="en-US" dirty="0"/>
+              <a:t>Check out the notebooks on the tutorial GitHub page</a:t>
+            </a:r>
+          </a:p>
+          <a:p>
+            <a:pPr lvl="2"/>
+            <a:r>
+              <a:rPr lang="en-US" sz="1600" dirty="0">
+                <a:hlinkClick r:id="rId2"/>
+              </a:rPr>
+              <a:t>https://github.com/danieljbrooks/PyTorchTutorial</a:t>
+            </a:r>
+            <a:endParaRPr lang="en-US" sz="1600" dirty="0"/>
+          </a:p>
+        </p:txBody>
+      </p:sp>
+      <p:sp>
+        <p:nvSpPr>
+          <p:cNvPr id="5" name="Slide Number Placeholder 4">
+            <a:extLst>
+              <a:ext uri="{FF2B5EF4-FFF2-40B4-BE49-F238E27FC236}">
+                <a16:creationId xmlns:a16="http://schemas.microsoft.com/office/drawing/2014/main" id="{2D81541E-688C-4D84-A033-7E6F3981EDAB}"/>
+              </a:ext>
+            </a:extLst>
+          </p:cNvPr>
+          <p:cNvSpPr>
+            <a:spLocks noGrp="1"/>
+          </p:cNvSpPr>
+          <p:nvPr>
+            <p:ph type="sldNum" sz="quarter" idx="12"/>
+          </p:nvPr>
+        </p:nvSpPr>
+        <p:spPr/>
+        <p:txBody>
+          <a:bodyPr/>
+          <a:lstStyle/>
+          <a:p>
+            <a:fld id="{D57F1E4F-1CFF-5643-939E-217C01CDF565}" type="slidenum">
+              <a:rPr lang="en-US" smtClean="0"/>
+              <a:pPr/>
+              <a:t>7</a:t>
+            </a:fld>
+            <a:endParaRPr lang="en-US" dirty="0"/>
+          </a:p>
+        </p:txBody>
+      </p:sp>
+    </p:spTree>
+    <p:extLst>
+      <p:ext uri="{BB962C8B-B14F-4D97-AF65-F5344CB8AC3E}">
+        <p14:creationId xmlns:p14="http://schemas.microsoft.com/office/powerpoint/2010/main" val="3694587229"/>
+      </p:ext>
+    </p:extLst>
+  </p:cSld>
+  <p:clrMapOvr>
+    <a:masterClrMapping/>
+  </p:clrMapOvr>
+</p:sld>
+</file>
+
+<file path=ppt/slides/slide8.xml><?xml version="1.0" encoding="utf-8"?>
+<p:sld xmlns:a="http://schemas.openxmlformats.org/drawingml/2006/main" xmlns:r="http://schemas.openxmlformats.org/officeDocument/2006/relationships" xmlns:p="http://schemas.openxmlformats.org/presentationml/2006/main">
+  <p:cSld>
+    <p:spTree>
+      <p:nvGrpSpPr>
+        <p:cNvPr id="1" name=""/>
+        <p:cNvGrpSpPr/>
+        <p:nvPr/>
+      </p:nvGrpSpPr>
+      <p:grpSpPr>
+        <a:xfrm>
+          <a:off x="0" y="0"/>
+          <a:ext cx="0" cy="0"/>
+          <a:chOff x="0" y="0"/>
+          <a:chExt cx="0" cy="0"/>
+        </a:xfrm>
+      </p:grpSpPr>
+      <p:sp>
+        <p:nvSpPr>
+          <p:cNvPr id="2" name="Title 1">
+            <a:extLst>
+              <a:ext uri="{FF2B5EF4-FFF2-40B4-BE49-F238E27FC236}">
+                <a16:creationId xmlns:a16="http://schemas.microsoft.com/office/drawing/2014/main" id="{0BE76AD0-CDD5-42B4-AC46-3CA2EDCA1324}"/>
+              </a:ext>
+            </a:extLst>
+          </p:cNvPr>
+          <p:cNvSpPr>
+            <a:spLocks noGrp="1"/>
+          </p:cNvSpPr>
+          <p:nvPr>
+            <p:ph type="title"/>
+          </p:nvPr>
+        </p:nvSpPr>
+        <p:spPr/>
+        <p:txBody>
+          <a:bodyPr/>
+          <a:lstStyle/>
+          <a:p>
+            <a:r>
+              <a:rPr lang="en-US" dirty="0"/>
+              <a:t>Additional Resources</a:t>
+            </a:r>
+          </a:p>
+        </p:txBody>
+      </p:sp>
+      <p:sp>
+        <p:nvSpPr>
+          <p:cNvPr id="3" name="Content Placeholder 2">
+            <a:extLst>
+              <a:ext uri="{FF2B5EF4-FFF2-40B4-BE49-F238E27FC236}">
+                <a16:creationId xmlns:a16="http://schemas.microsoft.com/office/drawing/2014/main" id="{8382B0E1-3B2E-4F69-BD54-ED9F2EE701C9}"/>
+              </a:ext>
+            </a:extLst>
+          </p:cNvPr>
+          <p:cNvSpPr>
+            <a:spLocks noGrp="1"/>
+          </p:cNvSpPr>
+          <p:nvPr>
+            <p:ph idx="1"/>
+          </p:nvPr>
+        </p:nvSpPr>
+        <p:spPr/>
+        <p:txBody>
+          <a:bodyPr/>
+          <a:lstStyle/>
+          <a:p>
+            <a:r>
+              <a:rPr lang="en-US" dirty="0" err="1"/>
+              <a:t>PyTorch</a:t>
+            </a:r>
+            <a:r>
+              <a:rPr lang="en-US" dirty="0"/>
+              <a:t> documentation and tutorials</a:t>
+            </a:r>
+          </a:p>
+          <a:p>
+            <a:pPr lvl="1"/>
+            <a:r>
+              <a:rPr lang="en-US" dirty="0">
+                <a:hlinkClick r:id="rId2"/>
+              </a:rPr>
+              <a:t>http://pytorch.org</a:t>
+            </a:r>
+            <a:r>
+              <a:rPr lang="en-US" dirty="0"/>
+              <a:t> </a:t>
+            </a:r>
+          </a:p>
+          <a:p>
+            <a:pPr lvl="1"/>
+            <a:endParaRPr lang="en-US" dirty="0"/>
+          </a:p>
+          <a:p>
+            <a:r>
+              <a:rPr lang="en-US" dirty="0"/>
+              <a:t>Stanford CS231n: Convolutional Neural Networks for Visual Recognition</a:t>
+            </a:r>
+          </a:p>
+          <a:p>
+            <a:pPr lvl="1"/>
+            <a:r>
+              <a:rPr lang="en-US" dirty="0">
+                <a:hlinkClick r:id="rId3"/>
+              </a:rPr>
+              <a:t>http://cs231n.stanford.edu</a:t>
+            </a:r>
+            <a:endParaRPr lang="en-US" dirty="0"/>
+          </a:p>
+          <a:p>
+            <a:pPr lvl="1"/>
+            <a:endParaRPr lang="en-US" dirty="0"/>
+          </a:p>
+          <a:p>
+            <a:r>
+              <a:rPr lang="en-US" dirty="0"/>
+              <a:t>Deep Learning Book by Ian Goodfellow</a:t>
+            </a:r>
+          </a:p>
+          <a:p>
+            <a:pPr lvl="1"/>
+            <a:r>
+              <a:rPr lang="en-US" dirty="0">
+                <a:hlinkClick r:id="rId4"/>
+              </a:rPr>
+              <a:t>http://deeplearningbook.org</a:t>
+            </a:r>
+            <a:r>
+              <a:rPr lang="en-US" dirty="0"/>
+              <a:t> </a:t>
+            </a:r>
+          </a:p>
+          <a:p>
+            <a:pPr lvl="1"/>
+            <a:endParaRPr lang="en-US" dirty="0"/>
+          </a:p>
+          <a:p>
+            <a:pPr marL="457200" lvl="1" indent="0">
+              <a:buNone/>
+            </a:pPr>
+            <a:endParaRPr lang="en-US" dirty="0"/>
+          </a:p>
+        </p:txBody>
+      </p:sp>
+      <p:sp>
+        <p:nvSpPr>
+          <p:cNvPr id="5" name="Slide Number Placeholder 4">
+            <a:extLst>
+              <a:ext uri="{FF2B5EF4-FFF2-40B4-BE49-F238E27FC236}">
+                <a16:creationId xmlns:a16="http://schemas.microsoft.com/office/drawing/2014/main" id="{2413CF60-EB89-4F73-9459-BE183F14CEC9}"/>
+              </a:ext>
+            </a:extLst>
+          </p:cNvPr>
+          <p:cNvSpPr>
+            <a:spLocks noGrp="1"/>
+          </p:cNvSpPr>
+          <p:nvPr>
+            <p:ph type="sldNum" sz="quarter" idx="12"/>
+          </p:nvPr>
+        </p:nvSpPr>
+        <p:spPr/>
+        <p:txBody>
+          <a:bodyPr/>
+          <a:lstStyle/>
+          <a:p>
+            <a:fld id="{D57F1E4F-1CFF-5643-939E-217C01CDF565}" type="slidenum">
+              <a:rPr lang="en-US" smtClean="0"/>
+              <a:pPr/>
+              <a:t>8</a:t>
+            </a:fld>
+            <a:endParaRPr lang="en-US" dirty="0"/>
+          </a:p>
+        </p:txBody>
+      </p:sp>
+    </p:spTree>
+    <p:extLst>
+      <p:ext uri="{BB962C8B-B14F-4D97-AF65-F5344CB8AC3E}">
+        <p14:creationId xmlns:p14="http://schemas.microsoft.com/office/powerpoint/2010/main" val="2577437985"/>
+      </p:ext>
+    </p:extLst>
+  </p:cSld>
+  <p:clrMapOvr>
+    <a:masterClrMapping/>
+  </p:clrMapOvr>
+</p:sld>
+</file>
+
+<file path=ppt/slides/slide9.xml><?xml version="1.0" encoding="utf-8"?>
+<p:sld xmlns:a="http://schemas.openxmlformats.org/drawingml/2006/main" xmlns:r="http://schemas.openxmlformats.org/officeDocument/2006/relationships" xmlns:p="http://schemas.openxmlformats.org/presentationml/2006/main">
+  <p:cSld>
+    <p:spTree>
+      <p:nvGrpSpPr>
+        <p:cNvPr id="1" name=""/>
+        <p:cNvGrpSpPr/>
+        <p:nvPr/>
+      </p:nvGrpSpPr>
+      <p:grpSpPr>
+        <a:xfrm>
+          <a:off x="0" y="0"/>
+          <a:ext cx="0" cy="0"/>
+          <a:chOff x="0" y="0"/>
+          <a:chExt cx="0" cy="0"/>
+        </a:xfrm>
+      </p:grpSpPr>
+      <p:sp>
+        <p:nvSpPr>
+          <p:cNvPr id="2" name="Title 1">
+            <a:extLst>
+              <a:ext uri="{FF2B5EF4-FFF2-40B4-BE49-F238E27FC236}">
+                <a16:creationId xmlns:a16="http://schemas.microsoft.com/office/drawing/2014/main" id="{34F784C8-9387-4C33-83DC-0E0543F1B493}"/>
+              </a:ext>
+            </a:extLst>
+          </p:cNvPr>
+          <p:cNvSpPr>
+            <a:spLocks noGrp="1"/>
+          </p:cNvSpPr>
+          <p:nvPr>
+            <p:ph type="title"/>
+          </p:nvPr>
+        </p:nvSpPr>
+        <p:spPr/>
+        <p:txBody>
+          <a:bodyPr/>
+          <a:lstStyle/>
+          <a:p>
+            <a:r>
+              <a:rPr lang="en-US" dirty="0"/>
+              <a:t>Questions?</a:t>
+            </a:r>
+          </a:p>
+        </p:txBody>
+      </p:sp>
+      <p:sp>
+        <p:nvSpPr>
+          <p:cNvPr id="3" name="Content Placeholder 2">
+            <a:extLst>
+              <a:ext uri="{FF2B5EF4-FFF2-40B4-BE49-F238E27FC236}">
+                <a16:creationId xmlns:a16="http://schemas.microsoft.com/office/drawing/2014/main" id="{BA531FF5-A284-4C26-871C-198C6EDF394E}"/>
+              </a:ext>
+            </a:extLst>
+          </p:cNvPr>
+          <p:cNvSpPr>
+            <a:spLocks noGrp="1"/>
+          </p:cNvSpPr>
+          <p:nvPr>
+            <p:ph idx="1"/>
+          </p:nvPr>
+        </p:nvSpPr>
+        <p:spPr/>
+        <p:txBody>
+          <a:bodyPr>
+            <a:normAutofit/>
+          </a:bodyPr>
+          <a:lstStyle/>
+          <a:p>
+            <a:r>
+              <a:rPr lang="en-US" sz="2000" dirty="0"/>
+              <a:t>Thank you for listening!</a:t>
+            </a:r>
+          </a:p>
+          <a:p>
+            <a:endParaRPr lang="en-US" sz="2000" dirty="0"/>
+          </a:p>
+          <a:p>
+            <a:r>
+              <a:rPr lang="en-US" sz="2000" dirty="0"/>
+              <a:t>Contact:</a:t>
+            </a:r>
+          </a:p>
+          <a:p>
+            <a:pPr lvl="1"/>
+            <a:r>
+              <a:rPr lang="en-US" sz="1800" dirty="0"/>
+              <a:t>Email:</a:t>
+            </a:r>
+          </a:p>
+          <a:p>
+            <a:pPr lvl="2"/>
+            <a:r>
+              <a:rPr lang="en-US" sz="1600" dirty="0"/>
+              <a:t>Daniel.Brooks@alumni.caltech.edu</a:t>
+            </a:r>
+          </a:p>
+          <a:p>
+            <a:pPr lvl="1"/>
+            <a:r>
+              <a:rPr lang="en-US" sz="1800" dirty="0"/>
+              <a:t>Twitter:</a:t>
+            </a:r>
+          </a:p>
+          <a:p>
+            <a:pPr lvl="2"/>
+            <a:r>
+              <a:rPr lang="en-US" sz="1600" dirty="0"/>
+              <a:t>@</a:t>
+            </a:r>
+            <a:r>
+              <a:rPr lang="en-US" sz="1600" dirty="0" err="1"/>
+              <a:t>cocacolamandan</a:t>
+            </a:r>
+            <a:endParaRPr lang="en-US" sz="1600" dirty="0"/>
+          </a:p>
+        </p:txBody>
+      </p:sp>
+      <p:sp>
+        <p:nvSpPr>
+          <p:cNvPr id="5" name="Slide Number Placeholder 4">
+            <a:extLst>
+              <a:ext uri="{FF2B5EF4-FFF2-40B4-BE49-F238E27FC236}">
+                <a16:creationId xmlns:a16="http://schemas.microsoft.com/office/drawing/2014/main" id="{23DCB22B-CEF1-41AC-8BD0-B23161328CA2}"/>
+              </a:ext>
+            </a:extLst>
+          </p:cNvPr>
+          <p:cNvSpPr>
+            <a:spLocks noGrp="1"/>
+          </p:cNvSpPr>
+          <p:nvPr>
+            <p:ph type="sldNum" sz="quarter" idx="12"/>
+          </p:nvPr>
+        </p:nvSpPr>
+        <p:spPr/>
+        <p:txBody>
+          <a:bodyPr/>
+          <a:lstStyle/>
+          <a:p>
+            <a:fld id="{D57F1E4F-1CFF-5643-939E-217C01CDF565}" type="slidenum">
+              <a:rPr lang="en-US" smtClean="0"/>
+              <a:pPr/>
+              <a:t>9</a:t>
+            </a:fld>
+            <a:endParaRPr lang="en-US" dirty="0"/>
+          </a:p>
+        </p:txBody>
+      </p:sp>
+    </p:spTree>
+    <p:extLst>
+      <p:ext uri="{BB962C8B-B14F-4D97-AF65-F5344CB8AC3E}">
+        <p14:creationId xmlns:p14="http://schemas.microsoft.com/office/powerpoint/2010/main" val="2549121550"/>
       </p:ext>
     </p:extLst>
   </p:cSld>
@@ -6333,4 +9646,594 @@
     </a:ext>
   </a:extLst>
 </a:theme>
+</file>
+
+<file path=ppt/theme/theme2.xml><?xml version="1.0" encoding="utf-8"?>
+<a:theme xmlns:a="http://schemas.openxmlformats.org/drawingml/2006/main" name="Office Theme">
+  <a:themeElements>
+    <a:clrScheme name="Office">
+      <a:dk1>
+        <a:sysClr val="windowText" lastClr="000000"/>
+      </a:dk1>
+      <a:lt1>
+        <a:sysClr val="window" lastClr="FFFFFF"/>
+      </a:lt1>
+      <a:dk2>
+        <a:srgbClr val="44546A"/>
+      </a:dk2>
+      <a:lt2>
+        <a:srgbClr val="E7E6E6"/>
+      </a:lt2>
+      <a:accent1>
+        <a:srgbClr val="4472C4"/>
+      </a:accent1>
+      <a:accent2>
+        <a:srgbClr val="ED7D31"/>
+      </a:accent2>
+      <a:accent3>
+        <a:srgbClr val="A5A5A5"/>
+      </a:accent3>
+      <a:accent4>
+        <a:srgbClr val="FFC000"/>
+      </a:accent4>
+      <a:accent5>
+        <a:srgbClr val="5B9BD5"/>
+      </a:accent5>
+      <a:accent6>
+        <a:srgbClr val="70AD47"/>
+      </a:accent6>
+      <a:hlink>
+        <a:srgbClr val="0563C1"/>
+      </a:hlink>
+      <a:folHlink>
+        <a:srgbClr val="954F72"/>
+      </a:folHlink>
+    </a:clrScheme>
+    <a:fontScheme name="Office">
+      <a:majorFont>
+        <a:latin typeface="Calibri Light" panose="020F0302020204030204"/>
+        <a:ea typeface=""/>
+        <a:cs typeface=""/>
+        <a:font script="Jpan" typeface="游ゴシック Light"/>
+        <a:font script="Hang" typeface="맑은 고딕"/>
+        <a:font script="Hans" typeface="等线 Light"/>
+        <a:font script="Hant" typeface="新細明體"/>
+        <a:font script="Arab" typeface="Times New Roman"/>
+        <a:font script="Hebr" typeface="Times New Roman"/>
+        <a:font script="Thai" typeface="Angsana New"/>
+        <a:font script="Ethi" typeface="Nyala"/>
+        <a:font script="Beng" typeface="Vrinda"/>
+        <a:font script="Gujr" typeface="Shruti"/>
+        <a:font script="Khmr" typeface="MoolBoran"/>
+        <a:font script="Knda" typeface="Tunga"/>
+        <a:font script="Guru" typeface="Raavi"/>
+        <a:font script="Cans" typeface="Euphemia"/>
+        <a:font script="Cher" typeface="Plantagenet Cherokee"/>
+        <a:font script="Yiii" typeface="Microsoft Yi Baiti"/>
+        <a:font script="Tibt" typeface="Microsoft Himalaya"/>
+        <a:font script="Thaa" typeface="MV Boli"/>
+        <a:font script="Deva" typeface="Mangal"/>
+        <a:font script="Telu" typeface="Gautami"/>
+        <a:font script="Taml" typeface="Latha"/>
+        <a:font script="Syrc" typeface="Estrangelo Edessa"/>
+        <a:font script="Orya" typeface="Kalinga"/>
+        <a:font script="Mlym" typeface="Kartika"/>
+        <a:font script="Laoo" typeface="DokChampa"/>
+        <a:font script="Sinh" typeface="Iskoola Pota"/>
+        <a:font script="Mong" typeface="Mongolian Baiti"/>
+        <a:font script="Viet" typeface="Times New Roman"/>
+        <a:font script="Uigh" typeface="Microsoft Uighur"/>
+        <a:font script="Geor" typeface="Sylfaen"/>
+        <a:font script="Armn" typeface="Arial"/>
+        <a:font script="Bugi" typeface="Leelawadee UI"/>
+        <a:font script="Bopo" typeface="Microsoft JhengHei"/>
+        <a:font script="Java" typeface="Javanese Text"/>
+        <a:font script="Lisu" typeface="Segoe UI"/>
+        <a:font script="Mymr" typeface="Myanmar Text"/>
+        <a:font script="Nkoo" typeface="Ebrima"/>
+        <a:font script="Olck" typeface="Nirmala UI"/>
+        <a:font script="Osma" typeface="Ebrima"/>
+        <a:font script="Phag" typeface="Phagspa"/>
+        <a:font script="Syrn" typeface="Estrangelo Edessa"/>
+        <a:font script="Syrj" typeface="Estrangelo Edessa"/>
+        <a:font script="Syre" typeface="Estrangelo Edessa"/>
+        <a:font script="Sora" typeface="Nirmala UI"/>
+        <a:font script="Tale" typeface="Microsoft Tai Le"/>
+        <a:font script="Talu" typeface="Microsoft New Tai Lue"/>
+        <a:font script="Tfng" typeface="Ebrima"/>
+      </a:majorFont>
+      <a:minorFont>
+        <a:latin typeface="Calibri" panose="020F0502020204030204"/>
+        <a:ea typeface=""/>
+        <a:cs typeface=""/>
+        <a:font script="Jpan" typeface="游ゴシック"/>
+        <a:font script="Hang" typeface="맑은 고딕"/>
+        <a:font script="Hans" typeface="等线"/>
+        <a:font script="Hant" typeface="新細明體"/>
+        <a:font script="Arab" typeface="Arial"/>
+        <a:font script="Hebr" typeface="Arial"/>
+        <a:font script="Thai" typeface="Cordia New"/>
+        <a:font script="Ethi" typeface="Nyala"/>
+        <a:font script="Beng" typeface="Vrinda"/>
+        <a:font script="Gujr" typeface="Shruti"/>
+        <a:font script="Khmr" typeface="DaunPenh"/>
+        <a:font script="Knda" typeface="Tunga"/>
+        <a:font script="Guru" typeface="Raavi"/>
+        <a:font script="Cans" typeface="Euphemia"/>
+        <a:font script="Cher" typeface="Plantagenet Cherokee"/>
+        <a:font script="Yiii" typeface="Microsoft Yi Baiti"/>
+        <a:font script="Tibt" typeface="Microsoft Himalaya"/>
+        <a:font script="Thaa" typeface="MV Boli"/>
+        <a:font script="Deva" typeface="Mangal"/>
+        <a:font script="Telu" typeface="Gautami"/>
+        <a:font script="Taml" typeface="Latha"/>
+        <a:font script="Syrc" typeface="Estrangelo Edessa"/>
+        <a:font script="Orya" typeface="Kalinga"/>
+        <a:font script="Mlym" typeface="Kartika"/>
+        <a:font script="Laoo" typeface="DokChampa"/>
+        <a:font script="Sinh" typeface="Iskoola Pota"/>
+        <a:font script="Mong" typeface="Mongolian Baiti"/>
+        <a:font script="Viet" typeface="Arial"/>
+        <a:font script="Uigh" typeface="Microsoft Uighur"/>
+        <a:font script="Geor" typeface="Sylfaen"/>
+        <a:font script="Armn" typeface="Arial"/>
+        <a:font script="Bugi" typeface="Leelawadee UI"/>
+        <a:font script="Bopo" typeface="Microsoft JhengHei"/>
+        <a:font script="Java" typeface="Javanese Text"/>
+        <a:font script="Lisu" typeface="Segoe UI"/>
+        <a:font script="Mymr" typeface="Myanmar Text"/>
+        <a:font script="Nkoo" typeface="Ebrima"/>
+        <a:font script="Olck" typeface="Nirmala UI"/>
+        <a:font script="Osma" typeface="Ebrima"/>
+        <a:font script="Phag" typeface="Phagspa"/>
+        <a:font script="Syrn" typeface="Estrangelo Edessa"/>
+        <a:font script="Syrj" typeface="Estrangelo Edessa"/>
+        <a:font script="Syre" typeface="Estrangelo Edessa"/>
+        <a:font script="Sora" typeface="Nirmala UI"/>
+        <a:font script="Tale" typeface="Microsoft Tai Le"/>
+        <a:font script="Talu" typeface="Microsoft New Tai Lue"/>
+        <a:font script="Tfng" typeface="Ebrima"/>
+      </a:minorFont>
+    </a:fontScheme>
+    <a:fmtScheme name="Office">
+      <a:fillStyleLst>
+        <a:solidFill>
+          <a:schemeClr val="phClr"/>
+        </a:solidFill>
+        <a:gradFill rotWithShape="1">
+          <a:gsLst>
+            <a:gs pos="0">
+              <a:schemeClr val="phClr">
+                <a:lumMod val="110000"/>
+                <a:satMod val="105000"/>
+                <a:tint val="67000"/>
+              </a:schemeClr>
+            </a:gs>
+            <a:gs pos="50000">
+              <a:schemeClr val="phClr">
+                <a:lumMod val="105000"/>
+                <a:satMod val="103000"/>
+                <a:tint val="73000"/>
+              </a:schemeClr>
+            </a:gs>
+            <a:gs pos="100000">
+              <a:schemeClr val="phClr">
+                <a:lumMod val="105000"/>
+                <a:satMod val="109000"/>
+                <a:tint val="81000"/>
+              </a:schemeClr>
+            </a:gs>
+          </a:gsLst>
+          <a:lin ang="5400000" scaled="0"/>
+        </a:gradFill>
+        <a:gradFill rotWithShape="1">
+          <a:gsLst>
+            <a:gs pos="0">
+              <a:schemeClr val="phClr">
+                <a:satMod val="103000"/>
+                <a:lumMod val="102000"/>
+                <a:tint val="94000"/>
+              </a:schemeClr>
+            </a:gs>
+            <a:gs pos="50000">
+              <a:schemeClr val="phClr">
+                <a:satMod val="110000"/>
+                <a:lumMod val="100000"/>
+                <a:shade val="100000"/>
+              </a:schemeClr>
+            </a:gs>
+            <a:gs pos="100000">
+              <a:schemeClr val="phClr">
+                <a:lumMod val="99000"/>
+                <a:satMod val="120000"/>
+                <a:shade val="78000"/>
+              </a:schemeClr>
+            </a:gs>
+          </a:gsLst>
+          <a:lin ang="5400000" scaled="0"/>
+        </a:gradFill>
+      </a:fillStyleLst>
+      <a:lnStyleLst>
+        <a:ln w="6350" cap="flat" cmpd="sng" algn="ctr">
+          <a:solidFill>
+            <a:schemeClr val="phClr"/>
+          </a:solidFill>
+          <a:prstDash val="solid"/>
+          <a:miter lim="800000"/>
+        </a:ln>
+        <a:ln w="12700" cap="flat" cmpd="sng" algn="ctr">
+          <a:solidFill>
+            <a:schemeClr val="phClr"/>
+          </a:solidFill>
+          <a:prstDash val="solid"/>
+          <a:miter lim="800000"/>
+        </a:ln>
+        <a:ln w="19050" cap="flat" cmpd="sng" algn="ctr">
+          <a:solidFill>
+            <a:schemeClr val="phClr"/>
+          </a:solidFill>
+          <a:prstDash val="solid"/>
+          <a:miter lim="800000"/>
+        </a:ln>
+      </a:lnStyleLst>
+      <a:effectStyleLst>
+        <a:effectStyle>
+          <a:effectLst/>
+        </a:effectStyle>
+        <a:effectStyle>
+          <a:effectLst/>
+        </a:effectStyle>
+        <a:effectStyle>
+          <a:effectLst>
+            <a:outerShdw blurRad="57150" dist="19050" dir="5400000" algn="ctr" rotWithShape="0">
+              <a:srgbClr val="000000">
+                <a:alpha val="63000"/>
+              </a:srgbClr>
+            </a:outerShdw>
+          </a:effectLst>
+        </a:effectStyle>
+      </a:effectStyleLst>
+      <a:bgFillStyleLst>
+        <a:solidFill>
+          <a:schemeClr val="phClr"/>
+        </a:solidFill>
+        <a:solidFill>
+          <a:schemeClr val="phClr">
+            <a:tint val="95000"/>
+            <a:satMod val="170000"/>
+          </a:schemeClr>
+        </a:solidFill>
+        <a:gradFill rotWithShape="1">
+          <a:gsLst>
+            <a:gs pos="0">
+              <a:schemeClr val="phClr">
+                <a:tint val="93000"/>
+                <a:satMod val="150000"/>
+                <a:shade val="98000"/>
+                <a:lumMod val="102000"/>
+              </a:schemeClr>
+            </a:gs>
+            <a:gs pos="50000">
+              <a:schemeClr val="phClr">
+                <a:tint val="98000"/>
+                <a:satMod val="130000"/>
+                <a:shade val="90000"/>
+                <a:lumMod val="103000"/>
+              </a:schemeClr>
+            </a:gs>
+            <a:gs pos="100000">
+              <a:schemeClr val="phClr">
+                <a:shade val="63000"/>
+                <a:satMod val="120000"/>
+              </a:schemeClr>
+            </a:gs>
+          </a:gsLst>
+          <a:lin ang="5400000" scaled="0"/>
+        </a:gradFill>
+      </a:bgFillStyleLst>
+    </a:fmtScheme>
+  </a:themeElements>
+  <a:objectDefaults/>
+  <a:extraClrSchemeLst/>
+  <a:extLst>
+    <a:ext uri="{05A4C25C-085E-4340-85A3-A5531E510DB2}">
+      <thm15:themeFamily xmlns:thm15="http://schemas.microsoft.com/office/thememl/2012/main" name="Office Theme" id="{62F939B6-93AF-4DB8-9C6B-D6C7DFDC589F}" vid="{4A3C46E8-61CC-4603-A589-7422A47A8E4A}"/>
+    </a:ext>
+  </a:extLst>
+</a:theme>
+</file>
+
+<file path=ppt/theme/theme3.xml><?xml version="1.0" encoding="utf-8"?>
+<a:theme xmlns:a="http://schemas.openxmlformats.org/drawingml/2006/main" name="Office Theme">
+  <a:themeElements>
+    <a:clrScheme name="Office">
+      <a:dk1>
+        <a:sysClr val="windowText" lastClr="000000"/>
+      </a:dk1>
+      <a:lt1>
+        <a:sysClr val="window" lastClr="FFFFFF"/>
+      </a:lt1>
+      <a:dk2>
+        <a:srgbClr val="44546A"/>
+      </a:dk2>
+      <a:lt2>
+        <a:srgbClr val="E7E6E6"/>
+      </a:lt2>
+      <a:accent1>
+        <a:srgbClr val="4472C4"/>
+      </a:accent1>
+      <a:accent2>
+        <a:srgbClr val="ED7D31"/>
+      </a:accent2>
+      <a:accent3>
+        <a:srgbClr val="A5A5A5"/>
+      </a:accent3>
+      <a:accent4>
+        <a:srgbClr val="FFC000"/>
+      </a:accent4>
+      <a:accent5>
+        <a:srgbClr val="5B9BD5"/>
+      </a:accent5>
+      <a:accent6>
+        <a:srgbClr val="70AD47"/>
+      </a:accent6>
+      <a:hlink>
+        <a:srgbClr val="0563C1"/>
+      </a:hlink>
+      <a:folHlink>
+        <a:srgbClr val="954F72"/>
+      </a:folHlink>
+    </a:clrScheme>
+    <a:fontScheme name="Office">
+      <a:majorFont>
+        <a:latin typeface="Calibri Light" panose="020F0302020204030204"/>
+        <a:ea typeface=""/>
+        <a:cs typeface=""/>
+        <a:font script="Jpan" typeface="游ゴシック Light"/>
+        <a:font script="Hang" typeface="맑은 고딕"/>
+        <a:font script="Hans" typeface="等线 Light"/>
+        <a:font script="Hant" typeface="新細明體"/>
+        <a:font script="Arab" typeface="Times New Roman"/>
+        <a:font script="Hebr" typeface="Times New Roman"/>
+        <a:font script="Thai" typeface="Angsana New"/>
+        <a:font script="Ethi" typeface="Nyala"/>
+        <a:font script="Beng" typeface="Vrinda"/>
+        <a:font script="Gujr" typeface="Shruti"/>
+        <a:font script="Khmr" typeface="MoolBoran"/>
+        <a:font script="Knda" typeface="Tunga"/>
+        <a:font script="Guru" typeface="Raavi"/>
+        <a:font script="Cans" typeface="Euphemia"/>
+        <a:font script="Cher" typeface="Plantagenet Cherokee"/>
+        <a:font script="Yiii" typeface="Microsoft Yi Baiti"/>
+        <a:font script="Tibt" typeface="Microsoft Himalaya"/>
+        <a:font script="Thaa" typeface="MV Boli"/>
+        <a:font script="Deva" typeface="Mangal"/>
+        <a:font script="Telu" typeface="Gautami"/>
+        <a:font script="Taml" typeface="Latha"/>
+        <a:font script="Syrc" typeface="Estrangelo Edessa"/>
+        <a:font script="Orya" typeface="Kalinga"/>
+        <a:font script="Mlym" typeface="Kartika"/>
+        <a:font script="Laoo" typeface="DokChampa"/>
+        <a:font script="Sinh" typeface="Iskoola Pota"/>
+        <a:font script="Mong" typeface="Mongolian Baiti"/>
+        <a:font script="Viet" typeface="Times New Roman"/>
+        <a:font script="Uigh" typeface="Microsoft Uighur"/>
+        <a:font script="Geor" typeface="Sylfaen"/>
+        <a:font script="Armn" typeface="Arial"/>
+        <a:font script="Bugi" typeface="Leelawadee UI"/>
+        <a:font script="Bopo" typeface="Microsoft JhengHei"/>
+        <a:font script="Java" typeface="Javanese Text"/>
+        <a:font script="Lisu" typeface="Segoe UI"/>
+        <a:font script="Mymr" typeface="Myanmar Text"/>
+        <a:font script="Nkoo" typeface="Ebrima"/>
+        <a:font script="Olck" typeface="Nirmala UI"/>
+        <a:font script="Osma" typeface="Ebrima"/>
+        <a:font script="Phag" typeface="Phagspa"/>
+        <a:font script="Syrn" typeface="Estrangelo Edessa"/>
+        <a:font script="Syrj" typeface="Estrangelo Edessa"/>
+        <a:font script="Syre" typeface="Estrangelo Edessa"/>
+        <a:font script="Sora" typeface="Nirmala UI"/>
+        <a:font script="Tale" typeface="Microsoft Tai Le"/>
+        <a:font script="Talu" typeface="Microsoft New Tai Lue"/>
+        <a:font script="Tfng" typeface="Ebrima"/>
+      </a:majorFont>
+      <a:minorFont>
+        <a:latin typeface="Calibri" panose="020F0502020204030204"/>
+        <a:ea typeface=""/>
+        <a:cs typeface=""/>
+        <a:font script="Jpan" typeface="游ゴシック"/>
+        <a:font script="Hang" typeface="맑은 고딕"/>
+        <a:font script="Hans" typeface="等线"/>
+        <a:font script="Hant" typeface="新細明體"/>
+        <a:font script="Arab" typeface="Arial"/>
+        <a:font script="Hebr" typeface="Arial"/>
+        <a:font script="Thai" typeface="Cordia New"/>
+        <a:font script="Ethi" typeface="Nyala"/>
+        <a:font script="Beng" typeface="Vrinda"/>
+        <a:font script="Gujr" typeface="Shruti"/>
+        <a:font script="Khmr" typeface="DaunPenh"/>
+        <a:font script="Knda" typeface="Tunga"/>
+        <a:font script="Guru" typeface="Raavi"/>
+        <a:font script="Cans" typeface="Euphemia"/>
+        <a:font script="Cher" typeface="Plantagenet Cherokee"/>
+        <a:font script="Yiii" typeface="Microsoft Yi Baiti"/>
+        <a:font script="Tibt" typeface="Microsoft Himalaya"/>
+        <a:font script="Thaa" typeface="MV Boli"/>
+        <a:font script="Deva" typeface="Mangal"/>
+        <a:font script="Telu" typeface="Gautami"/>
+        <a:font script="Taml" typeface="Latha"/>
+        <a:font script="Syrc" typeface="Estrangelo Edessa"/>
+        <a:font script="Orya" typeface="Kalinga"/>
+        <a:font script="Mlym" typeface="Kartika"/>
+        <a:font script="Laoo" typeface="DokChampa"/>
+        <a:font script="Sinh" typeface="Iskoola Pota"/>
+        <a:font script="Mong" typeface="Mongolian Baiti"/>
+        <a:font script="Viet" typeface="Arial"/>
+        <a:font script="Uigh" typeface="Microsoft Uighur"/>
+        <a:font script="Geor" typeface="Sylfaen"/>
+        <a:font script="Armn" typeface="Arial"/>
+        <a:font script="Bugi" typeface="Leelawadee UI"/>
+        <a:font script="Bopo" typeface="Microsoft JhengHei"/>
+        <a:font script="Java" typeface="Javanese Text"/>
+        <a:font script="Lisu" typeface="Segoe UI"/>
+        <a:font script="Mymr" typeface="Myanmar Text"/>
+        <a:font script="Nkoo" typeface="Ebrima"/>
+        <a:font script="Olck" typeface="Nirmala UI"/>
+        <a:font script="Osma" typeface="Ebrima"/>
+        <a:font script="Phag" typeface="Phagspa"/>
+        <a:font script="Syrn" typeface="Estrangelo Edessa"/>
+        <a:font script="Syrj" typeface="Estrangelo Edessa"/>
+        <a:font script="Syre" typeface="Estrangelo Edessa"/>
+        <a:font script="Sora" typeface="Nirmala UI"/>
+        <a:font script="Tale" typeface="Microsoft Tai Le"/>
+        <a:font script="Talu" typeface="Microsoft New Tai Lue"/>
+        <a:font script="Tfng" typeface="Ebrima"/>
+      </a:minorFont>
+    </a:fontScheme>
+    <a:fmtScheme name="Office">
+      <a:fillStyleLst>
+        <a:solidFill>
+          <a:schemeClr val="phClr"/>
+        </a:solidFill>
+        <a:gradFill rotWithShape="1">
+          <a:gsLst>
+            <a:gs pos="0">
+              <a:schemeClr val="phClr">
+                <a:lumMod val="110000"/>
+                <a:satMod val="105000"/>
+                <a:tint val="67000"/>
+              </a:schemeClr>
+            </a:gs>
+            <a:gs pos="50000">
+              <a:schemeClr val="phClr">
+                <a:lumMod val="105000"/>
+                <a:satMod val="103000"/>
+                <a:tint val="73000"/>
+              </a:schemeClr>
+            </a:gs>
+            <a:gs pos="100000">
+              <a:schemeClr val="phClr">
+                <a:lumMod val="105000"/>
+                <a:satMod val="109000"/>
+                <a:tint val="81000"/>
+              </a:schemeClr>
+            </a:gs>
+          </a:gsLst>
+          <a:lin ang="5400000" scaled="0"/>
+        </a:gradFill>
+        <a:gradFill rotWithShape="1">
+          <a:gsLst>
+            <a:gs pos="0">
+              <a:schemeClr val="phClr">
+                <a:satMod val="103000"/>
+                <a:lumMod val="102000"/>
+                <a:tint val="94000"/>
+              </a:schemeClr>
+            </a:gs>
+            <a:gs pos="50000">
+              <a:schemeClr val="phClr">
+                <a:satMod val="110000"/>
+                <a:lumMod val="100000"/>
+                <a:shade val="100000"/>
+              </a:schemeClr>
+            </a:gs>
+            <a:gs pos="100000">
+              <a:schemeClr val="phClr">
+                <a:lumMod val="99000"/>
+                <a:satMod val="120000"/>
+                <a:shade val="78000"/>
+              </a:schemeClr>
+            </a:gs>
+          </a:gsLst>
+          <a:lin ang="5400000" scaled="0"/>
+        </a:gradFill>
+      </a:fillStyleLst>
+      <a:lnStyleLst>
+        <a:ln w="6350" cap="flat" cmpd="sng" algn="ctr">
+          <a:solidFill>
+            <a:schemeClr val="phClr"/>
+          </a:solidFill>
+          <a:prstDash val="solid"/>
+          <a:miter lim="800000"/>
+        </a:ln>
+        <a:ln w="12700" cap="flat" cmpd="sng" algn="ctr">
+          <a:solidFill>
+            <a:schemeClr val="phClr"/>
+          </a:solidFill>
+          <a:prstDash val="solid"/>
+          <a:miter lim="800000"/>
+        </a:ln>
+        <a:ln w="19050" cap="flat" cmpd="sng" algn="ctr">
+          <a:solidFill>
+            <a:schemeClr val="phClr"/>
+          </a:solidFill>
+          <a:prstDash val="solid"/>
+          <a:miter lim="800000"/>
+        </a:ln>
+      </a:lnStyleLst>
+      <a:effectStyleLst>
+        <a:effectStyle>
+          <a:effectLst/>
+        </a:effectStyle>
+        <a:effectStyle>
+          <a:effectLst/>
+        </a:effectStyle>
+        <a:effectStyle>
+          <a:effectLst>
+            <a:outerShdw blurRad="57150" dist="19050" dir="5400000" algn="ctr" rotWithShape="0">
+              <a:srgbClr val="000000">
+                <a:alpha val="63000"/>
+              </a:srgbClr>
+            </a:outerShdw>
+          </a:effectLst>
+        </a:effectStyle>
+      </a:effectStyleLst>
+      <a:bgFillStyleLst>
+        <a:solidFill>
+          <a:schemeClr val="phClr"/>
+        </a:solidFill>
+        <a:solidFill>
+          <a:schemeClr val="phClr">
+            <a:tint val="95000"/>
+            <a:satMod val="170000"/>
+          </a:schemeClr>
+        </a:solidFill>
+        <a:gradFill rotWithShape="1">
+          <a:gsLst>
+            <a:gs pos="0">
+              <a:schemeClr val="phClr">
+                <a:tint val="93000"/>
+                <a:satMod val="150000"/>
+                <a:shade val="98000"/>
+                <a:lumMod val="102000"/>
+              </a:schemeClr>
+            </a:gs>
+            <a:gs pos="50000">
+              <a:schemeClr val="phClr">
+                <a:tint val="98000"/>
+                <a:satMod val="130000"/>
+                <a:shade val="90000"/>
+                <a:lumMod val="103000"/>
+              </a:schemeClr>
+            </a:gs>
+            <a:gs pos="100000">
+              <a:schemeClr val="phClr">
+                <a:shade val="63000"/>
+                <a:satMod val="120000"/>
+              </a:schemeClr>
+            </a:gs>
+          </a:gsLst>
+          <a:lin ang="5400000" scaled="0"/>
+        </a:gradFill>
+      </a:bgFillStyleLst>
+    </a:fmtScheme>
+  </a:themeElements>
+  <a:objectDefaults/>
+  <a:extraClrSchemeLst/>
+  <a:extLst>
+    <a:ext uri="{05A4C25C-085E-4340-85A3-A5531E510DB2}">
+      <thm15:themeFamily xmlns:thm15="http://schemas.microsoft.com/office/thememl/2012/main" name="Office Theme" id="{62F939B6-93AF-4DB8-9C6B-D6C7DFDC589F}" vid="{4A3C46E8-61CC-4603-A589-7422A47A8E4A}"/>
+    </a:ext>
+  </a:extLst>
+</a:theme>
 </file>
--- a/computer_vision.pptx
+++ b/computer_vision.pptx
@@ -5,21 +5,22 @@
     <p:sldMasterId id="2147483648" r:id="rId1"/>
   </p:sldMasterIdLst>
   <p:notesMasterIdLst>
-    <p:notesMasterId r:id="rId11"/>
+    <p:notesMasterId r:id="rId12"/>
   </p:notesMasterIdLst>
   <p:handoutMasterIdLst>
-    <p:handoutMasterId r:id="rId12"/>
+    <p:handoutMasterId r:id="rId13"/>
   </p:handoutMasterIdLst>
   <p:sldIdLst>
     <p:sldId id="256" r:id="rId2"/>
     <p:sldId id="257" r:id="rId3"/>
     <p:sldId id="258" r:id="rId4"/>
-    <p:sldId id="260" r:id="rId5"/>
-    <p:sldId id="259" r:id="rId6"/>
-    <p:sldId id="262" r:id="rId7"/>
-    <p:sldId id="264" r:id="rId8"/>
-    <p:sldId id="263" r:id="rId9"/>
-    <p:sldId id="261" r:id="rId10"/>
+    <p:sldId id="259" r:id="rId5"/>
+    <p:sldId id="260" r:id="rId6"/>
+    <p:sldId id="265" r:id="rId7"/>
+    <p:sldId id="262" r:id="rId8"/>
+    <p:sldId id="264" r:id="rId9"/>
+    <p:sldId id="263" r:id="rId10"/>
+    <p:sldId id="261" r:id="rId11"/>
   </p:sldIdLst>
   <p:sldSz cx="12192000" cy="6858000"/>
   <p:notesSz cx="6858000" cy="9144000"/>
@@ -133,6 +134,9 @@
         </p15:guide>
       </p15:sldGuideLst>
     </p:ext>
+    <p:ext uri="{2D200454-40CA-4A62-9FC3-DE9A4176ACB9}">
+      <p15:notesGuideLst xmlns:p15="http://schemas.microsoft.com/office/powerpoint/2012/main"/>
+    </p:ext>
   </p:extLst>
 </p:presentation>
 </file>
@@ -231,7 +235,7 @@
           <a:p>
             <a:fld id="{879BF49F-DF5A-4945-B8E6-DF955717FEF4}" type="datetimeFigureOut">
               <a:rPr lang="en-US" smtClean="0"/>
-              <a:t>12/1/2019</a:t>
+              <a:t>12/2/2019</a:t>
             </a:fld>
             <a:endParaRPr lang="en-US"/>
           </a:p>
@@ -408,7 +412,7 @@
           <a:p>
             <a:fld id="{C4F5AFBB-8F7D-4642-82FE-D916E4E49FED}" type="datetimeFigureOut">
               <a:rPr lang="en-US" smtClean="0"/>
-              <a:t>12/1/2019</a:t>
+              <a:t>12/2/2019</a:t>
             </a:fld>
             <a:endParaRPr lang="en-US"/>
           </a:p>
@@ -673,6 +677,90 @@
     </a:lvl9pPr>
   </p:notesStyle>
 </p:notesMaster>
+</file>
+
+<file path=ppt/notesSlides/notesSlide1.xml><?xml version="1.0" encoding="utf-8"?>
+<p:notes xmlns:a="http://schemas.openxmlformats.org/drawingml/2006/main" xmlns:r="http://schemas.openxmlformats.org/officeDocument/2006/relationships" xmlns:p="http://schemas.openxmlformats.org/presentationml/2006/main">
+  <p:cSld>
+    <p:spTree>
+      <p:nvGrpSpPr>
+        <p:cNvPr id="1" name=""/>
+        <p:cNvGrpSpPr/>
+        <p:nvPr/>
+      </p:nvGrpSpPr>
+      <p:grpSpPr>
+        <a:xfrm>
+          <a:off x="0" y="0"/>
+          <a:ext cx="0" cy="0"/>
+          <a:chOff x="0" y="0"/>
+          <a:chExt cx="0" cy="0"/>
+        </a:xfrm>
+      </p:grpSpPr>
+      <p:sp>
+        <p:nvSpPr>
+          <p:cNvPr id="2" name="Slide Image Placeholder 1"/>
+          <p:cNvSpPr>
+            <a:spLocks noGrp="1" noRot="1" noChangeAspect="1"/>
+          </p:cNvSpPr>
+          <p:nvPr>
+            <p:ph type="sldImg"/>
+          </p:nvPr>
+        </p:nvSpPr>
+        <p:spPr/>
+      </p:sp>
+      <p:sp>
+        <p:nvSpPr>
+          <p:cNvPr id="3" name="Notes Placeholder 2"/>
+          <p:cNvSpPr>
+            <a:spLocks noGrp="1"/>
+          </p:cNvSpPr>
+          <p:nvPr>
+            <p:ph type="body" idx="1"/>
+          </p:nvPr>
+        </p:nvSpPr>
+        <p:spPr/>
+        <p:txBody>
+          <a:bodyPr/>
+          <a:lstStyle/>
+          <a:p>
+            <a:endParaRPr lang="en-US" dirty="0"/>
+          </a:p>
+        </p:txBody>
+      </p:sp>
+      <p:sp>
+        <p:nvSpPr>
+          <p:cNvPr id="4" name="Slide Number Placeholder 3"/>
+          <p:cNvSpPr>
+            <a:spLocks noGrp="1"/>
+          </p:cNvSpPr>
+          <p:nvPr>
+            <p:ph type="sldNum" sz="quarter" idx="5"/>
+          </p:nvPr>
+        </p:nvSpPr>
+        <p:spPr/>
+        <p:txBody>
+          <a:bodyPr/>
+          <a:lstStyle/>
+          <a:p>
+            <a:fld id="{5BCFDE51-DE4E-4891-B28F-D3DD498C562E}" type="slidenum">
+              <a:rPr lang="en-US" smtClean="0"/>
+              <a:t>4</a:t>
+            </a:fld>
+            <a:endParaRPr lang="en-US"/>
+          </a:p>
+        </p:txBody>
+      </p:sp>
+    </p:spTree>
+    <p:extLst>
+      <p:ext uri="{BB962C8B-B14F-4D97-AF65-F5344CB8AC3E}">
+        <p14:creationId xmlns:p14="http://schemas.microsoft.com/office/powerpoint/2010/main" val="657009478"/>
+      </p:ext>
+    </p:extLst>
+  </p:cSld>
+  <p:clrMapOvr>
+    <a:masterClrMapping/>
+  </p:clrMapOvr>
+</p:notes>
 </file>
 
 <file path=ppt/slideLayouts/slideLayout1.xml><?xml version="1.0" encoding="utf-8"?>
@@ -1397,7 +1485,7 @@
           <a:p>
             <a:fld id="{4CE360FA-58FD-451C-BD55-D3D0477B71AD}" type="datetime1">
               <a:rPr lang="en-US" smtClean="0"/>
-              <a:t>12/1/2019</a:t>
+              <a:t>12/2/2019</a:t>
             </a:fld>
             <a:endParaRPr lang="en-US" dirty="0"/>
           </a:p>
@@ -1644,7 +1732,7 @@
           <a:p>
             <a:fld id="{E20E986F-FC0A-4A8F-8100-18DF4AA9063F}" type="datetime1">
               <a:rPr lang="en-US" smtClean="0"/>
-              <a:t>12/1/2019</a:t>
+              <a:t>12/2/2019</a:t>
             </a:fld>
             <a:endParaRPr lang="en-US" dirty="0"/>
           </a:p>
@@ -1954,7 +2042,7 @@
           <a:p>
             <a:fld id="{7AC1937A-312B-4E67-A065-44DB3CC3D4CD}" type="datetime1">
               <a:rPr lang="en-US" smtClean="0"/>
-              <a:t>12/1/2019</a:t>
+              <a:t>12/2/2019</a:t>
             </a:fld>
             <a:endParaRPr lang="en-US" dirty="0"/>
           </a:p>
@@ -2291,7 +2379,7 @@
           <a:p>
             <a:fld id="{B5622241-F3EE-4A2C-A920-7119649B1675}" type="datetime1">
               <a:rPr lang="en-US" smtClean="0"/>
-              <a:t>12/1/2019</a:t>
+              <a:t>12/2/2019</a:t>
             </a:fld>
             <a:endParaRPr lang="en-US" dirty="0"/>
           </a:p>
@@ -2601,7 +2689,7 @@
           <a:p>
             <a:fld id="{81509C5F-ECAE-4DB7-957B-54CC69DBA7BF}" type="datetime1">
               <a:rPr lang="en-US" smtClean="0"/>
-              <a:t>12/1/2019</a:t>
+              <a:t>12/2/2019</a:t>
             </a:fld>
             <a:endParaRPr lang="en-US" dirty="0"/>
           </a:p>
@@ -2990,7 +3078,7 @@
           <a:p>
             <a:fld id="{56284F7D-4BDF-41A4-87C3-B296AF5CC018}" type="datetime1">
               <a:rPr lang="en-US" smtClean="0"/>
-              <a:t>12/1/2019</a:t>
+              <a:t>12/2/2019</a:t>
             </a:fld>
             <a:endParaRPr lang="en-US" dirty="0"/>
           </a:p>
@@ -3156,7 +3244,7 @@
           <a:p>
             <a:fld id="{B04051EB-F503-4DE5-AC61-770C2AC8505E}" type="datetime1">
               <a:rPr lang="en-US" smtClean="0"/>
-              <a:t>12/1/2019</a:t>
+              <a:t>12/2/2019</a:t>
             </a:fld>
             <a:endParaRPr lang="en-US" dirty="0"/>
           </a:p>
@@ -3331,7 +3419,7 @@
           <a:p>
             <a:fld id="{456FC1C6-9333-41D8-9FF5-C59CC3FA5CA6}" type="datetime1">
               <a:rPr lang="en-US" smtClean="0"/>
-              <a:t>12/1/2019</a:t>
+              <a:t>12/2/2019</a:t>
             </a:fld>
             <a:endParaRPr lang="en-US" dirty="0"/>
           </a:p>
@@ -3503,7 +3591,7 @@
           <a:p>
             <a:fld id="{219079B0-63D7-4AA5-A4DD-743326774367}" type="datetime1">
               <a:rPr lang="en-US" smtClean="0"/>
-              <a:t>12/1/2019</a:t>
+              <a:t>12/2/2019</a:t>
             </a:fld>
             <a:endParaRPr lang="en-US" dirty="0"/>
           </a:p>
@@ -3746,7 +3834,7 @@
           <a:p>
             <a:fld id="{6C59CD2D-0A7F-4BC9-AC80-765DABC3FFAB}" type="datetime1">
               <a:rPr lang="en-US" smtClean="0"/>
-              <a:t>12/1/2019</a:t>
+              <a:t>12/2/2019</a:t>
             </a:fld>
             <a:endParaRPr lang="en-US" dirty="0"/>
           </a:p>
@@ -3974,7 +4062,7 @@
           <a:p>
             <a:fld id="{B6873DDA-BB41-4CB7-AE09-0A458E226FED}" type="datetime1">
               <a:rPr lang="en-US" smtClean="0"/>
-              <a:t>12/1/2019</a:t>
+              <a:t>12/2/2019</a:t>
             </a:fld>
             <a:endParaRPr lang="en-US" dirty="0"/>
           </a:p>
@@ -4343,7 +4431,7 @@
           <a:p>
             <a:fld id="{2A9A17B7-DC4C-4791-B6F4-9D43378B3BE1}" type="datetime1">
               <a:rPr lang="en-US" smtClean="0"/>
-              <a:t>12/1/2019</a:t>
+              <a:t>12/2/2019</a:t>
             </a:fld>
             <a:endParaRPr lang="en-US" dirty="0"/>
           </a:p>
@@ -4462,7 +4550,7 @@
           <a:p>
             <a:fld id="{1923BD07-7D78-4A3D-84EB-9126D88662BD}" type="datetime1">
               <a:rPr lang="en-US" smtClean="0"/>
-              <a:t>12/1/2019</a:t>
+              <a:t>12/2/2019</a:t>
             </a:fld>
             <a:endParaRPr lang="en-US" dirty="0"/>
           </a:p>
@@ -4553,7 +4641,7 @@
           <a:p>
             <a:fld id="{86CF2615-9448-42F1-92F5-D85125994D67}" type="datetime1">
               <a:rPr lang="en-US" smtClean="0"/>
-              <a:t>12/1/2019</a:t>
+              <a:t>12/2/2019</a:t>
             </a:fld>
             <a:endParaRPr lang="en-US" dirty="0"/>
           </a:p>
@@ -4804,7 +4892,7 @@
           <a:p>
             <a:fld id="{EA185A62-5F0C-432D-B1EF-12398B4AE8C3}" type="datetime1">
               <a:rPr lang="en-US" smtClean="0"/>
-              <a:t>12/1/2019</a:t>
+              <a:t>12/2/2019</a:t>
             </a:fld>
             <a:endParaRPr lang="en-US" dirty="0"/>
           </a:p>
@@ -5062,7 +5150,7 @@
           <a:p>
             <a:fld id="{5C147256-2191-4B1F-8B4C-70D55D9CCF42}" type="datetime1">
               <a:rPr lang="en-US" smtClean="0"/>
-              <a:t>12/1/2019</a:t>
+              <a:t>12/2/2019</a:t>
             </a:fld>
             <a:endParaRPr lang="en-US" dirty="0"/>
           </a:p>
@@ -5801,7 +5889,7 @@
           <a:p>
             <a:fld id="{A05719FF-4C8F-431A-B012-FB497F0DF6C9}" type="datetime1">
               <a:rPr lang="en-US" smtClean="0"/>
-              <a:t>12/1/2019</a:t>
+              <a:t>12/2/2019</a:t>
             </a:fld>
             <a:endParaRPr lang="en-US" dirty="0"/>
           </a:p>
@@ -6502,6 +6590,166 @@
 </p:sld>
 </file>
 
+<file path=ppt/slides/slide10.xml><?xml version="1.0" encoding="utf-8"?>
+<p:sld xmlns:a="http://schemas.openxmlformats.org/drawingml/2006/main" xmlns:r="http://schemas.openxmlformats.org/officeDocument/2006/relationships" xmlns:p="http://schemas.openxmlformats.org/presentationml/2006/main">
+  <p:cSld>
+    <p:spTree>
+      <p:nvGrpSpPr>
+        <p:cNvPr id="1" name=""/>
+        <p:cNvGrpSpPr/>
+        <p:nvPr/>
+      </p:nvGrpSpPr>
+      <p:grpSpPr>
+        <a:xfrm>
+          <a:off x="0" y="0"/>
+          <a:ext cx="0" cy="0"/>
+          <a:chOff x="0" y="0"/>
+          <a:chExt cx="0" cy="0"/>
+        </a:xfrm>
+      </p:grpSpPr>
+      <p:sp>
+        <p:nvSpPr>
+          <p:cNvPr id="2" name="Title 1">
+            <a:extLst>
+              <a:ext uri="{FF2B5EF4-FFF2-40B4-BE49-F238E27FC236}">
+                <a16:creationId xmlns:a16="http://schemas.microsoft.com/office/drawing/2014/main" id="{34F784C8-9387-4C33-83DC-0E0543F1B493}"/>
+              </a:ext>
+            </a:extLst>
+          </p:cNvPr>
+          <p:cNvSpPr>
+            <a:spLocks noGrp="1"/>
+          </p:cNvSpPr>
+          <p:nvPr>
+            <p:ph type="title"/>
+          </p:nvPr>
+        </p:nvSpPr>
+        <p:spPr/>
+        <p:txBody>
+          <a:bodyPr/>
+          <a:lstStyle/>
+          <a:p>
+            <a:r>
+              <a:rPr lang="en-US" dirty="0"/>
+              <a:t>Questions?</a:t>
+            </a:r>
+          </a:p>
+        </p:txBody>
+      </p:sp>
+      <p:sp>
+        <p:nvSpPr>
+          <p:cNvPr id="3" name="Content Placeholder 2">
+            <a:extLst>
+              <a:ext uri="{FF2B5EF4-FFF2-40B4-BE49-F238E27FC236}">
+                <a16:creationId xmlns:a16="http://schemas.microsoft.com/office/drawing/2014/main" id="{BA531FF5-A284-4C26-871C-198C6EDF394E}"/>
+              </a:ext>
+            </a:extLst>
+          </p:cNvPr>
+          <p:cNvSpPr>
+            <a:spLocks noGrp="1"/>
+          </p:cNvSpPr>
+          <p:nvPr>
+            <p:ph idx="1"/>
+          </p:nvPr>
+        </p:nvSpPr>
+        <p:spPr/>
+        <p:txBody>
+          <a:bodyPr>
+            <a:normAutofit/>
+          </a:bodyPr>
+          <a:lstStyle/>
+          <a:p>
+            <a:r>
+              <a:rPr lang="en-US" sz="2000" dirty="0"/>
+              <a:t>Thank you for listening!</a:t>
+            </a:r>
+          </a:p>
+          <a:p>
+            <a:endParaRPr lang="en-US" sz="2000" dirty="0"/>
+          </a:p>
+          <a:p>
+            <a:r>
+              <a:rPr lang="en-US" sz="2000" dirty="0"/>
+              <a:t>Contact:</a:t>
+            </a:r>
+          </a:p>
+          <a:p>
+            <a:pPr lvl="1"/>
+            <a:r>
+              <a:rPr lang="en-US" sz="1800" dirty="0"/>
+              <a:t>Email:</a:t>
+            </a:r>
+          </a:p>
+          <a:p>
+            <a:pPr lvl="2"/>
+            <a:r>
+              <a:rPr lang="en-US" sz="1600" dirty="0"/>
+              <a:t>Daniel.Brooks@alumni.caltech.edu</a:t>
+            </a:r>
+          </a:p>
+          <a:p>
+            <a:pPr lvl="1"/>
+            <a:r>
+              <a:rPr lang="en-US" sz="1800" dirty="0"/>
+              <a:t>Twitter:</a:t>
+            </a:r>
+          </a:p>
+          <a:p>
+            <a:pPr lvl="2"/>
+            <a:r>
+              <a:rPr lang="en-US" sz="1600" dirty="0"/>
+              <a:t>@</a:t>
+            </a:r>
+            <a:r>
+              <a:rPr lang="en-US" sz="1600" dirty="0" err="1"/>
+              <a:t>cocacolamandan</a:t>
+            </a:r>
+            <a:endParaRPr lang="en-US" sz="1600" dirty="0"/>
+          </a:p>
+        </p:txBody>
+      </p:sp>
+      <p:sp>
+        <p:nvSpPr>
+          <p:cNvPr id="5" name="Slide Number Placeholder 4">
+            <a:extLst>
+              <a:ext uri="{FF2B5EF4-FFF2-40B4-BE49-F238E27FC236}">
+                <a16:creationId xmlns:a16="http://schemas.microsoft.com/office/drawing/2014/main" id="{23DCB22B-CEF1-41AC-8BD0-B23161328CA2}"/>
+              </a:ext>
+            </a:extLst>
+          </p:cNvPr>
+          <p:cNvSpPr>
+            <a:spLocks noGrp="1"/>
+          </p:cNvSpPr>
+          <p:nvPr>
+            <p:ph type="sldNum" sz="quarter" idx="12"/>
+          </p:nvPr>
+        </p:nvSpPr>
+        <p:spPr/>
+        <p:txBody>
+          <a:bodyPr/>
+          <a:lstStyle/>
+          <a:p>
+            <a:fld id="{D57F1E4F-1CFF-5643-939E-217C01CDF565}" type="slidenum">
+              <a:rPr lang="en-US" smtClean="0"/>
+              <a:pPr/>
+              <a:t>10</a:t>
+            </a:fld>
+            <a:endParaRPr lang="en-US" dirty="0"/>
+          </a:p>
+        </p:txBody>
+      </p:sp>
+    </p:spTree>
+    <p:extLst>
+      <p:ext uri="{BB962C8B-B14F-4D97-AF65-F5344CB8AC3E}">
+        <p14:creationId xmlns:p14="http://schemas.microsoft.com/office/powerpoint/2010/main" val="2549121550"/>
+      </p:ext>
+    </p:extLst>
+  </p:cSld>
+  <p:clrMapOvr>
+    <a:masterClrMapping/>
+  </p:clrMapOvr>
+</p:sld>
+</file>
+
 <file path=ppt/slides/slide2.xml><?xml version="1.0" encoding="utf-8"?>
 <p:sld xmlns:a="http://schemas.openxmlformats.org/drawingml/2006/main" xmlns:r="http://schemas.openxmlformats.org/officeDocument/2006/relationships" xmlns:p="http://schemas.openxmlformats.org/presentationml/2006/main">
   <p:cSld>
@@ -6591,7 +6839,7 @@
             <a:pPr lvl="1"/>
             <a:r>
               <a:rPr lang="en-US" dirty="0"/>
-              <a:t>Rise of convolution neural networks</a:t>
+              <a:t>Rise of convolution neural network-based methods</a:t>
             </a:r>
           </a:p>
           <a:p>
@@ -6623,13 +6871,8 @@
             <a:pPr lvl="1"/>
             <a:r>
               <a:rPr lang="en-US" dirty="0"/>
-              <a:t>A brief introduction to </a:t>
-            </a:r>
-            <a:r>
-              <a:rPr lang="en-US" dirty="0" err="1"/>
-              <a:t>PyTorch</a:t>
-            </a:r>
-            <a:endParaRPr lang="en-US" dirty="0"/>
+              <a:t>Common computer vision workflows</a:t>
+            </a:r>
           </a:p>
           <a:p>
             <a:pPr lvl="1"/>
@@ -6753,7 +6996,7 @@
         </p:blipFill>
         <p:spPr bwMode="auto">
           <a:xfrm>
-            <a:off x="7490469" y="3211861"/>
+            <a:off x="6878630" y="3251200"/>
             <a:ext cx="2200387" cy="995045"/>
           </a:xfrm>
           <a:prstGeom prst="rect">
@@ -6819,7 +7062,7 @@
         </p:nvSpPr>
         <p:spPr>
           <a:xfrm>
-            <a:off x="677334" y="2160590"/>
+            <a:off x="677334" y="1962895"/>
             <a:ext cx="8596668" cy="629264"/>
           </a:xfrm>
         </p:spPr>
@@ -7092,7 +7335,7 @@
             </p:nvSpPr>
             <p:spPr>
               <a:xfrm>
-                <a:off x="3858936" y="4191874"/>
+                <a:off x="3858936" y="4198598"/>
                 <a:ext cx="1610686" cy="1359017"/>
               </a:xfrm>
               <a:prstGeom prst="rect">
@@ -7402,6 +7645,60 @@
       </p:grpSpPr>
       <p:sp>
         <p:nvSpPr>
+          <p:cNvPr id="6" name="Rectangle 5">
+            <a:extLst>
+              <a:ext uri="{FF2B5EF4-FFF2-40B4-BE49-F238E27FC236}">
+                <a16:creationId xmlns:a16="http://schemas.microsoft.com/office/drawing/2014/main" id="{F08B37AD-6E75-401F-A0F2-FF10ED88B74F}"/>
+              </a:ext>
+            </a:extLst>
+          </p:cNvPr>
+          <p:cNvSpPr/>
+          <p:nvPr/>
+        </p:nvSpPr>
+        <p:spPr>
+          <a:xfrm>
+            <a:off x="6507270" y="3380816"/>
+            <a:ext cx="5304864" cy="3093569"/>
+          </a:xfrm>
+          <a:prstGeom prst="rect">
+            <a:avLst/>
+          </a:prstGeom>
+          <a:solidFill>
+            <a:schemeClr val="bg1"/>
+          </a:solidFill>
+          <a:ln>
+            <a:solidFill>
+              <a:schemeClr val="tx1"/>
+            </a:solidFill>
+          </a:ln>
+        </p:spPr>
+        <p:style>
+          <a:lnRef idx="2">
+            <a:schemeClr val="accent1">
+              <a:shade val="50000"/>
+            </a:schemeClr>
+          </a:lnRef>
+          <a:fillRef idx="1">
+            <a:schemeClr val="accent1"/>
+          </a:fillRef>
+          <a:effectRef idx="0">
+            <a:schemeClr val="accent1"/>
+          </a:effectRef>
+          <a:fontRef idx="minor">
+            <a:schemeClr val="lt1"/>
+          </a:fontRef>
+        </p:style>
+        <p:txBody>
+          <a:bodyPr rtlCol="0" anchor="ctr"/>
+          <a:lstStyle/>
+          <a:p>
+            <a:pPr algn="ctr"/>
+            <a:endParaRPr lang="en-US"/>
+          </a:p>
+        </p:txBody>
+      </p:sp>
+      <p:sp>
+        <p:nvSpPr>
           <p:cNvPr id="2" name="Title 1">
             <a:extLst>
               <a:ext uri="{FF2B5EF4-FFF2-40B4-BE49-F238E27FC236}">
@@ -7423,7 +7720,7 @@
           <a:p>
             <a:r>
               <a:rPr lang="en-US" dirty="0"/>
-              <a:t>Convolutional Neural Networks</a:t>
+              <a:t>Rapid Advances in Computer Vision</a:t>
             </a:r>
           </a:p>
         </p:txBody>
@@ -7444,7 +7741,12 @@
             <p:ph type="sldNum" sz="quarter" idx="12"/>
           </p:nvPr>
         </p:nvSpPr>
-        <p:spPr/>
+        <p:spPr>
+          <a:xfrm>
+            <a:off x="10122521" y="5845260"/>
+            <a:ext cx="683339" cy="365125"/>
+          </a:xfrm>
+        </p:spPr>
         <p:txBody>
           <a:bodyPr/>
           <a:lstStyle/>
@@ -7453,6 +7755,1111 @@
               <a:rPr lang="en-US" smtClean="0"/>
               <a:pPr/>
               <a:t>4</a:t>
+            </a:fld>
+            <a:endParaRPr lang="en-US" dirty="0"/>
+          </a:p>
+        </p:txBody>
+      </p:sp>
+      <p:sp>
+        <p:nvSpPr>
+          <p:cNvPr id="7" name="Footer Placeholder 19">
+            <a:extLst>
+              <a:ext uri="{FF2B5EF4-FFF2-40B4-BE49-F238E27FC236}">
+                <a16:creationId xmlns:a16="http://schemas.microsoft.com/office/drawing/2014/main" id="{1174B057-8774-45D2-B978-5258F5B75990}"/>
+              </a:ext>
+            </a:extLst>
+          </p:cNvPr>
+          <p:cNvSpPr>
+            <a:spLocks noGrp="1"/>
+          </p:cNvSpPr>
+          <p:nvPr>
+            <p:ph type="ftr" sz="quarter" idx="11"/>
+          </p:nvPr>
+        </p:nvSpPr>
+        <p:spPr>
+          <a:xfrm>
+            <a:off x="657719" y="6406487"/>
+            <a:ext cx="6297612" cy="365125"/>
+          </a:xfrm>
+        </p:spPr>
+        <p:txBody>
+          <a:bodyPr/>
+          <a:lstStyle/>
+          <a:p>
+            <a:r>
+              <a:rPr lang="en-US" dirty="0"/>
+              <a:t>2. http://twitter.com/CSProfKGD/status/1141009378830684161</a:t>
+            </a:r>
+          </a:p>
+        </p:txBody>
+      </p:sp>
+      <p:sp>
+        <p:nvSpPr>
+          <p:cNvPr id="8" name="Content Placeholder 2">
+            <a:extLst>
+              <a:ext uri="{FF2B5EF4-FFF2-40B4-BE49-F238E27FC236}">
+                <a16:creationId xmlns:a16="http://schemas.microsoft.com/office/drawing/2014/main" id="{B1B89136-D9D7-49B5-A087-1CEAA45BB2F3}"/>
+              </a:ext>
+            </a:extLst>
+          </p:cNvPr>
+          <p:cNvSpPr txBox="1">
+            <a:spLocks/>
+          </p:cNvSpPr>
+          <p:nvPr/>
+        </p:nvSpPr>
+        <p:spPr>
+          <a:xfrm>
+            <a:off x="677334" y="1835529"/>
+            <a:ext cx="6731995" cy="4412871"/>
+          </a:xfrm>
+          <a:prstGeom prst="rect">
+            <a:avLst/>
+          </a:prstGeom>
+        </p:spPr>
+        <p:txBody>
+          <a:bodyPr vert="horz" lIns="91440" tIns="45720" rIns="91440" bIns="45720" rtlCol="0">
+            <a:normAutofit lnSpcReduction="10000"/>
+          </a:bodyPr>
+          <a:lstStyle>
+            <a:lvl1pPr marL="342900" indent="-342900" algn="l" defTabSz="457200" rtl="0" eaLnBrk="1" latinLnBrk="0" hangingPunct="1">
+              <a:spcBef>
+                <a:spcPts val="1000"/>
+              </a:spcBef>
+              <a:spcAft>
+                <a:spcPts val="0"/>
+              </a:spcAft>
+              <a:buClr>
+                <a:schemeClr val="accent1"/>
+              </a:buClr>
+              <a:buSzPct val="80000"/>
+              <a:buFont typeface="Wingdings 3" charset="2"/>
+              <a:buChar char=""/>
+              <a:defRPr sz="1800" kern="1200">
+                <a:solidFill>
+                  <a:schemeClr val="tx1">
+                    <a:lumMod val="75000"/>
+                    <a:lumOff val="25000"/>
+                  </a:schemeClr>
+                </a:solidFill>
+                <a:latin typeface="+mn-lt"/>
+                <a:ea typeface="+mn-ea"/>
+                <a:cs typeface="+mn-cs"/>
+              </a:defRPr>
+            </a:lvl1pPr>
+            <a:lvl2pPr marL="742950" indent="-285750" algn="l" defTabSz="457200" rtl="0" eaLnBrk="1" latinLnBrk="0" hangingPunct="1">
+              <a:spcBef>
+                <a:spcPts val="1000"/>
+              </a:spcBef>
+              <a:spcAft>
+                <a:spcPts val="0"/>
+              </a:spcAft>
+              <a:buClr>
+                <a:schemeClr val="accent1"/>
+              </a:buClr>
+              <a:buSzPct val="80000"/>
+              <a:buFont typeface="Wingdings 3" charset="2"/>
+              <a:buChar char=""/>
+              <a:defRPr sz="1600" kern="1200">
+                <a:solidFill>
+                  <a:schemeClr val="tx1">
+                    <a:lumMod val="75000"/>
+                    <a:lumOff val="25000"/>
+                  </a:schemeClr>
+                </a:solidFill>
+                <a:latin typeface="+mn-lt"/>
+                <a:ea typeface="+mn-ea"/>
+                <a:cs typeface="+mn-cs"/>
+              </a:defRPr>
+            </a:lvl2pPr>
+            <a:lvl3pPr marL="1143000" indent="-228600" algn="l" defTabSz="457200" rtl="0" eaLnBrk="1" latinLnBrk="0" hangingPunct="1">
+              <a:spcBef>
+                <a:spcPts val="1000"/>
+              </a:spcBef>
+              <a:spcAft>
+                <a:spcPts val="0"/>
+              </a:spcAft>
+              <a:buClr>
+                <a:schemeClr val="accent1"/>
+              </a:buClr>
+              <a:buSzPct val="80000"/>
+              <a:buFont typeface="Wingdings 3" charset="2"/>
+              <a:buChar char=""/>
+              <a:defRPr sz="1400" kern="1200">
+                <a:solidFill>
+                  <a:schemeClr val="tx1">
+                    <a:lumMod val="75000"/>
+                    <a:lumOff val="25000"/>
+                  </a:schemeClr>
+                </a:solidFill>
+                <a:latin typeface="+mn-lt"/>
+                <a:ea typeface="+mn-ea"/>
+                <a:cs typeface="+mn-cs"/>
+              </a:defRPr>
+            </a:lvl3pPr>
+            <a:lvl4pPr marL="1600200" indent="-228600" algn="l" defTabSz="457200" rtl="0" eaLnBrk="1" latinLnBrk="0" hangingPunct="1">
+              <a:spcBef>
+                <a:spcPts val="1000"/>
+              </a:spcBef>
+              <a:spcAft>
+                <a:spcPts val="0"/>
+              </a:spcAft>
+              <a:buClr>
+                <a:schemeClr val="accent1"/>
+              </a:buClr>
+              <a:buSzPct val="80000"/>
+              <a:buFont typeface="Wingdings 3" charset="2"/>
+              <a:buChar char=""/>
+              <a:defRPr sz="1200" kern="1200">
+                <a:solidFill>
+                  <a:schemeClr val="tx1">
+                    <a:lumMod val="75000"/>
+                    <a:lumOff val="25000"/>
+                  </a:schemeClr>
+                </a:solidFill>
+                <a:latin typeface="+mn-lt"/>
+                <a:ea typeface="+mn-ea"/>
+                <a:cs typeface="+mn-cs"/>
+              </a:defRPr>
+            </a:lvl4pPr>
+            <a:lvl5pPr marL="2057400" indent="-228600" algn="l" defTabSz="457200" rtl="0" eaLnBrk="1" latinLnBrk="0" hangingPunct="1">
+              <a:spcBef>
+                <a:spcPts val="1000"/>
+              </a:spcBef>
+              <a:spcAft>
+                <a:spcPts val="0"/>
+              </a:spcAft>
+              <a:buClr>
+                <a:schemeClr val="accent1"/>
+              </a:buClr>
+              <a:buSzPct val="80000"/>
+              <a:buFont typeface="Wingdings 3" charset="2"/>
+              <a:buChar char=""/>
+              <a:defRPr sz="1200" kern="1200">
+                <a:solidFill>
+                  <a:schemeClr val="tx1">
+                    <a:lumMod val="75000"/>
+                    <a:lumOff val="25000"/>
+                  </a:schemeClr>
+                </a:solidFill>
+                <a:latin typeface="+mn-lt"/>
+                <a:ea typeface="+mn-ea"/>
+                <a:cs typeface="+mn-cs"/>
+              </a:defRPr>
+            </a:lvl5pPr>
+            <a:lvl6pPr marL="2514600" indent="-228600" algn="l" defTabSz="457200" rtl="0" eaLnBrk="1" latinLnBrk="0" hangingPunct="1">
+              <a:spcBef>
+                <a:spcPts val="1000"/>
+              </a:spcBef>
+              <a:spcAft>
+                <a:spcPts val="0"/>
+              </a:spcAft>
+              <a:buClr>
+                <a:schemeClr val="accent1"/>
+              </a:buClr>
+              <a:buSzPct val="80000"/>
+              <a:buFont typeface="Wingdings 3" charset="2"/>
+              <a:buChar char=""/>
+              <a:defRPr sz="1200" kern="1200">
+                <a:solidFill>
+                  <a:schemeClr val="tx1">
+                    <a:lumMod val="75000"/>
+                    <a:lumOff val="25000"/>
+                  </a:schemeClr>
+                </a:solidFill>
+                <a:latin typeface="+mn-lt"/>
+                <a:ea typeface="+mn-ea"/>
+                <a:cs typeface="+mn-cs"/>
+              </a:defRPr>
+            </a:lvl6pPr>
+            <a:lvl7pPr marL="2971800" indent="-228600" algn="l" defTabSz="457200" rtl="0" eaLnBrk="1" latinLnBrk="0" hangingPunct="1">
+              <a:spcBef>
+                <a:spcPts val="1000"/>
+              </a:spcBef>
+              <a:spcAft>
+                <a:spcPts val="0"/>
+              </a:spcAft>
+              <a:buClr>
+                <a:schemeClr val="accent1"/>
+              </a:buClr>
+              <a:buSzPct val="80000"/>
+              <a:buFont typeface="Wingdings 3" charset="2"/>
+              <a:buChar char=""/>
+              <a:defRPr sz="1200" kern="1200">
+                <a:solidFill>
+                  <a:schemeClr val="tx1">
+                    <a:lumMod val="75000"/>
+                    <a:lumOff val="25000"/>
+                  </a:schemeClr>
+                </a:solidFill>
+                <a:latin typeface="+mn-lt"/>
+                <a:ea typeface="+mn-ea"/>
+                <a:cs typeface="+mn-cs"/>
+              </a:defRPr>
+            </a:lvl7pPr>
+            <a:lvl8pPr marL="3429000" indent="-228600" algn="l" defTabSz="457200" rtl="0" eaLnBrk="1" latinLnBrk="0" hangingPunct="1">
+              <a:spcBef>
+                <a:spcPts val="1000"/>
+              </a:spcBef>
+              <a:spcAft>
+                <a:spcPts val="0"/>
+              </a:spcAft>
+              <a:buClr>
+                <a:schemeClr val="accent1"/>
+              </a:buClr>
+              <a:buSzPct val="80000"/>
+              <a:buFont typeface="Wingdings 3" charset="2"/>
+              <a:buChar char=""/>
+              <a:defRPr sz="1200" kern="1200">
+                <a:solidFill>
+                  <a:schemeClr val="tx1">
+                    <a:lumMod val="75000"/>
+                    <a:lumOff val="25000"/>
+                  </a:schemeClr>
+                </a:solidFill>
+                <a:latin typeface="+mn-lt"/>
+                <a:ea typeface="+mn-ea"/>
+                <a:cs typeface="+mn-cs"/>
+              </a:defRPr>
+            </a:lvl8pPr>
+            <a:lvl9pPr marL="3886200" indent="-228600" algn="l" defTabSz="457200" rtl="0" eaLnBrk="1" latinLnBrk="0" hangingPunct="1">
+              <a:spcBef>
+                <a:spcPts val="1000"/>
+              </a:spcBef>
+              <a:spcAft>
+                <a:spcPts val="0"/>
+              </a:spcAft>
+              <a:buClr>
+                <a:schemeClr val="accent1"/>
+              </a:buClr>
+              <a:buSzPct val="80000"/>
+              <a:buFont typeface="Wingdings 3" charset="2"/>
+              <a:buChar char=""/>
+              <a:defRPr sz="1200" kern="1200">
+                <a:solidFill>
+                  <a:schemeClr val="tx1">
+                    <a:lumMod val="75000"/>
+                    <a:lumOff val="25000"/>
+                  </a:schemeClr>
+                </a:solidFill>
+                <a:latin typeface="+mn-lt"/>
+                <a:ea typeface="+mn-ea"/>
+                <a:cs typeface="+mn-cs"/>
+              </a:defRPr>
+            </a:lvl9pPr>
+          </a:lstStyle>
+          <a:p>
+            <a:r>
+              <a:rPr lang="en-US" dirty="0"/>
+              <a:t>Significant improvements in recent years:</a:t>
+            </a:r>
+          </a:p>
+          <a:p>
+            <a:pPr marL="0" indent="0">
+              <a:buNone/>
+            </a:pPr>
+            <a:endParaRPr lang="en-US" sz="600" dirty="0"/>
+          </a:p>
+          <a:p>
+            <a:pPr lvl="1"/>
+            <a:r>
+              <a:rPr lang="en-US" dirty="0"/>
+              <a:t>Improved algorithms</a:t>
+            </a:r>
+          </a:p>
+          <a:p>
+            <a:pPr lvl="2"/>
+            <a:r>
+              <a:rPr lang="en-US" dirty="0"/>
+              <a:t>A convolutional neural network (CNN) first won ImageNet in 2012</a:t>
+            </a:r>
+          </a:p>
+          <a:p>
+            <a:pPr lvl="2"/>
+            <a:r>
+              <a:rPr lang="en-US" dirty="0"/>
+              <a:t>Better architectures are constantly being released </a:t>
+            </a:r>
+          </a:p>
+          <a:p>
+            <a:pPr lvl="2"/>
+            <a:endParaRPr lang="en-US" dirty="0"/>
+          </a:p>
+          <a:p>
+            <a:pPr lvl="1"/>
+            <a:r>
+              <a:rPr lang="en-US" dirty="0"/>
+              <a:t>Improved hardware</a:t>
+            </a:r>
+          </a:p>
+          <a:p>
+            <a:pPr lvl="2"/>
+            <a:r>
+              <a:rPr lang="en-US" dirty="0"/>
+              <a:t>Nvidia GPUs (with CUDA)</a:t>
+            </a:r>
+          </a:p>
+          <a:p>
+            <a:pPr lvl="2"/>
+            <a:r>
+              <a:rPr lang="en-US" dirty="0"/>
+              <a:t>Google TPUs</a:t>
+            </a:r>
+          </a:p>
+          <a:p>
+            <a:pPr lvl="2"/>
+            <a:endParaRPr lang="en-US" dirty="0"/>
+          </a:p>
+          <a:p>
+            <a:pPr lvl="1"/>
+            <a:r>
+              <a:rPr lang="en-US" dirty="0"/>
+              <a:t>Improved software</a:t>
+            </a:r>
+          </a:p>
+          <a:p>
+            <a:pPr lvl="2"/>
+            <a:r>
+              <a:rPr lang="en-US" dirty="0" err="1"/>
+              <a:t>Tensorflow</a:t>
+            </a:r>
+            <a:r>
+              <a:rPr lang="en-US" dirty="0"/>
+              <a:t> (2015)</a:t>
+            </a:r>
+          </a:p>
+          <a:p>
+            <a:pPr lvl="2"/>
+            <a:r>
+              <a:rPr lang="en-US" b="1" dirty="0" err="1"/>
+              <a:t>PyTorch</a:t>
+            </a:r>
+            <a:r>
+              <a:rPr lang="en-US" dirty="0"/>
+              <a:t> (2016)</a:t>
+            </a:r>
+          </a:p>
+          <a:p>
+            <a:pPr lvl="2"/>
+            <a:endParaRPr lang="en-US" dirty="0"/>
+          </a:p>
+        </p:txBody>
+      </p:sp>
+      <p:grpSp>
+        <p:nvGrpSpPr>
+          <p:cNvPr id="10" name="Group 9">
+            <a:extLst>
+              <a:ext uri="{FF2B5EF4-FFF2-40B4-BE49-F238E27FC236}">
+                <a16:creationId xmlns:a16="http://schemas.microsoft.com/office/drawing/2014/main" id="{EADAC65B-D34F-4910-991C-85B331C8EB1E}"/>
+              </a:ext>
+            </a:extLst>
+          </p:cNvPr>
+          <p:cNvGrpSpPr/>
+          <p:nvPr/>
+        </p:nvGrpSpPr>
+        <p:grpSpPr>
+          <a:xfrm>
+            <a:off x="6742032" y="3831408"/>
+            <a:ext cx="4987500" cy="2603568"/>
+            <a:chOff x="5210174" y="4027510"/>
+            <a:chExt cx="4987500" cy="2603568"/>
+          </a:xfrm>
+        </p:grpSpPr>
+        <p:grpSp>
+          <p:nvGrpSpPr>
+            <p:cNvPr id="13" name="Group 12">
+              <a:extLst>
+                <a:ext uri="{FF2B5EF4-FFF2-40B4-BE49-F238E27FC236}">
+                  <a16:creationId xmlns:a16="http://schemas.microsoft.com/office/drawing/2014/main" id="{66AC8F61-B984-476C-B70A-40876694DDB9}"/>
+                </a:ext>
+              </a:extLst>
+            </p:cNvPr>
+            <p:cNvGrpSpPr/>
+            <p:nvPr/>
+          </p:nvGrpSpPr>
+          <p:grpSpPr>
+            <a:xfrm>
+              <a:off x="5210174" y="4027510"/>
+              <a:ext cx="4987500" cy="2603568"/>
+              <a:chOff x="2198594" y="3591523"/>
+              <a:chExt cx="6197591" cy="3234871"/>
+            </a:xfrm>
+          </p:grpSpPr>
+          <p:grpSp>
+            <p:nvGrpSpPr>
+              <p:cNvPr id="14" name="Group 13">
+                <a:extLst>
+                  <a:ext uri="{FF2B5EF4-FFF2-40B4-BE49-F238E27FC236}">
+                    <a16:creationId xmlns:a16="http://schemas.microsoft.com/office/drawing/2014/main" id="{2FF491ED-3A73-4701-9D38-2ACF57BF4D56}"/>
+                  </a:ext>
+                </a:extLst>
+              </p:cNvPr>
+              <p:cNvGrpSpPr/>
+              <p:nvPr/>
+            </p:nvGrpSpPr>
+            <p:grpSpPr>
+              <a:xfrm>
+                <a:off x="2198594" y="3591523"/>
+                <a:ext cx="5724932" cy="3234871"/>
+                <a:chOff x="2198594" y="3591523"/>
+                <a:chExt cx="5724932" cy="3234871"/>
+              </a:xfrm>
+            </p:grpSpPr>
+            <p:grpSp>
+              <p:nvGrpSpPr>
+                <p:cNvPr id="16" name="Group 15">
+                  <a:extLst>
+                    <a:ext uri="{FF2B5EF4-FFF2-40B4-BE49-F238E27FC236}">
+                      <a16:creationId xmlns:a16="http://schemas.microsoft.com/office/drawing/2014/main" id="{57711D8D-A494-43A3-B6F3-C71719F7D8B8}"/>
+                    </a:ext>
+                  </a:extLst>
+                </p:cNvPr>
+                <p:cNvGrpSpPr/>
+                <p:nvPr/>
+              </p:nvGrpSpPr>
+              <p:grpSpPr>
+                <a:xfrm>
+                  <a:off x="2198594" y="3591523"/>
+                  <a:ext cx="5724932" cy="3234871"/>
+                  <a:chOff x="2198594" y="3591523"/>
+                  <a:chExt cx="5724932" cy="3234871"/>
+                </a:xfrm>
+              </p:grpSpPr>
+              <p:grpSp>
+                <p:nvGrpSpPr>
+                  <p:cNvPr id="18" name="Group 17">
+                    <a:extLst>
+                      <a:ext uri="{FF2B5EF4-FFF2-40B4-BE49-F238E27FC236}">
+                        <a16:creationId xmlns:a16="http://schemas.microsoft.com/office/drawing/2014/main" id="{836524AE-8562-4618-9A74-66BA04483EAD}"/>
+                      </a:ext>
+                    </a:extLst>
+                  </p:cNvPr>
+                  <p:cNvGrpSpPr/>
+                  <p:nvPr/>
+                </p:nvGrpSpPr>
+                <p:grpSpPr>
+                  <a:xfrm>
+                    <a:off x="2198594" y="3591523"/>
+                    <a:ext cx="5055312" cy="3234871"/>
+                    <a:chOff x="390699" y="3308505"/>
+                    <a:chExt cx="4480560" cy="2827738"/>
+                  </a:xfrm>
+                </p:grpSpPr>
+                <p:pic>
+                  <p:nvPicPr>
+                    <p:cNvPr id="24" name="Picture 2">
+                      <a:extLst>
+                        <a:ext uri="{FF2B5EF4-FFF2-40B4-BE49-F238E27FC236}">
+                          <a16:creationId xmlns:a16="http://schemas.microsoft.com/office/drawing/2014/main" id="{5540DD1A-1E38-4041-B0FB-E8C4C81E64B4}"/>
+                        </a:ext>
+                      </a:extLst>
+                    </p:cNvPr>
+                    <p:cNvPicPr>
+                      <a:picLocks noChangeAspect="1" noChangeArrowheads="1"/>
+                    </p:cNvPicPr>
+                    <p:nvPr/>
+                  </p:nvPicPr>
+                  <p:blipFill>
+                    <a:blip r:embed="rId3">
+                      <a:extLst>
+                        <a:ext uri="{28A0092B-C50C-407E-A947-70E740481C1C}">
+                          <a14:useLocalDpi xmlns:a14="http://schemas.microsoft.com/office/drawing/2010/main" val="0"/>
+                        </a:ext>
+                      </a:extLst>
+                    </a:blip>
+                    <a:srcRect/>
+                    <a:stretch>
+                      <a:fillRect/>
+                    </a:stretch>
+                  </p:blipFill>
+                  <p:spPr bwMode="auto">
+                    <a:xfrm>
+                      <a:off x="390699" y="3308505"/>
+                      <a:ext cx="4480560" cy="2442309"/>
+                    </a:xfrm>
+                    <a:prstGeom prst="rect">
+                      <a:avLst/>
+                    </a:prstGeom>
+                    <a:noFill/>
+                    <a:extLst>
+                      <a:ext uri="{909E8E84-426E-40DD-AFC4-6F175D3DCCD1}">
+                        <a14:hiddenFill xmlns:a14="http://schemas.microsoft.com/office/drawing/2010/main">
+                          <a:solidFill>
+                            <a:srgbClr val="FFFFFF"/>
+                          </a:solidFill>
+                        </a14:hiddenFill>
+                      </a:ext>
+                    </a:extLst>
+                  </p:spPr>
+                </p:pic>
+                <p:sp>
+                  <p:nvSpPr>
+                    <p:cNvPr id="25" name="Rectangle 24">
+                      <a:extLst>
+                        <a:ext uri="{FF2B5EF4-FFF2-40B4-BE49-F238E27FC236}">
+                          <a16:creationId xmlns:a16="http://schemas.microsoft.com/office/drawing/2014/main" id="{89C2B28D-0B8F-4D1A-AC2C-379ECA98DD50}"/>
+                        </a:ext>
+                      </a:extLst>
+                    </p:cNvPr>
+                    <p:cNvSpPr/>
+                    <p:nvPr/>
+                  </p:nvSpPr>
+                  <p:spPr>
+                    <a:xfrm>
+                      <a:off x="2090739" y="5801966"/>
+                      <a:ext cx="1977742" cy="334277"/>
+                    </a:xfrm>
+                    <a:prstGeom prst="rect">
+                      <a:avLst/>
+                    </a:prstGeom>
+                  </p:spPr>
+                  <p:txBody>
+                    <a:bodyPr wrap="none">
+                      <a:spAutoFit/>
+                    </a:bodyPr>
+                    <a:lstStyle/>
+                    <a:p>
+                      <a:r>
+                        <a:rPr lang="en-US" sz="1400" dirty="0"/>
+                        <a:t>Top-5 Error Rate (%)</a:t>
+                      </a:r>
+                    </a:p>
+                  </p:txBody>
+                </p:sp>
+              </p:grpSp>
+              <p:sp>
+                <p:nvSpPr>
+                  <p:cNvPr id="19" name="Rectangle 18">
+                    <a:extLst>
+                      <a:ext uri="{FF2B5EF4-FFF2-40B4-BE49-F238E27FC236}">
+                        <a16:creationId xmlns:a16="http://schemas.microsoft.com/office/drawing/2014/main" id="{A1E6804E-47C0-4D7A-AF9A-491F7102A1F7}"/>
+                      </a:ext>
+                    </a:extLst>
+                  </p:cNvPr>
+                  <p:cNvSpPr/>
+                  <p:nvPr/>
+                </p:nvSpPr>
+                <p:spPr>
+                  <a:xfrm>
+                    <a:off x="7029239" y="6004850"/>
+                    <a:ext cx="224667" cy="141732"/>
+                  </a:xfrm>
+                  <a:prstGeom prst="rect">
+                    <a:avLst/>
+                  </a:prstGeom>
+                  <a:solidFill>
+                    <a:schemeClr val="bg1"/>
+                  </a:solidFill>
+                  <a:ln>
+                    <a:solidFill>
+                      <a:schemeClr val="bg1"/>
+                    </a:solidFill>
+                  </a:ln>
+                </p:spPr>
+                <p:style>
+                  <a:lnRef idx="2">
+                    <a:schemeClr val="accent1">
+                      <a:shade val="50000"/>
+                    </a:schemeClr>
+                  </a:lnRef>
+                  <a:fillRef idx="1">
+                    <a:schemeClr val="accent1"/>
+                  </a:fillRef>
+                  <a:effectRef idx="0">
+                    <a:schemeClr val="accent1"/>
+                  </a:effectRef>
+                  <a:fontRef idx="minor">
+                    <a:schemeClr val="lt1"/>
+                  </a:fontRef>
+                </p:style>
+                <p:txBody>
+                  <a:bodyPr rtlCol="0" anchor="ctr"/>
+                  <a:lstStyle/>
+                  <a:p>
+                    <a:pPr algn="ctr"/>
+                    <a:endParaRPr lang="en-US"/>
+                  </a:p>
+                </p:txBody>
+              </p:sp>
+              <p:sp>
+                <p:nvSpPr>
+                  <p:cNvPr id="20" name="Rectangle 19">
+                    <a:extLst>
+                      <a:ext uri="{FF2B5EF4-FFF2-40B4-BE49-F238E27FC236}">
+                        <a16:creationId xmlns:a16="http://schemas.microsoft.com/office/drawing/2014/main" id="{2EBC065F-5C40-49CC-9646-CC76B8C0C68B}"/>
+                      </a:ext>
+                    </a:extLst>
+                  </p:cNvPr>
+                  <p:cNvSpPr/>
+                  <p:nvPr/>
+                </p:nvSpPr>
+                <p:spPr>
+                  <a:xfrm>
+                    <a:off x="7229935" y="5641321"/>
+                    <a:ext cx="454560" cy="305924"/>
+                  </a:xfrm>
+                  <a:prstGeom prst="rect">
+                    <a:avLst/>
+                  </a:prstGeom>
+                </p:spPr>
+                <p:txBody>
+                  <a:bodyPr wrap="none">
+                    <a:spAutoFit/>
+                  </a:bodyPr>
+                  <a:lstStyle/>
+                  <a:p>
+                    <a:pPr algn="ctr"/>
+                    <a:r>
+                      <a:rPr lang="en-US" sz="1000" dirty="0"/>
+                      <a:t>1.8</a:t>
+                    </a:r>
+                  </a:p>
+                </p:txBody>
+              </p:sp>
+              <p:sp>
+                <p:nvSpPr>
+                  <p:cNvPr id="21" name="Rectangle 20">
+                    <a:extLst>
+                      <a:ext uri="{FF2B5EF4-FFF2-40B4-BE49-F238E27FC236}">
+                        <a16:creationId xmlns:a16="http://schemas.microsoft.com/office/drawing/2014/main" id="{7B9008E1-1AA2-496A-B7FF-7AB258E19D5A}"/>
+                      </a:ext>
+                    </a:extLst>
+                  </p:cNvPr>
+                  <p:cNvSpPr/>
+                  <p:nvPr/>
+                </p:nvSpPr>
+                <p:spPr>
+                  <a:xfrm>
+                    <a:off x="6990904" y="6029647"/>
+                    <a:ext cx="932622" cy="420645"/>
+                  </a:xfrm>
+                  <a:prstGeom prst="rect">
+                    <a:avLst/>
+                  </a:prstGeom>
+                </p:spPr>
+                <p:txBody>
+                  <a:bodyPr wrap="none">
+                    <a:spAutoFit/>
+                  </a:bodyPr>
+                  <a:lstStyle/>
+                  <a:p>
+                    <a:pPr algn="ctr"/>
+                    <a:r>
+                      <a:rPr lang="en-US" sz="800" dirty="0"/>
+                      <a:t>2019</a:t>
+                    </a:r>
+                  </a:p>
+                  <a:p>
+                    <a:pPr algn="ctr"/>
+                    <a:r>
+                      <a:rPr lang="en-US" sz="800" i="1" dirty="0"/>
+                      <a:t>EfficientNet</a:t>
+                    </a:r>
+                  </a:p>
+                </p:txBody>
+              </p:sp>
+              <p:sp>
+                <p:nvSpPr>
+                  <p:cNvPr id="22" name="Rectangle 21">
+                    <a:extLst>
+                      <a:ext uri="{FF2B5EF4-FFF2-40B4-BE49-F238E27FC236}">
+                        <a16:creationId xmlns:a16="http://schemas.microsoft.com/office/drawing/2014/main" id="{A348CAC1-B2E5-4F1C-9B7C-D1A90CD5421E}"/>
+                      </a:ext>
+                    </a:extLst>
+                  </p:cNvPr>
+                  <p:cNvSpPr/>
+                  <p:nvPr/>
+                </p:nvSpPr>
+                <p:spPr>
+                  <a:xfrm>
+                    <a:off x="7305331" y="5897286"/>
+                    <a:ext cx="303771" cy="145793"/>
+                  </a:xfrm>
+                  <a:prstGeom prst="rect">
+                    <a:avLst/>
+                  </a:prstGeom>
+                  <a:solidFill>
+                    <a:srgbClr val="7D9EF6"/>
+                  </a:solidFill>
+                  <a:ln>
+                    <a:noFill/>
+                  </a:ln>
+                </p:spPr>
+                <p:style>
+                  <a:lnRef idx="2">
+                    <a:schemeClr val="accent1">
+                      <a:shade val="50000"/>
+                    </a:schemeClr>
+                  </a:lnRef>
+                  <a:fillRef idx="1">
+                    <a:schemeClr val="accent1"/>
+                  </a:fillRef>
+                  <a:effectRef idx="0">
+                    <a:schemeClr val="accent1"/>
+                  </a:effectRef>
+                  <a:fontRef idx="minor">
+                    <a:schemeClr val="lt1"/>
+                  </a:fontRef>
+                </p:style>
+                <p:txBody>
+                  <a:bodyPr rtlCol="0" anchor="ctr"/>
+                  <a:lstStyle/>
+                  <a:p>
+                    <a:pPr algn="ctr"/>
+                    <a:endParaRPr lang="en-US"/>
+                  </a:p>
+                </p:txBody>
+              </p:sp>
+            </p:grpSp>
+            <p:sp>
+              <p:nvSpPr>
+                <p:cNvPr id="17" name="Rectangle 16">
+                  <a:extLst>
+                    <a:ext uri="{FF2B5EF4-FFF2-40B4-BE49-F238E27FC236}">
+                      <a16:creationId xmlns:a16="http://schemas.microsoft.com/office/drawing/2014/main" id="{76652EE4-F037-4C61-8F6D-924FCBC47D32}"/>
+                    </a:ext>
+                  </a:extLst>
+                </p:cNvPr>
+                <p:cNvSpPr/>
+                <p:nvPr/>
+              </p:nvSpPr>
+              <p:spPr>
+                <a:xfrm>
+                  <a:off x="6976068" y="5842184"/>
+                  <a:ext cx="287922" cy="141732"/>
+                </a:xfrm>
+                <a:prstGeom prst="rect">
+                  <a:avLst/>
+                </a:prstGeom>
+                <a:solidFill>
+                  <a:schemeClr val="bg1"/>
+                </a:solidFill>
+                <a:ln>
+                  <a:solidFill>
+                    <a:schemeClr val="bg1"/>
+                  </a:solidFill>
+                </a:ln>
+              </p:spPr>
+              <p:style>
+                <a:lnRef idx="2">
+                  <a:schemeClr val="accent1">
+                    <a:shade val="50000"/>
+                  </a:schemeClr>
+                </a:lnRef>
+                <a:fillRef idx="1">
+                  <a:schemeClr val="accent1"/>
+                </a:fillRef>
+                <a:effectRef idx="0">
+                  <a:schemeClr val="accent1"/>
+                </a:effectRef>
+                <a:fontRef idx="minor">
+                  <a:schemeClr val="lt1"/>
+                </a:fontRef>
+              </p:style>
+              <p:txBody>
+                <a:bodyPr rtlCol="0" anchor="ctr"/>
+                <a:lstStyle/>
+                <a:p>
+                  <a:pPr algn="ctr"/>
+                  <a:endParaRPr lang="en-US"/>
+                </a:p>
+              </p:txBody>
+            </p:sp>
+          </p:grpSp>
+          <p:sp>
+            <p:nvSpPr>
+              <p:cNvPr id="15" name="Rectangle 14">
+                <a:extLst>
+                  <a:ext uri="{FF2B5EF4-FFF2-40B4-BE49-F238E27FC236}">
+                    <a16:creationId xmlns:a16="http://schemas.microsoft.com/office/drawing/2014/main" id="{08933CD5-FC5E-49E3-8150-8F8C66A9E574}"/>
+                  </a:ext>
+                </a:extLst>
+              </p:cNvPr>
+              <p:cNvSpPr/>
+              <p:nvPr/>
+            </p:nvSpPr>
+            <p:spPr>
+              <a:xfrm>
+                <a:off x="7840038" y="5866349"/>
+                <a:ext cx="556147" cy="305924"/>
+              </a:xfrm>
+              <a:prstGeom prst="rect">
+                <a:avLst/>
+              </a:prstGeom>
+            </p:spPr>
+            <p:txBody>
+              <a:bodyPr wrap="none">
+                <a:spAutoFit/>
+              </a:bodyPr>
+              <a:lstStyle/>
+              <a:p>
+                <a:r>
+                  <a:rPr lang="en-US" sz="1000" i="1" dirty="0"/>
+                  <a:t>Year</a:t>
+                </a:r>
+              </a:p>
+            </p:txBody>
+          </p:sp>
+        </p:grpSp>
+        <p:cxnSp>
+          <p:nvCxnSpPr>
+            <p:cNvPr id="28" name="Straight Connector 27">
+              <a:extLst>
+                <a:ext uri="{FF2B5EF4-FFF2-40B4-BE49-F238E27FC236}">
+                  <a16:creationId xmlns:a16="http://schemas.microsoft.com/office/drawing/2014/main" id="{E2B15F6B-28B0-4956-B951-97D6B52F5FF1}"/>
+                </a:ext>
+              </a:extLst>
+            </p:cNvPr>
+            <p:cNvCxnSpPr>
+              <a:cxnSpLocks/>
+            </p:cNvCxnSpPr>
+            <p:nvPr/>
+          </p:nvCxnSpPr>
+          <p:spPr>
+            <a:xfrm>
+              <a:off x="8984495" y="6001031"/>
+              <a:ext cx="836788" cy="0"/>
+            </a:xfrm>
+            <a:prstGeom prst="line">
+              <a:avLst/>
+            </a:prstGeom>
+            <a:ln w="12700">
+              <a:solidFill>
+                <a:schemeClr val="tx1"/>
+              </a:solidFill>
+            </a:ln>
+          </p:spPr>
+          <p:style>
+            <a:lnRef idx="1">
+              <a:schemeClr val="accent1"/>
+            </a:lnRef>
+            <a:fillRef idx="0">
+              <a:schemeClr val="accent1"/>
+            </a:fillRef>
+            <a:effectRef idx="0">
+              <a:schemeClr val="accent1"/>
+            </a:effectRef>
+            <a:fontRef idx="minor">
+              <a:schemeClr val="tx1"/>
+            </a:fontRef>
+          </p:style>
+        </p:cxnSp>
+      </p:grpSp>
+      <p:pic>
+        <p:nvPicPr>
+          <p:cNvPr id="1028" name="Picture 4">
+            <a:extLst>
+              <a:ext uri="{FF2B5EF4-FFF2-40B4-BE49-F238E27FC236}">
+                <a16:creationId xmlns:a16="http://schemas.microsoft.com/office/drawing/2014/main" id="{92FEDEA1-9C3D-4618-9139-ABC07E059D9A}"/>
+              </a:ext>
+            </a:extLst>
+          </p:cNvPr>
+          <p:cNvPicPr>
+            <a:picLocks noChangeAspect="1" noChangeArrowheads="1"/>
+          </p:cNvPicPr>
+          <p:nvPr/>
+        </p:nvPicPr>
+        <p:blipFill>
+          <a:blip r:embed="rId4">
+            <a:extLst>
+              <a:ext uri="{28A0092B-C50C-407E-A947-70E740481C1C}">
+                <a14:useLocalDpi xmlns:a14="http://schemas.microsoft.com/office/drawing/2010/main" val="0"/>
+              </a:ext>
+            </a:extLst>
+          </a:blip>
+          <a:srcRect/>
+          <a:stretch>
+            <a:fillRect/>
+          </a:stretch>
+        </p:blipFill>
+        <p:spPr bwMode="auto">
+          <a:xfrm>
+            <a:off x="7964755" y="3515208"/>
+            <a:ext cx="2597324" cy="357853"/>
+          </a:xfrm>
+          <a:prstGeom prst="rect">
+            <a:avLst/>
+          </a:prstGeom>
+          <a:noFill/>
+          <a:extLst>
+            <a:ext uri="{909E8E84-426E-40DD-AFC4-6F175D3DCCD1}">
+              <a14:hiddenFill xmlns:a14="http://schemas.microsoft.com/office/drawing/2010/main">
+                <a:solidFill>
+                  <a:srgbClr val="FFFFFF"/>
+                </a:solidFill>
+              </a14:hiddenFill>
+            </a:ext>
+          </a:extLst>
+        </p:spPr>
+      </p:pic>
+      <p:sp>
+        <p:nvSpPr>
+          <p:cNvPr id="26" name="Rectangle 25">
+            <a:extLst>
+              <a:ext uri="{FF2B5EF4-FFF2-40B4-BE49-F238E27FC236}">
+                <a16:creationId xmlns:a16="http://schemas.microsoft.com/office/drawing/2014/main" id="{2F39BEEA-7CB0-4649-8669-4C8773806C19}"/>
+              </a:ext>
+            </a:extLst>
+          </p:cNvPr>
+          <p:cNvSpPr/>
+          <p:nvPr/>
+        </p:nvSpPr>
+        <p:spPr>
+          <a:xfrm>
+            <a:off x="7956639" y="3857029"/>
+            <a:ext cx="2542684" cy="246221"/>
+          </a:xfrm>
+          <a:prstGeom prst="rect">
+            <a:avLst/>
+          </a:prstGeom>
+        </p:spPr>
+        <p:txBody>
+          <a:bodyPr wrap="none">
+            <a:spAutoFit/>
+          </a:bodyPr>
+          <a:lstStyle/>
+          <a:p>
+            <a:r>
+              <a:rPr lang="en-US" sz="1000" dirty="0"/>
+              <a:t>Large Scale Visual Recognition Challenge</a:t>
+            </a:r>
+          </a:p>
+        </p:txBody>
+      </p:sp>
+      <p:sp>
+        <p:nvSpPr>
+          <p:cNvPr id="37" name="Rectangle: Rounded Corners 36">
+            <a:extLst>
+              <a:ext uri="{FF2B5EF4-FFF2-40B4-BE49-F238E27FC236}">
+                <a16:creationId xmlns:a16="http://schemas.microsoft.com/office/drawing/2014/main" id="{18814CEC-B211-4314-BB5C-7013980AFF00}"/>
+              </a:ext>
+            </a:extLst>
+          </p:cNvPr>
+          <p:cNvSpPr/>
+          <p:nvPr/>
+        </p:nvSpPr>
+        <p:spPr>
+          <a:xfrm>
+            <a:off x="7956639" y="5821279"/>
+            <a:ext cx="453390" cy="277773"/>
+          </a:xfrm>
+          <a:prstGeom prst="roundRect">
+            <a:avLst/>
+          </a:prstGeom>
+          <a:noFill/>
+          <a:ln>
+            <a:solidFill>
+              <a:schemeClr val="tx1"/>
+            </a:solidFill>
+          </a:ln>
+        </p:spPr>
+        <p:style>
+          <a:lnRef idx="2">
+            <a:schemeClr val="accent1">
+              <a:shade val="50000"/>
+            </a:schemeClr>
+          </a:lnRef>
+          <a:fillRef idx="1">
+            <a:schemeClr val="accent1"/>
+          </a:fillRef>
+          <a:effectRef idx="0">
+            <a:schemeClr val="accent1"/>
+          </a:effectRef>
+          <a:fontRef idx="minor">
+            <a:schemeClr val="lt1"/>
+          </a:fontRef>
+        </p:style>
+        <p:txBody>
+          <a:bodyPr rtlCol="0" anchor="ctr"/>
+          <a:lstStyle/>
+          <a:p>
+            <a:pPr algn="ctr"/>
+            <a:endParaRPr lang="en-US"/>
+          </a:p>
+        </p:txBody>
+      </p:sp>
+    </p:spTree>
+    <p:extLst>
+      <p:ext uri="{BB962C8B-B14F-4D97-AF65-F5344CB8AC3E}">
+        <p14:creationId xmlns:p14="http://schemas.microsoft.com/office/powerpoint/2010/main" val="1911407750"/>
+      </p:ext>
+    </p:extLst>
+  </p:cSld>
+  <p:clrMapOvr>
+    <a:masterClrMapping/>
+  </p:clrMapOvr>
+</p:sld>
+</file>
+
+<file path=ppt/slides/slide5.xml><?xml version="1.0" encoding="utf-8"?>
+<p:sld xmlns:a="http://schemas.openxmlformats.org/drawingml/2006/main" xmlns:r="http://schemas.openxmlformats.org/officeDocument/2006/relationships" xmlns:p="http://schemas.openxmlformats.org/presentationml/2006/main">
+  <p:cSld>
+    <p:spTree>
+      <p:nvGrpSpPr>
+        <p:cNvPr id="1" name=""/>
+        <p:cNvGrpSpPr/>
+        <p:nvPr/>
+      </p:nvGrpSpPr>
+      <p:grpSpPr>
+        <a:xfrm>
+          <a:off x="0" y="0"/>
+          <a:ext cx="0" cy="0"/>
+          <a:chOff x="0" y="0"/>
+          <a:chExt cx="0" cy="0"/>
+        </a:xfrm>
+      </p:grpSpPr>
+      <p:sp>
+        <p:nvSpPr>
+          <p:cNvPr id="2" name="Title 1">
+            <a:extLst>
+              <a:ext uri="{FF2B5EF4-FFF2-40B4-BE49-F238E27FC236}">
+                <a16:creationId xmlns:a16="http://schemas.microsoft.com/office/drawing/2014/main" id="{5008799F-E995-4158-92F3-3C9D36739EC8}"/>
+              </a:ext>
+            </a:extLst>
+          </p:cNvPr>
+          <p:cNvSpPr>
+            <a:spLocks noGrp="1"/>
+          </p:cNvSpPr>
+          <p:nvPr>
+            <p:ph type="title"/>
+          </p:nvPr>
+        </p:nvSpPr>
+        <p:spPr/>
+        <p:txBody>
+          <a:bodyPr/>
+          <a:lstStyle/>
+          <a:p>
+            <a:r>
+              <a:rPr lang="en-US" dirty="0"/>
+              <a:t>Convolutional Neural Networks</a:t>
+            </a:r>
+          </a:p>
+        </p:txBody>
+      </p:sp>
+      <p:sp>
+        <p:nvSpPr>
+          <p:cNvPr id="5" name="Slide Number Placeholder 4">
+            <a:extLst>
+              <a:ext uri="{FF2B5EF4-FFF2-40B4-BE49-F238E27FC236}">
+                <a16:creationId xmlns:a16="http://schemas.microsoft.com/office/drawing/2014/main" id="{200CB53B-5718-422A-B8C0-148EBC152605}"/>
+              </a:ext>
+            </a:extLst>
+          </p:cNvPr>
+          <p:cNvSpPr>
+            <a:spLocks noGrp="1"/>
+          </p:cNvSpPr>
+          <p:nvPr>
+            <p:ph type="sldNum" sz="quarter" idx="12"/>
+          </p:nvPr>
+        </p:nvSpPr>
+        <p:spPr/>
+        <p:txBody>
+          <a:bodyPr/>
+          <a:lstStyle/>
+          <a:p>
+            <a:fld id="{D57F1E4F-1CFF-5643-939E-217C01CDF565}" type="slidenum">
+              <a:rPr lang="en-US" smtClean="0"/>
+              <a:pPr/>
+              <a:t>5</a:t>
             </a:fld>
             <a:endParaRPr lang="en-US" dirty="0"/>
           </a:p>
@@ -7787,7 +9194,7 @@
         </p:nvSpPr>
         <p:spPr>
           <a:xfrm>
-            <a:off x="677334" y="1930401"/>
+            <a:off x="677334" y="1654202"/>
             <a:ext cx="8894505" cy="1795716"/>
           </a:xfrm>
         </p:spPr>
@@ -7854,7 +9261,7 @@
         </p:nvGrpSpPr>
         <p:grpSpPr>
           <a:xfrm>
-            <a:off x="890500" y="3956305"/>
+            <a:off x="890500" y="3770579"/>
             <a:ext cx="7700163" cy="2315246"/>
             <a:chOff x="815789" y="4091241"/>
             <a:chExt cx="7700163" cy="2315246"/>
@@ -7955,7 +9362,7 @@
 </p:sld>
 </file>
 
-<file path=ppt/slides/slide5.xml><?xml version="1.0" encoding="utf-8"?>
+<file path=ppt/slides/slide6.xml><?xml version="1.0" encoding="utf-8"?>
 <p:sld xmlns:a="http://schemas.openxmlformats.org/drawingml/2006/main" xmlns:r="http://schemas.openxmlformats.org/officeDocument/2006/relationships" xmlns:p="http://schemas.openxmlformats.org/presentationml/2006/main">
   <p:cSld>
     <p:spTree>
@@ -7977,7 +9384,7 @@
           <p:cNvPr id="2" name="Title 1">
             <a:extLst>
               <a:ext uri="{FF2B5EF4-FFF2-40B4-BE49-F238E27FC236}">
-                <a16:creationId xmlns:a16="http://schemas.microsoft.com/office/drawing/2014/main" id="{5008799F-E995-4158-92F3-3C9D36739EC8}"/>
+                <a16:creationId xmlns:a16="http://schemas.microsoft.com/office/drawing/2014/main" id="{BBEF729F-5A7A-4A85-9975-DC29BECF5219}"/>
               </a:ext>
             </a:extLst>
           </p:cNvPr>
@@ -7995,8 +9402,122 @@
           <a:p>
             <a:r>
               <a:rPr lang="en-US" dirty="0"/>
-              <a:t>Growing interest in computer vision</a:t>
-            </a:r>
+              <a:t>Leveraging Pretrained Models </a:t>
+            </a:r>
+          </a:p>
+        </p:txBody>
+      </p:sp>
+      <p:sp>
+        <p:nvSpPr>
+          <p:cNvPr id="3" name="Content Placeholder 2">
+            <a:extLst>
+              <a:ext uri="{FF2B5EF4-FFF2-40B4-BE49-F238E27FC236}">
+                <a16:creationId xmlns:a16="http://schemas.microsoft.com/office/drawing/2014/main" id="{5BBE6972-8EDE-4E0C-8C73-310E9CFE4F12}"/>
+              </a:ext>
+            </a:extLst>
+          </p:cNvPr>
+          <p:cNvSpPr>
+            <a:spLocks noGrp="1"/>
+          </p:cNvSpPr>
+          <p:nvPr>
+            <p:ph idx="1"/>
+          </p:nvPr>
+        </p:nvSpPr>
+        <p:spPr>
+          <a:xfrm>
+            <a:off x="677334" y="1701053"/>
+            <a:ext cx="5636060" cy="4645959"/>
+          </a:xfrm>
+        </p:spPr>
+        <p:txBody>
+          <a:bodyPr>
+            <a:normAutofit lnSpcReduction="10000"/>
+          </a:bodyPr>
+          <a:lstStyle/>
+          <a:p>
+            <a:r>
+              <a:rPr lang="en-US" dirty="0"/>
+              <a:t>For large datasets, training models from scratch is computationally expensive</a:t>
+            </a:r>
+          </a:p>
+          <a:p>
+            <a:pPr lvl="1"/>
+            <a:r>
+              <a:rPr lang="en-US" dirty="0"/>
+              <a:t>Pretrained models are helpful!</a:t>
+            </a:r>
+          </a:p>
+          <a:p>
+            <a:endParaRPr lang="en-US" dirty="0"/>
+          </a:p>
+          <a:p>
+            <a:r>
+              <a:rPr lang="en-US" dirty="0" err="1"/>
+              <a:t>PyTorch</a:t>
+            </a:r>
+            <a:r>
+              <a:rPr lang="en-US" dirty="0"/>
+              <a:t> comes standard with a number of pretrained models</a:t>
+            </a:r>
+          </a:p>
+          <a:p>
+            <a:pPr lvl="1"/>
+            <a:r>
+              <a:rPr lang="en-US" dirty="0"/>
+              <a:t>Download additional models from </a:t>
+            </a:r>
+            <a:r>
+              <a:rPr lang="en-US" dirty="0" err="1"/>
+              <a:t>PyTorch</a:t>
+            </a:r>
+            <a:r>
+              <a:rPr lang="en-US" dirty="0"/>
+              <a:t> Hub</a:t>
+            </a:r>
+          </a:p>
+          <a:p>
+            <a:pPr lvl="1"/>
+            <a:endParaRPr lang="en-US" dirty="0"/>
+          </a:p>
+          <a:p>
+            <a:r>
+              <a:rPr lang="en-US" dirty="0"/>
+              <a:t>Common workflows</a:t>
+            </a:r>
+          </a:p>
+          <a:p>
+            <a:pPr lvl="1"/>
+            <a:r>
+              <a:rPr lang="en-US" dirty="0"/>
+              <a:t>1. Fine tuning </a:t>
+            </a:r>
+          </a:p>
+          <a:p>
+            <a:pPr lvl="2"/>
+            <a:r>
+              <a:rPr lang="en-US" dirty="0"/>
+              <a:t>Initial weights from pretrained model</a:t>
+            </a:r>
+          </a:p>
+          <a:p>
+            <a:pPr lvl="1"/>
+            <a:r>
+              <a:rPr lang="en-US" dirty="0"/>
+              <a:t>2. Transfer learning </a:t>
+            </a:r>
+          </a:p>
+          <a:p>
+            <a:pPr lvl="2"/>
+            <a:r>
+              <a:rPr lang="en-US" dirty="0"/>
+              <a:t>Add new classes to an existing model</a:t>
+            </a:r>
+          </a:p>
+          <a:p>
+            <a:pPr marL="457200" lvl="1" indent="0">
+              <a:buNone/>
+            </a:pPr>
+            <a:endParaRPr lang="en-US" dirty="0"/>
           </a:p>
         </p:txBody>
       </p:sp>
@@ -8005,7 +9526,7 @@
           <p:cNvPr id="5" name="Slide Number Placeholder 4">
             <a:extLst>
               <a:ext uri="{FF2B5EF4-FFF2-40B4-BE49-F238E27FC236}">
-                <a16:creationId xmlns:a16="http://schemas.microsoft.com/office/drawing/2014/main" id="{200CB53B-5718-422A-B8C0-148EBC152605}"/>
+                <a16:creationId xmlns:a16="http://schemas.microsoft.com/office/drawing/2014/main" id="{366217B1-BCE4-4997-AF1F-7BDF7294D41F}"/>
               </a:ext>
             </a:extLst>
           </p:cNvPr>
@@ -8024,111 +9545,18 @@
             <a:fld id="{D57F1E4F-1CFF-5643-939E-217C01CDF565}" type="slidenum">
               <a:rPr lang="en-US" smtClean="0"/>
               <a:pPr/>
-              <a:t>5</a:t>
+              <a:t>6</a:t>
             </a:fld>
             <a:endParaRPr lang="en-US" dirty="0"/>
           </a:p>
         </p:txBody>
       </p:sp>
-      <p:pic>
-        <p:nvPicPr>
-          <p:cNvPr id="2050" name="Picture 2" descr="Image">
+      <p:sp>
+        <p:nvSpPr>
+          <p:cNvPr id="6" name="Content Placeholder 2">
             <a:extLst>
               <a:ext uri="{FF2B5EF4-FFF2-40B4-BE49-F238E27FC236}">
-                <a16:creationId xmlns:a16="http://schemas.microsoft.com/office/drawing/2014/main" id="{06B50AF4-BF20-4EF1-9216-6943504EB892}"/>
-              </a:ext>
-            </a:extLst>
-          </p:cNvPr>
-          <p:cNvPicPr>
-            <a:picLocks noGrp="1" noChangeAspect="1" noChangeArrowheads="1"/>
-          </p:cNvPicPr>
-          <p:nvPr>
-            <p:ph idx="1"/>
-          </p:nvPr>
-        </p:nvPicPr>
-        <p:blipFill rotWithShape="1">
-          <a:blip r:embed="rId2">
-            <a:extLst>
-              <a:ext uri="{28A0092B-C50C-407E-A947-70E740481C1C}">
-                <a14:useLocalDpi xmlns:a14="http://schemas.microsoft.com/office/drawing/2010/main" val="0"/>
-              </a:ext>
-            </a:extLst>
-          </a:blip>
-          <a:srcRect l="2392" t="15582" r="11068" b="2204"/>
-          <a:stretch/>
-        </p:blipFill>
-        <p:spPr bwMode="auto">
-          <a:xfrm>
-            <a:off x="7366696" y="3295874"/>
-            <a:ext cx="3814612" cy="2717912"/>
-          </a:xfrm>
-          <a:prstGeom prst="rect">
-            <a:avLst/>
-          </a:prstGeom>
-          <a:ln w="38100" cap="sq">
-            <a:solidFill>
-              <a:srgbClr val="000000"/>
-            </a:solidFill>
-            <a:prstDash val="solid"/>
-            <a:miter lim="800000"/>
-          </a:ln>
-          <a:effectLst>
-            <a:outerShdw blurRad="50800" dist="38100" dir="2700000" algn="tl" rotWithShape="0">
-              <a:srgbClr val="000000">
-                <a:alpha val="43000"/>
-              </a:srgbClr>
-            </a:outerShdw>
-          </a:effectLst>
-          <a:extLst>
-            <a:ext uri="{909E8E84-426E-40DD-AFC4-6F175D3DCCD1}">
-              <a14:hiddenFill xmlns:a14="http://schemas.microsoft.com/office/drawing/2010/main">
-                <a:solidFill>
-                  <a:srgbClr val="FFFFFF"/>
-                </a:solidFill>
-              </a14:hiddenFill>
-            </a:ext>
-          </a:extLst>
-        </p:spPr>
-      </p:pic>
-      <p:sp>
-        <p:nvSpPr>
-          <p:cNvPr id="7" name="Footer Placeholder 19">
-            <a:extLst>
-              <a:ext uri="{FF2B5EF4-FFF2-40B4-BE49-F238E27FC236}">
-                <a16:creationId xmlns:a16="http://schemas.microsoft.com/office/drawing/2014/main" id="{1174B057-8774-45D2-B978-5258F5B75990}"/>
-              </a:ext>
-            </a:extLst>
-          </p:cNvPr>
-          <p:cNvSpPr>
-            <a:spLocks noGrp="1"/>
-          </p:cNvSpPr>
-          <p:nvPr>
-            <p:ph type="ftr" sz="quarter" idx="11"/>
-          </p:nvPr>
-        </p:nvSpPr>
-        <p:spPr>
-          <a:xfrm>
-            <a:off x="657719" y="6406487"/>
-            <a:ext cx="6297612" cy="365125"/>
-          </a:xfrm>
-        </p:spPr>
-        <p:txBody>
-          <a:bodyPr/>
-          <a:lstStyle/>
-          <a:p>
-            <a:r>
-              <a:rPr lang="en-US" dirty="0"/>
-              <a:t>2. http://twitter.com/CSProfKGD/status/1141009378830684161</a:t>
-            </a:r>
-          </a:p>
-        </p:txBody>
-      </p:sp>
-      <p:sp>
-        <p:nvSpPr>
-          <p:cNvPr id="8" name="Content Placeholder 2">
-            <a:extLst>
-              <a:ext uri="{FF2B5EF4-FFF2-40B4-BE49-F238E27FC236}">
-                <a16:creationId xmlns:a16="http://schemas.microsoft.com/office/drawing/2014/main" id="{B1B89136-D9D7-49B5-A087-1CEAA45BB2F3}"/>
+                <a16:creationId xmlns:a16="http://schemas.microsoft.com/office/drawing/2014/main" id="{E7D669C8-6555-48A1-BDAE-889F66FA24F3}"/>
               </a:ext>
             </a:extLst>
           </p:cNvPr>
@@ -8139,8 +9567,8 @@
         </p:nvSpPr>
         <p:spPr>
           <a:xfrm>
-            <a:off x="677334" y="2160589"/>
-            <a:ext cx="7682894" cy="4087811"/>
+            <a:off x="7046258" y="1324631"/>
+            <a:ext cx="3850341" cy="3880773"/>
           </a:xfrm>
           <a:prstGeom prst="rect">
             <a:avLst/>
@@ -8148,7 +9576,7 @@
         </p:spPr>
         <p:txBody>
           <a:bodyPr vert="horz" lIns="91440" tIns="45720" rIns="91440" bIns="45720" rtlCol="0">
-            <a:normAutofit lnSpcReduction="10000"/>
+            <a:normAutofit/>
           </a:bodyPr>
           <a:lstStyle>
             <a:lvl1pPr marL="342900" indent="-342900" algn="l" defTabSz="457200" rtl="0" eaLnBrk="1" latinLnBrk="0" hangingPunct="1">
@@ -8378,182 +9806,368 @@
             </a:lvl9pPr>
           </a:lstStyle>
           <a:p>
-            <a:r>
-              <a:rPr lang="en-US" dirty="0"/>
-              <a:t>Rapid advances and growing interest in computer vision</a:t>
-            </a:r>
-          </a:p>
-          <a:p>
-            <a:pPr lvl="1"/>
-            <a:r>
-              <a:rPr lang="en-US" dirty="0"/>
-              <a:t>Improved algorithms</a:t>
-            </a:r>
-          </a:p>
-          <a:p>
-            <a:pPr lvl="2"/>
-            <a:r>
-              <a:rPr lang="en-US" dirty="0"/>
-              <a:t>A convolutional neural networks (CNN) first won ImageNet in 2012</a:t>
-            </a:r>
-          </a:p>
-          <a:p>
-            <a:pPr lvl="2"/>
-            <a:r>
-              <a:rPr lang="en-US" dirty="0"/>
-              <a:t>Better architectures are constantly being released </a:t>
-            </a:r>
-          </a:p>
-          <a:p>
-            <a:pPr lvl="2"/>
+            <a:pPr marL="457200" lvl="1" indent="0">
+              <a:buNone/>
+            </a:pPr>
             <a:endParaRPr lang="en-US" dirty="0"/>
           </a:p>
-          <a:p>
-            <a:pPr lvl="1"/>
-            <a:r>
-              <a:rPr lang="en-US" dirty="0"/>
-              <a:t>Improved hardware</a:t>
-            </a:r>
-          </a:p>
-          <a:p>
-            <a:pPr lvl="2"/>
-            <a:r>
-              <a:rPr lang="en-US" dirty="0"/>
-              <a:t>Nvidia GPUs (with CUDA)</a:t>
-            </a:r>
-          </a:p>
-          <a:p>
-            <a:pPr lvl="2"/>
-            <a:r>
-              <a:rPr lang="en-US" dirty="0"/>
-              <a:t>Google TPUs</a:t>
-            </a:r>
-          </a:p>
-          <a:p>
-            <a:pPr lvl="2"/>
-            <a:endParaRPr lang="en-US" dirty="0"/>
-          </a:p>
-          <a:p>
-            <a:pPr lvl="1"/>
-            <a:r>
-              <a:rPr lang="en-US" dirty="0"/>
-              <a:t>Improved software</a:t>
-            </a:r>
-          </a:p>
-          <a:p>
-            <a:pPr lvl="2"/>
-            <a:r>
-              <a:rPr lang="en-US" dirty="0" err="1"/>
-              <a:t>Tensorflow</a:t>
-            </a:r>
-            <a:r>
-              <a:rPr lang="en-US" dirty="0"/>
-              <a:t> (2015)</a:t>
-            </a:r>
-          </a:p>
-          <a:p>
-            <a:pPr lvl="2"/>
-            <a:r>
-              <a:rPr lang="en-US" b="1" dirty="0" err="1"/>
-              <a:t>PyTorch</a:t>
-            </a:r>
-            <a:r>
-              <a:rPr lang="en-US" dirty="0"/>
-              <a:t> (2016)</a:t>
-            </a:r>
-          </a:p>
-          <a:p>
-            <a:pPr lvl="2"/>
-            <a:endParaRPr lang="en-US" dirty="0"/>
-          </a:p>
-        </p:txBody>
-      </p:sp>
-      <p:sp>
-        <p:nvSpPr>
-          <p:cNvPr id="9" name="Rectangle 8">
+        </p:txBody>
+      </p:sp>
+      <p:grpSp>
+        <p:nvGrpSpPr>
+          <p:cNvPr id="13" name="Group 12">
             <a:extLst>
               <a:ext uri="{FF2B5EF4-FFF2-40B4-BE49-F238E27FC236}">
-                <a16:creationId xmlns:a16="http://schemas.microsoft.com/office/drawing/2014/main" id="{98E0DA84-8AEF-47FD-B1C7-00CC7FC1D909}"/>
+                <a16:creationId xmlns:a16="http://schemas.microsoft.com/office/drawing/2014/main" id="{281FAAA2-91A5-476D-84B5-FB05C8E33F6F}"/>
               </a:ext>
             </a:extLst>
           </p:cNvPr>
-          <p:cNvSpPr/>
+          <p:cNvGrpSpPr/>
           <p:nvPr/>
-        </p:nvSpPr>
-        <p:spPr>
+        </p:nvGrpSpPr>
+        <p:grpSpPr>
           <a:xfrm>
-            <a:off x="8326687" y="4133714"/>
-            <a:ext cx="2315057" cy="338554"/>
+            <a:off x="6955331" y="1989875"/>
+            <a:ext cx="4796468" cy="3764002"/>
+            <a:chOff x="6855408" y="1930400"/>
+            <a:chExt cx="4796468" cy="3764002"/>
           </a:xfrm>
-          <a:prstGeom prst="rect">
-            <a:avLst/>
-          </a:prstGeom>
-        </p:spPr>
-        <p:txBody>
-          <a:bodyPr wrap="none">
-            <a:spAutoFit/>
-          </a:bodyPr>
-          <a:lstStyle/>
-          <a:p>
-            <a:r>
-              <a:rPr lang="en-US" sz="1600" dirty="0" err="1"/>
-              <a:t>AlexNet</a:t>
-            </a:r>
-            <a:r>
-              <a:rPr lang="en-US" sz="1600" dirty="0"/>
-              <a:t> wins ImageNet</a:t>
-            </a:r>
-          </a:p>
-        </p:txBody>
-      </p:sp>
-      <p:cxnSp>
-        <p:nvCxnSpPr>
-          <p:cNvPr id="11" name="Straight Arrow Connector 10">
+        </p:grpSpPr>
+        <p:sp>
+          <p:nvSpPr>
+            <p:cNvPr id="8" name="Rectangle 7">
+              <a:extLst>
+                <a:ext uri="{FF2B5EF4-FFF2-40B4-BE49-F238E27FC236}">
+                  <a16:creationId xmlns:a16="http://schemas.microsoft.com/office/drawing/2014/main" id="{1ABAA799-D635-4A0F-971B-528D380B94A6}"/>
+                </a:ext>
+              </a:extLst>
+            </p:cNvPr>
+            <p:cNvSpPr/>
+            <p:nvPr/>
+          </p:nvSpPr>
+          <p:spPr>
+            <a:xfrm>
+              <a:off x="6855408" y="1930400"/>
+              <a:ext cx="4796468" cy="3677024"/>
+            </a:xfrm>
+            <a:prstGeom prst="rect">
+              <a:avLst/>
+            </a:prstGeom>
+            <a:solidFill>
+              <a:schemeClr val="bg1"/>
+            </a:solidFill>
+            <a:ln>
+              <a:solidFill>
+                <a:schemeClr val="tx1"/>
+              </a:solidFill>
+            </a:ln>
+          </p:spPr>
+          <p:style>
+            <a:lnRef idx="2">
+              <a:schemeClr val="accent1">
+                <a:shade val="50000"/>
+              </a:schemeClr>
+            </a:lnRef>
+            <a:fillRef idx="1">
+              <a:schemeClr val="accent1"/>
+            </a:fillRef>
+            <a:effectRef idx="0">
+              <a:schemeClr val="accent1"/>
+            </a:effectRef>
+            <a:fontRef idx="minor">
+              <a:schemeClr val="lt1"/>
+            </a:fontRef>
+          </p:style>
+          <p:txBody>
+            <a:bodyPr rtlCol="0" anchor="ctr"/>
+            <a:lstStyle/>
+            <a:p>
+              <a:r>
+                <a:rPr lang="en-US" b="1"/>
+                <a:t>Segmentation</a:t>
+              </a:r>
+            </a:p>
+            <a:p>
+              <a:r>
+                <a:rPr lang="en-US"/>
+                <a:t>Mask R-CNN</a:t>
+              </a:r>
+              <a:endParaRPr lang="en-US" dirty="0"/>
+            </a:p>
+          </p:txBody>
+        </p:sp>
+        <p:sp>
+          <p:nvSpPr>
+            <p:cNvPr id="9" name="Rectangle 8">
+              <a:extLst>
+                <a:ext uri="{FF2B5EF4-FFF2-40B4-BE49-F238E27FC236}">
+                  <a16:creationId xmlns:a16="http://schemas.microsoft.com/office/drawing/2014/main" id="{8C88DDB5-0888-4E62-B4F4-FD4C29E0539D}"/>
+                </a:ext>
+              </a:extLst>
+            </p:cNvPr>
+            <p:cNvSpPr/>
+            <p:nvPr/>
+          </p:nvSpPr>
+          <p:spPr>
+            <a:xfrm>
+              <a:off x="7075407" y="2053192"/>
+              <a:ext cx="3662093" cy="369332"/>
+            </a:xfrm>
+            <a:prstGeom prst="rect">
+              <a:avLst/>
+            </a:prstGeom>
+          </p:spPr>
+          <p:txBody>
+            <a:bodyPr wrap="none">
+              <a:spAutoFit/>
+            </a:bodyPr>
+            <a:lstStyle/>
+            <a:p>
+              <a:pPr lvl="1"/>
+              <a:r>
+                <a:rPr lang="en-US" dirty="0"/>
+                <a:t>Pretrained models in </a:t>
+              </a:r>
+              <a:r>
+                <a:rPr lang="en-US" dirty="0" err="1"/>
+                <a:t>PyTorch</a:t>
+              </a:r>
+              <a:endParaRPr lang="en-US" dirty="0"/>
+            </a:p>
+          </p:txBody>
+        </p:sp>
+        <p:sp>
+          <p:nvSpPr>
+            <p:cNvPr id="11" name="TextBox 10">
+              <a:extLst>
+                <a:ext uri="{FF2B5EF4-FFF2-40B4-BE49-F238E27FC236}">
+                  <a16:creationId xmlns:a16="http://schemas.microsoft.com/office/drawing/2014/main" id="{25F475E9-5957-4117-A9B1-FDD4CC5EA96A}"/>
+                </a:ext>
+              </a:extLst>
+            </p:cNvPr>
+            <p:cNvSpPr txBox="1"/>
+            <p:nvPr/>
+          </p:nvSpPr>
+          <p:spPr>
+            <a:xfrm>
+              <a:off x="7253202" y="2555081"/>
+              <a:ext cx="2089429" cy="2862322"/>
+            </a:xfrm>
+            <a:prstGeom prst="rect">
+              <a:avLst/>
+            </a:prstGeom>
+            <a:noFill/>
+          </p:spPr>
+          <p:txBody>
+            <a:bodyPr wrap="square" rtlCol="0">
+              <a:spAutoFit/>
+            </a:bodyPr>
+            <a:lstStyle/>
+            <a:p>
+              <a:r>
+                <a:rPr lang="en-US" b="1" dirty="0"/>
+                <a:t>Classification</a:t>
+              </a:r>
+            </a:p>
+            <a:p>
+              <a:r>
+                <a:rPr lang="en-US" dirty="0" err="1"/>
+                <a:t>AlexNet</a:t>
+              </a:r>
+              <a:endParaRPr lang="en-US" dirty="0"/>
+            </a:p>
+            <a:p>
+              <a:r>
+                <a:rPr lang="en-US" dirty="0"/>
+                <a:t>VGG</a:t>
+              </a:r>
+            </a:p>
+            <a:p>
+              <a:r>
+                <a:rPr lang="en-US" dirty="0" err="1"/>
+                <a:t>ResNet</a:t>
+              </a:r>
+              <a:endParaRPr lang="en-US" dirty="0"/>
+            </a:p>
+            <a:p>
+              <a:r>
+                <a:rPr lang="en-US" dirty="0"/>
+                <a:t>Inception v2</a:t>
+              </a:r>
+            </a:p>
+            <a:p>
+              <a:r>
+                <a:rPr lang="en-US" dirty="0" err="1"/>
+                <a:t>GoogleNet</a:t>
+              </a:r>
+              <a:endParaRPr lang="en-US" dirty="0"/>
+            </a:p>
+            <a:p>
+              <a:r>
+                <a:rPr lang="en-US" dirty="0" err="1"/>
+                <a:t>MobileNet</a:t>
+              </a:r>
+              <a:endParaRPr lang="en-US" dirty="0"/>
+            </a:p>
+            <a:p>
+              <a:r>
+                <a:rPr lang="en-US" dirty="0" err="1"/>
+                <a:t>ResNeXt</a:t>
+              </a:r>
+              <a:endParaRPr lang="en-US" dirty="0"/>
+            </a:p>
+            <a:p>
+              <a:r>
+                <a:rPr lang="en-US" dirty="0"/>
+                <a:t>Wide </a:t>
+              </a:r>
+              <a:r>
+                <a:rPr lang="en-US" dirty="0" err="1"/>
+                <a:t>ResNet</a:t>
+              </a:r>
+              <a:endParaRPr lang="en-US" dirty="0"/>
+            </a:p>
+            <a:p>
+              <a:r>
+                <a:rPr lang="en-US" dirty="0" err="1"/>
+                <a:t>MNASNet</a:t>
+              </a:r>
+              <a:endParaRPr lang="en-US" dirty="0"/>
+            </a:p>
+          </p:txBody>
+        </p:sp>
+        <p:sp>
+          <p:nvSpPr>
+            <p:cNvPr id="12" name="TextBox 11">
+              <a:extLst>
+                <a:ext uri="{FF2B5EF4-FFF2-40B4-BE49-F238E27FC236}">
+                  <a16:creationId xmlns:a16="http://schemas.microsoft.com/office/drawing/2014/main" id="{F43B47F7-6038-4459-9546-20ED93E637A4}"/>
+                </a:ext>
+              </a:extLst>
+            </p:cNvPr>
+            <p:cNvSpPr txBox="1"/>
+            <p:nvPr/>
+          </p:nvSpPr>
+          <p:spPr>
+            <a:xfrm>
+              <a:off x="9195333" y="2555081"/>
+              <a:ext cx="2290470" cy="3139321"/>
+            </a:xfrm>
+            <a:prstGeom prst="rect">
+              <a:avLst/>
+            </a:prstGeom>
+            <a:noFill/>
+          </p:spPr>
+          <p:txBody>
+            <a:bodyPr wrap="square" rtlCol="0">
+              <a:spAutoFit/>
+            </a:bodyPr>
+            <a:lstStyle/>
+            <a:p>
+              <a:r>
+                <a:rPr lang="en-US" b="1" dirty="0"/>
+                <a:t>Object Detection</a:t>
+              </a:r>
+            </a:p>
+            <a:p>
+              <a:r>
+                <a:rPr lang="en-US" dirty="0"/>
+                <a:t>Faster R-CNN</a:t>
+              </a:r>
+            </a:p>
+            <a:p>
+              <a:endParaRPr lang="en-US" dirty="0"/>
+            </a:p>
+            <a:p>
+              <a:r>
+                <a:rPr lang="en-US" b="1" dirty="0"/>
+                <a:t>Segmentation</a:t>
+              </a:r>
+            </a:p>
+            <a:p>
+              <a:r>
+                <a:rPr lang="en-US" dirty="0"/>
+                <a:t>Mask R-CNN</a:t>
+              </a:r>
+            </a:p>
+            <a:p>
+              <a:endParaRPr lang="en-US" dirty="0"/>
+            </a:p>
+            <a:p>
+              <a:r>
+                <a:rPr lang="en-US" dirty="0"/>
+                <a:t>Additional models can be downloaded through </a:t>
+              </a:r>
+              <a:r>
+                <a:rPr lang="en-US" dirty="0" err="1"/>
+                <a:t>PyTorch</a:t>
+              </a:r>
+              <a:r>
+                <a:rPr lang="en-US" dirty="0"/>
+                <a:t> hub</a:t>
+              </a:r>
+            </a:p>
+            <a:p>
+              <a:endParaRPr lang="en-US" dirty="0"/>
+            </a:p>
+            <a:p>
+              <a:endParaRPr lang="en-US" dirty="0"/>
+            </a:p>
+          </p:txBody>
+        </p:sp>
+      </p:grpSp>
+      <p:sp>
+        <p:nvSpPr>
+          <p:cNvPr id="14" name="Footer Placeholder 19">
             <a:extLst>
               <a:ext uri="{FF2B5EF4-FFF2-40B4-BE49-F238E27FC236}">
-                <a16:creationId xmlns:a16="http://schemas.microsoft.com/office/drawing/2014/main" id="{07DE5260-43AF-47E2-B49A-30A699E568D1}"/>
+                <a16:creationId xmlns:a16="http://schemas.microsoft.com/office/drawing/2014/main" id="{03687902-898E-4156-9B8A-C64611FA58B2}"/>
               </a:ext>
             </a:extLst>
           </p:cNvPr>
-          <p:cNvCxnSpPr>
-            <a:cxnSpLocks/>
-          </p:cNvCxnSpPr>
-          <p:nvPr/>
-        </p:nvCxnSpPr>
+          <p:cNvSpPr>
+            <a:spLocks noGrp="1"/>
+          </p:cNvSpPr>
+          <p:nvPr>
+            <p:ph type="ftr" sz="quarter" idx="11"/>
+          </p:nvPr>
+        </p:nvSpPr>
         <p:spPr>
           <a:xfrm>
-            <a:off x="9817574" y="4541554"/>
-            <a:ext cx="0" cy="572464"/>
+            <a:off x="657719" y="6406487"/>
+            <a:ext cx="6297612" cy="365125"/>
           </a:xfrm>
-          <a:prstGeom prst="straightConnector1">
-            <a:avLst/>
-          </a:prstGeom>
-          <a:ln>
-            <a:solidFill>
-              <a:schemeClr val="tx1"/>
-            </a:solidFill>
-            <a:tailEnd type="triangle"/>
-          </a:ln>
         </p:spPr>
-        <p:style>
-          <a:lnRef idx="1">
-            <a:schemeClr val="accent1"/>
-          </a:lnRef>
-          <a:fillRef idx="0">
-            <a:schemeClr val="accent1"/>
-          </a:fillRef>
-          <a:effectRef idx="0">
-            <a:schemeClr val="accent1"/>
-          </a:effectRef>
-          <a:fontRef idx="minor">
-            <a:schemeClr val="tx1"/>
-          </a:fontRef>
-        </p:style>
-      </p:cxnSp>
+        <p:txBody>
+          <a:bodyPr/>
+          <a:lstStyle/>
+          <a:p>
+            <a:r>
+              <a:rPr lang="en-US" dirty="0"/>
+              <a:t>4. </a:t>
+            </a:r>
+            <a:r>
+              <a:rPr lang="en-US" dirty="0" err="1"/>
+              <a:t>Torchvision</a:t>
+            </a:r>
+            <a:r>
+              <a:rPr lang="en-US" dirty="0"/>
+              <a:t> models, </a:t>
+            </a:r>
+            <a:r>
+              <a:rPr lang="en-US" dirty="0">
+                <a:hlinkClick r:id="rId2"/>
+              </a:rPr>
+              <a:t>https://pytorch.org/docs/stable/torchvision/models.html</a:t>
+            </a:r>
+            <a:endParaRPr lang="en-US" dirty="0"/>
+          </a:p>
+        </p:txBody>
+      </p:sp>
     </p:spTree>
     <p:extLst>
       <p:ext uri="{BB962C8B-B14F-4D97-AF65-F5344CB8AC3E}">
-        <p14:creationId xmlns:p14="http://schemas.microsoft.com/office/powerpoint/2010/main" val="1911407750"/>
+        <p14:creationId xmlns:p14="http://schemas.microsoft.com/office/powerpoint/2010/main" val="756134494"/>
       </p:ext>
     </p:extLst>
   </p:cSld>
@@ -8563,7 +10177,7 @@
 </p:sld>
 </file>
 
-<file path=ppt/slides/slide6.xml><?xml version="1.0" encoding="utf-8"?>
+<file path=ppt/slides/slide7.xml><?xml version="1.0" encoding="utf-8"?>
 <p:sld xmlns:a="http://schemas.openxmlformats.org/drawingml/2006/main" xmlns:r="http://schemas.openxmlformats.org/officeDocument/2006/relationships" xmlns:p="http://schemas.openxmlformats.org/presentationml/2006/main">
   <p:cSld>
     <p:spTree>
@@ -8614,7 +10228,10 @@
               <a:rPr lang="en-US" dirty="0" err="1"/>
               <a:t>PyTorch</a:t>
             </a:r>
-            <a:endParaRPr lang="en-US" dirty="0"/>
+            <a:r>
+              <a:rPr lang="en-US" dirty="0"/>
+              <a:t>?</a:t>
+            </a:r>
           </a:p>
         </p:txBody>
       </p:sp>
@@ -8756,7 +10373,7 @@
             <a:fld id="{D57F1E4F-1CFF-5643-939E-217C01CDF565}" type="slidenum">
               <a:rPr lang="en-US" smtClean="0"/>
               <a:pPr/>
-              <a:t>6</a:t>
+              <a:t>7</a:t>
             </a:fld>
             <a:endParaRPr lang="en-US" dirty="0"/>
           </a:p>
@@ -8877,165 +10494,10 @@
           </p:spPr>
         </p:pic>
       </p:grpSp>
-      <p:pic>
-        <p:nvPicPr>
-          <p:cNvPr id="8" name="Picture 7">
-            <a:extLst>
-              <a:ext uri="{FF2B5EF4-FFF2-40B4-BE49-F238E27FC236}">
-                <a16:creationId xmlns:a16="http://schemas.microsoft.com/office/drawing/2014/main" id="{3E2BB61A-70A2-418F-84FA-885A79C817EC}"/>
-              </a:ext>
-            </a:extLst>
-          </p:cNvPr>
-          <p:cNvPicPr>
-            <a:picLocks noChangeAspect="1"/>
-          </p:cNvPicPr>
-          <p:nvPr/>
-        </p:nvPicPr>
-        <p:blipFill rotWithShape="1">
-          <a:blip r:embed="rId4"/>
-          <a:srcRect b="32955"/>
-          <a:stretch/>
-        </p:blipFill>
-        <p:spPr>
-          <a:xfrm>
-            <a:off x="7284512" y="379411"/>
-            <a:ext cx="4617477" cy="1320800"/>
-          </a:xfrm>
-          <a:prstGeom prst="rect">
-            <a:avLst/>
-          </a:prstGeom>
-        </p:spPr>
-      </p:pic>
     </p:spTree>
     <p:extLst>
       <p:ext uri="{BB962C8B-B14F-4D97-AF65-F5344CB8AC3E}">
         <p14:creationId xmlns:p14="http://schemas.microsoft.com/office/powerpoint/2010/main" val="3162430825"/>
-      </p:ext>
-    </p:extLst>
-  </p:cSld>
-  <p:clrMapOvr>
-    <a:masterClrMapping/>
-  </p:clrMapOvr>
-</p:sld>
-</file>
-
-<file path=ppt/slides/slide7.xml><?xml version="1.0" encoding="utf-8"?>
-<p:sld xmlns:a="http://schemas.openxmlformats.org/drawingml/2006/main" xmlns:r="http://schemas.openxmlformats.org/officeDocument/2006/relationships" xmlns:p="http://schemas.openxmlformats.org/presentationml/2006/main">
-  <p:cSld>
-    <p:spTree>
-      <p:nvGrpSpPr>
-        <p:cNvPr id="1" name=""/>
-        <p:cNvGrpSpPr/>
-        <p:nvPr/>
-      </p:nvGrpSpPr>
-      <p:grpSpPr>
-        <a:xfrm>
-          <a:off x="0" y="0"/>
-          <a:ext cx="0" cy="0"/>
-          <a:chOff x="0" y="0"/>
-          <a:chExt cx="0" cy="0"/>
-        </a:xfrm>
-      </p:grpSpPr>
-      <p:sp>
-        <p:nvSpPr>
-          <p:cNvPr id="2" name="Title 1">
-            <a:extLst>
-              <a:ext uri="{FF2B5EF4-FFF2-40B4-BE49-F238E27FC236}">
-                <a16:creationId xmlns:a16="http://schemas.microsoft.com/office/drawing/2014/main" id="{076E539F-C9B6-451C-AF0E-9401844D1122}"/>
-              </a:ext>
-            </a:extLst>
-          </p:cNvPr>
-          <p:cNvSpPr>
-            <a:spLocks noGrp="1"/>
-          </p:cNvSpPr>
-          <p:nvPr>
-            <p:ph type="title"/>
-          </p:nvPr>
-        </p:nvSpPr>
-        <p:spPr/>
-        <p:txBody>
-          <a:bodyPr/>
-          <a:lstStyle/>
-          <a:p>
-            <a:r>
-              <a:rPr lang="en-US" dirty="0"/>
-              <a:t>Examples</a:t>
-            </a:r>
-          </a:p>
-        </p:txBody>
-      </p:sp>
-      <p:sp>
-        <p:nvSpPr>
-          <p:cNvPr id="3" name="Content Placeholder 2">
-            <a:extLst>
-              <a:ext uri="{FF2B5EF4-FFF2-40B4-BE49-F238E27FC236}">
-                <a16:creationId xmlns:a16="http://schemas.microsoft.com/office/drawing/2014/main" id="{A802576D-E275-42C6-979B-8B765D551903}"/>
-              </a:ext>
-            </a:extLst>
-          </p:cNvPr>
-          <p:cNvSpPr>
-            <a:spLocks noGrp="1"/>
-          </p:cNvSpPr>
-          <p:nvPr>
-            <p:ph idx="1"/>
-          </p:nvPr>
-        </p:nvSpPr>
-        <p:spPr/>
-        <p:txBody>
-          <a:bodyPr/>
-          <a:lstStyle/>
-          <a:p>
-            <a:r>
-              <a:rPr lang="en-US" dirty="0"/>
-              <a:t>Check out the notebooks on the tutorial GitHub page</a:t>
-            </a:r>
-          </a:p>
-          <a:p>
-            <a:pPr lvl="2"/>
-            <a:r>
-              <a:rPr lang="en-US" sz="1600" dirty="0">
-                <a:hlinkClick r:id="rId2"/>
-              </a:rPr>
-              <a:t>https://github.com/danieljbrooks/PyTorchTutorial</a:t>
-            </a:r>
-            <a:endParaRPr lang="en-US" sz="1600" dirty="0"/>
-          </a:p>
-        </p:txBody>
-      </p:sp>
-      <p:sp>
-        <p:nvSpPr>
-          <p:cNvPr id="5" name="Slide Number Placeholder 4">
-            <a:extLst>
-              <a:ext uri="{FF2B5EF4-FFF2-40B4-BE49-F238E27FC236}">
-                <a16:creationId xmlns:a16="http://schemas.microsoft.com/office/drawing/2014/main" id="{2D81541E-688C-4D84-A033-7E6F3981EDAB}"/>
-              </a:ext>
-            </a:extLst>
-          </p:cNvPr>
-          <p:cNvSpPr>
-            <a:spLocks noGrp="1"/>
-          </p:cNvSpPr>
-          <p:nvPr>
-            <p:ph type="sldNum" sz="quarter" idx="12"/>
-          </p:nvPr>
-        </p:nvSpPr>
-        <p:spPr/>
-        <p:txBody>
-          <a:bodyPr/>
-          <a:lstStyle/>
-          <a:p>
-            <a:fld id="{D57F1E4F-1CFF-5643-939E-217C01CDF565}" type="slidenum">
-              <a:rPr lang="en-US" smtClean="0"/>
-              <a:pPr/>
-              <a:t>7</a:t>
-            </a:fld>
-            <a:endParaRPr lang="en-US" dirty="0"/>
-          </a:p>
-        </p:txBody>
-      </p:sp>
-    </p:spTree>
-    <p:extLst>
-      <p:ext uri="{BB962C8B-B14F-4D97-AF65-F5344CB8AC3E}">
-        <p14:creationId xmlns:p14="http://schemas.microsoft.com/office/powerpoint/2010/main" val="3694587229"/>
       </p:ext>
     </p:extLst>
   </p:cSld>
@@ -9067,7 +10529,7 @@
           <p:cNvPr id="2" name="Title 1">
             <a:extLst>
               <a:ext uri="{FF2B5EF4-FFF2-40B4-BE49-F238E27FC236}">
-                <a16:creationId xmlns:a16="http://schemas.microsoft.com/office/drawing/2014/main" id="{0BE76AD0-CDD5-42B4-AC46-3CA2EDCA1324}"/>
+                <a16:creationId xmlns:a16="http://schemas.microsoft.com/office/drawing/2014/main" id="{076E539F-C9B6-451C-AF0E-9401844D1122}"/>
               </a:ext>
             </a:extLst>
           </p:cNvPr>
@@ -9085,7 +10547,7 @@
           <a:p>
             <a:r>
               <a:rPr lang="en-US" dirty="0"/>
-              <a:t>Additional Resources</a:t>
+              <a:t>Examples</a:t>
             </a:r>
           </a:p>
         </p:txBody>
@@ -9095,7 +10557,7 @@
           <p:cNvPr id="3" name="Content Placeholder 2">
             <a:extLst>
               <a:ext uri="{FF2B5EF4-FFF2-40B4-BE49-F238E27FC236}">
-                <a16:creationId xmlns:a16="http://schemas.microsoft.com/office/drawing/2014/main" id="{8382B0E1-3B2E-4F69-BD54-ED9F2EE701C9}"/>
+                <a16:creationId xmlns:a16="http://schemas.microsoft.com/office/drawing/2014/main" id="{A802576D-E275-42C6-979B-8B765D551903}"/>
               </a:ext>
             </a:extLst>
           </p:cNvPr>
@@ -9112,79 +10574,19 @@
           <a:lstStyle/>
           <a:p>
             <a:r>
-              <a:rPr lang="en-US" dirty="0" err="1"/>
-              <a:t>PyTorch</a:t>
-            </a:r>
-            <a:r>
               <a:rPr lang="en-US" dirty="0"/>
-              <a:t> documentation and tutorials</a:t>
-            </a:r>
-          </a:p>
-          <a:p>
-            <a:pPr lvl="1"/>
-            <a:r>
-              <a:rPr lang="en-US" dirty="0">
+              <a:t>Check out the notebooks on the tutorial GitHub page</a:t>
+            </a:r>
+          </a:p>
+          <a:p>
+            <a:pPr lvl="2"/>
+            <a:r>
+              <a:rPr lang="en-US" sz="1600" dirty="0">
                 <a:hlinkClick r:id="rId2"/>
               </a:rPr>
-              <a:t>http://pytorch.org</a:t>
-            </a:r>
-            <a:r>
-              <a:rPr lang="en-US" dirty="0"/>
-              <a:t> </a:t>
-            </a:r>
-          </a:p>
-          <a:p>
-            <a:pPr lvl="1"/>
-            <a:endParaRPr lang="en-US" dirty="0"/>
-          </a:p>
-          <a:p>
-            <a:r>
-              <a:rPr lang="en-US" dirty="0"/>
-              <a:t>Stanford CS231n: Convolutional Neural Networks for Visual Recognition</a:t>
-            </a:r>
-          </a:p>
-          <a:p>
-            <a:pPr lvl="1"/>
-            <a:r>
-              <a:rPr lang="en-US" dirty="0">
-                <a:hlinkClick r:id="rId3"/>
-              </a:rPr>
-              <a:t>http://cs231n.stanford.edu</a:t>
-            </a:r>
-            <a:endParaRPr lang="en-US" dirty="0"/>
-          </a:p>
-          <a:p>
-            <a:pPr lvl="1"/>
-            <a:endParaRPr lang="en-US" dirty="0"/>
-          </a:p>
-          <a:p>
-            <a:r>
-              <a:rPr lang="en-US" dirty="0"/>
-              <a:t>Deep Learning Book by Ian Goodfellow</a:t>
-            </a:r>
-          </a:p>
-          <a:p>
-            <a:pPr lvl="1"/>
-            <a:r>
-              <a:rPr lang="en-US" dirty="0">
-                <a:hlinkClick r:id="rId4"/>
-              </a:rPr>
-              <a:t>http://deeplearningbook.org</a:t>
-            </a:r>
-            <a:r>
-              <a:rPr lang="en-US" dirty="0"/>
-              <a:t> </a:t>
-            </a:r>
-          </a:p>
-          <a:p>
-            <a:pPr lvl="1"/>
-            <a:endParaRPr lang="en-US" dirty="0"/>
-          </a:p>
-          <a:p>
-            <a:pPr marL="457200" lvl="1" indent="0">
-              <a:buNone/>
-            </a:pPr>
-            <a:endParaRPr lang="en-US" dirty="0"/>
+              <a:t>https://github.com/danieljbrooks/PyTorchTutorial</a:t>
+            </a:r>
+            <a:endParaRPr lang="en-US" sz="1600" dirty="0"/>
           </a:p>
         </p:txBody>
       </p:sp>
@@ -9193,7 +10595,7 @@
           <p:cNvPr id="5" name="Slide Number Placeholder 4">
             <a:extLst>
               <a:ext uri="{FF2B5EF4-FFF2-40B4-BE49-F238E27FC236}">
-                <a16:creationId xmlns:a16="http://schemas.microsoft.com/office/drawing/2014/main" id="{2413CF60-EB89-4F73-9459-BE183F14CEC9}"/>
+                <a16:creationId xmlns:a16="http://schemas.microsoft.com/office/drawing/2014/main" id="{2D81541E-688C-4D84-A033-7E6F3981EDAB}"/>
               </a:ext>
             </a:extLst>
           </p:cNvPr>
@@ -9221,7 +10623,7 @@
     </p:spTree>
     <p:extLst>
       <p:ext uri="{BB962C8B-B14F-4D97-AF65-F5344CB8AC3E}">
-        <p14:creationId xmlns:p14="http://schemas.microsoft.com/office/powerpoint/2010/main" val="2577437985"/>
+        <p14:creationId xmlns:p14="http://schemas.microsoft.com/office/powerpoint/2010/main" val="3694587229"/>
       </p:ext>
     </p:extLst>
   </p:cSld>
@@ -9253,7 +10655,7 @@
           <p:cNvPr id="2" name="Title 1">
             <a:extLst>
               <a:ext uri="{FF2B5EF4-FFF2-40B4-BE49-F238E27FC236}">
-                <a16:creationId xmlns:a16="http://schemas.microsoft.com/office/drawing/2014/main" id="{34F784C8-9387-4C33-83DC-0E0543F1B493}"/>
+                <a16:creationId xmlns:a16="http://schemas.microsoft.com/office/drawing/2014/main" id="{0BE76AD0-CDD5-42B4-AC46-3CA2EDCA1324}"/>
               </a:ext>
             </a:extLst>
           </p:cNvPr>
@@ -9271,7 +10673,7 @@
           <a:p>
             <a:r>
               <a:rPr lang="en-US" dirty="0"/>
-              <a:t>Questions?</a:t>
+              <a:t>Additional Resources</a:t>
             </a:r>
           </a:p>
         </p:txBody>
@@ -9281,7 +10683,7 @@
           <p:cNvPr id="3" name="Content Placeholder 2">
             <a:extLst>
               <a:ext uri="{FF2B5EF4-FFF2-40B4-BE49-F238E27FC236}">
-                <a16:creationId xmlns:a16="http://schemas.microsoft.com/office/drawing/2014/main" id="{BA531FF5-A284-4C26-871C-198C6EDF394E}"/>
+                <a16:creationId xmlns:a16="http://schemas.microsoft.com/office/drawing/2014/main" id="{8382B0E1-3B2E-4F69-BD54-ED9F2EE701C9}"/>
               </a:ext>
             </a:extLst>
           </p:cNvPr>
@@ -9294,57 +10696,83 @@
         </p:nvSpPr>
         <p:spPr/>
         <p:txBody>
-          <a:bodyPr>
-            <a:normAutofit/>
-          </a:bodyPr>
+          <a:bodyPr/>
           <a:lstStyle/>
           <a:p>
             <a:r>
-              <a:rPr lang="en-US" sz="2000" dirty="0"/>
-              <a:t>Thank you for listening!</a:t>
-            </a:r>
-          </a:p>
-          <a:p>
-            <a:endParaRPr lang="en-US" sz="2000" dirty="0"/>
-          </a:p>
-          <a:p>
-            <a:r>
-              <a:rPr lang="en-US" sz="2000" dirty="0"/>
-              <a:t>Contact:</a:t>
+              <a:rPr lang="en-US" dirty="0" err="1"/>
+              <a:t>PyTorch</a:t>
+            </a:r>
+            <a:r>
+              <a:rPr lang="en-US" dirty="0"/>
+              <a:t> documentation and tutorials</a:t>
             </a:r>
           </a:p>
           <a:p>
             <a:pPr lvl="1"/>
             <a:r>
-              <a:rPr lang="en-US" sz="1800" dirty="0"/>
-              <a:t>Email:</a:t>
-            </a:r>
-          </a:p>
-          <a:p>
-            <a:pPr lvl="2"/>
-            <a:r>
-              <a:rPr lang="en-US" sz="1600" dirty="0"/>
-              <a:t>Daniel.Brooks@alumni.caltech.edu</a:t>
+              <a:rPr lang="en-US" dirty="0">
+                <a:hlinkClick r:id="rId2"/>
+              </a:rPr>
+              <a:t>http://pytorch.org</a:t>
+            </a:r>
+            <a:r>
+              <a:rPr lang="en-US" dirty="0"/>
+              <a:t> </a:t>
             </a:r>
           </a:p>
           <a:p>
             <a:pPr lvl="1"/>
-            <a:r>
-              <a:rPr lang="en-US" sz="1800" dirty="0"/>
-              <a:t>Twitter:</a:t>
-            </a:r>
-          </a:p>
-          <a:p>
-            <a:pPr lvl="2"/>
-            <a:r>
-              <a:rPr lang="en-US" sz="1600" dirty="0"/>
-              <a:t>@</a:t>
-            </a:r>
-            <a:r>
-              <a:rPr lang="en-US" sz="1600" dirty="0" err="1"/>
-              <a:t>cocacolamandan</a:t>
-            </a:r>
-            <a:endParaRPr lang="en-US" sz="1600" dirty="0"/>
+            <a:endParaRPr lang="en-US" dirty="0"/>
+          </a:p>
+          <a:p>
+            <a:r>
+              <a:rPr lang="en-US" dirty="0"/>
+              <a:t>Stanford CS231n: Convolutional Neural Networks for Visual Recognition</a:t>
+            </a:r>
+          </a:p>
+          <a:p>
+            <a:pPr lvl="1"/>
+            <a:r>
+              <a:rPr lang="en-US" dirty="0">
+                <a:hlinkClick r:id="rId3"/>
+              </a:rPr>
+              <a:t>http://cs231n.stanford.edu</a:t>
+            </a:r>
+            <a:endParaRPr lang="en-US" dirty="0"/>
+          </a:p>
+          <a:p>
+            <a:pPr lvl="1"/>
+            <a:endParaRPr lang="en-US" dirty="0"/>
+          </a:p>
+          <a:p>
+            <a:r>
+              <a:rPr lang="en-US" dirty="0"/>
+              <a:t>Deep Learning Book by Ian Goodfellow</a:t>
+            </a:r>
+          </a:p>
+          <a:p>
+            <a:pPr lvl="1"/>
+            <a:r>
+              <a:rPr lang="en-US" dirty="0">
+                <a:hlinkClick r:id="rId4"/>
+              </a:rPr>
+              <a:t>http://deeplearningbook.org</a:t>
+            </a:r>
+            <a:r>
+              <a:rPr lang="en-US" dirty="0"/>
+              <a:t> </a:t>
+            </a:r>
+          </a:p>
+          <a:p>
+            <a:pPr lvl="1"/>
+            <a:endParaRPr lang="en-US" dirty="0"/>
+          </a:p>
+          <a:p>
+            <a:pPr marL="457200" lvl="1" indent="0">
+              <a:buNone/>
+            </a:pPr>
+            <a:endParaRPr lang="en-US" dirty="0"/>
           </a:p>
         </p:txBody>
       </p:sp>
@@ -9353,7 +10781,7 @@
           <p:cNvPr id="5" name="Slide Number Placeholder 4">
             <a:extLst>
               <a:ext uri="{FF2B5EF4-FFF2-40B4-BE49-F238E27FC236}">
-                <a16:creationId xmlns:a16="http://schemas.microsoft.com/office/drawing/2014/main" id="{23DCB22B-CEF1-41AC-8BD0-B23161328CA2}"/>
+                <a16:creationId xmlns:a16="http://schemas.microsoft.com/office/drawing/2014/main" id="{2413CF60-EB89-4F73-9459-BE183F14CEC9}"/>
               </a:ext>
             </a:extLst>
           </p:cNvPr>
@@ -9381,7 +10809,7 @@
     </p:spTree>
     <p:extLst>
       <p:ext uri="{BB962C8B-B14F-4D97-AF65-F5344CB8AC3E}">
-        <p14:creationId xmlns:p14="http://schemas.microsoft.com/office/powerpoint/2010/main" val="2549121550"/>
+        <p14:creationId xmlns:p14="http://schemas.microsoft.com/office/powerpoint/2010/main" val="2577437985"/>
       </p:ext>
     </p:extLst>
   </p:cSld>

--- a/computer_vision.pptx
+++ b/computer_vision.pptx
@@ -5,10 +5,10 @@
     <p:sldMasterId id="2147483648" r:id="rId1"/>
   </p:sldMasterIdLst>
   <p:notesMasterIdLst>
-    <p:notesMasterId r:id="rId12"/>
+    <p:notesMasterId r:id="rId11"/>
   </p:notesMasterIdLst>
   <p:handoutMasterIdLst>
-    <p:handoutMasterId r:id="rId13"/>
+    <p:handoutMasterId r:id="rId12"/>
   </p:handoutMasterIdLst>
   <p:sldIdLst>
     <p:sldId id="256" r:id="rId2"/>
@@ -18,9 +18,8 @@
     <p:sldId id="260" r:id="rId6"/>
     <p:sldId id="265" r:id="rId7"/>
     <p:sldId id="262" r:id="rId8"/>
-    <p:sldId id="264" r:id="rId9"/>
-    <p:sldId id="263" r:id="rId10"/>
-    <p:sldId id="261" r:id="rId11"/>
+    <p:sldId id="263" r:id="rId9"/>
+    <p:sldId id="261" r:id="rId10"/>
   </p:sldIdLst>
   <p:sldSz cx="12192000" cy="6858000"/>
   <p:notesSz cx="6858000" cy="9144000"/>
@@ -122,7 +121,7 @@
   <p:extLst>
     <p:ext uri="{EFAFB233-063F-42B5-8137-9DF3F51BA10A}">
       <p15:sldGuideLst xmlns:p15="http://schemas.microsoft.com/office/powerpoint/2012/main">
-        <p15:guide id="1" orient="horz" pos="2160" userDrawn="1">
+        <p15:guide id="1" orient="horz" pos="2184" userDrawn="1">
           <p15:clr>
             <a:srgbClr val="A4A3A4"/>
           </p15:clr>
@@ -6590,166 +6589,6 @@
 </p:sld>
 </file>
 
-<file path=ppt/slides/slide10.xml><?xml version="1.0" encoding="utf-8"?>
-<p:sld xmlns:a="http://schemas.openxmlformats.org/drawingml/2006/main" xmlns:r="http://schemas.openxmlformats.org/officeDocument/2006/relationships" xmlns:p="http://schemas.openxmlformats.org/presentationml/2006/main">
-  <p:cSld>
-    <p:spTree>
-      <p:nvGrpSpPr>
-        <p:cNvPr id="1" name=""/>
-        <p:cNvGrpSpPr/>
-        <p:nvPr/>
-      </p:nvGrpSpPr>
-      <p:grpSpPr>
-        <a:xfrm>
-          <a:off x="0" y="0"/>
-          <a:ext cx="0" cy="0"/>
-          <a:chOff x="0" y="0"/>
-          <a:chExt cx="0" cy="0"/>
-        </a:xfrm>
-      </p:grpSpPr>
-      <p:sp>
-        <p:nvSpPr>
-          <p:cNvPr id="2" name="Title 1">
-            <a:extLst>
-              <a:ext uri="{FF2B5EF4-FFF2-40B4-BE49-F238E27FC236}">
-                <a16:creationId xmlns:a16="http://schemas.microsoft.com/office/drawing/2014/main" id="{34F784C8-9387-4C33-83DC-0E0543F1B493}"/>
-              </a:ext>
-            </a:extLst>
-          </p:cNvPr>
-          <p:cNvSpPr>
-            <a:spLocks noGrp="1"/>
-          </p:cNvSpPr>
-          <p:nvPr>
-            <p:ph type="title"/>
-          </p:nvPr>
-        </p:nvSpPr>
-        <p:spPr/>
-        <p:txBody>
-          <a:bodyPr/>
-          <a:lstStyle/>
-          <a:p>
-            <a:r>
-              <a:rPr lang="en-US" dirty="0"/>
-              <a:t>Questions?</a:t>
-            </a:r>
-          </a:p>
-        </p:txBody>
-      </p:sp>
-      <p:sp>
-        <p:nvSpPr>
-          <p:cNvPr id="3" name="Content Placeholder 2">
-            <a:extLst>
-              <a:ext uri="{FF2B5EF4-FFF2-40B4-BE49-F238E27FC236}">
-                <a16:creationId xmlns:a16="http://schemas.microsoft.com/office/drawing/2014/main" id="{BA531FF5-A284-4C26-871C-198C6EDF394E}"/>
-              </a:ext>
-            </a:extLst>
-          </p:cNvPr>
-          <p:cNvSpPr>
-            <a:spLocks noGrp="1"/>
-          </p:cNvSpPr>
-          <p:nvPr>
-            <p:ph idx="1"/>
-          </p:nvPr>
-        </p:nvSpPr>
-        <p:spPr/>
-        <p:txBody>
-          <a:bodyPr>
-            <a:normAutofit/>
-          </a:bodyPr>
-          <a:lstStyle/>
-          <a:p>
-            <a:r>
-              <a:rPr lang="en-US" sz="2000" dirty="0"/>
-              <a:t>Thank you for listening!</a:t>
-            </a:r>
-          </a:p>
-          <a:p>
-            <a:endParaRPr lang="en-US" sz="2000" dirty="0"/>
-          </a:p>
-          <a:p>
-            <a:r>
-              <a:rPr lang="en-US" sz="2000" dirty="0"/>
-              <a:t>Contact:</a:t>
-            </a:r>
-          </a:p>
-          <a:p>
-            <a:pPr lvl="1"/>
-            <a:r>
-              <a:rPr lang="en-US" sz="1800" dirty="0"/>
-              <a:t>Email:</a:t>
-            </a:r>
-          </a:p>
-          <a:p>
-            <a:pPr lvl="2"/>
-            <a:r>
-              <a:rPr lang="en-US" sz="1600" dirty="0"/>
-              <a:t>Daniel.Brooks@alumni.caltech.edu</a:t>
-            </a:r>
-          </a:p>
-          <a:p>
-            <a:pPr lvl="1"/>
-            <a:r>
-              <a:rPr lang="en-US" sz="1800" dirty="0"/>
-              <a:t>Twitter:</a:t>
-            </a:r>
-          </a:p>
-          <a:p>
-            <a:pPr lvl="2"/>
-            <a:r>
-              <a:rPr lang="en-US" sz="1600" dirty="0"/>
-              <a:t>@</a:t>
-            </a:r>
-            <a:r>
-              <a:rPr lang="en-US" sz="1600" dirty="0" err="1"/>
-              <a:t>cocacolamandan</a:t>
-            </a:r>
-            <a:endParaRPr lang="en-US" sz="1600" dirty="0"/>
-          </a:p>
-        </p:txBody>
-      </p:sp>
-      <p:sp>
-        <p:nvSpPr>
-          <p:cNvPr id="5" name="Slide Number Placeholder 4">
-            <a:extLst>
-              <a:ext uri="{FF2B5EF4-FFF2-40B4-BE49-F238E27FC236}">
-                <a16:creationId xmlns:a16="http://schemas.microsoft.com/office/drawing/2014/main" id="{23DCB22B-CEF1-41AC-8BD0-B23161328CA2}"/>
-              </a:ext>
-            </a:extLst>
-          </p:cNvPr>
-          <p:cNvSpPr>
-            <a:spLocks noGrp="1"/>
-          </p:cNvSpPr>
-          <p:nvPr>
-            <p:ph type="sldNum" sz="quarter" idx="12"/>
-          </p:nvPr>
-        </p:nvSpPr>
-        <p:spPr/>
-        <p:txBody>
-          <a:bodyPr/>
-          <a:lstStyle/>
-          <a:p>
-            <a:fld id="{D57F1E4F-1CFF-5643-939E-217C01CDF565}" type="slidenum">
-              <a:rPr lang="en-US" smtClean="0"/>
-              <a:pPr/>
-              <a:t>10</a:t>
-            </a:fld>
-            <a:endParaRPr lang="en-US" dirty="0"/>
-          </a:p>
-        </p:txBody>
-      </p:sp>
-    </p:spTree>
-    <p:extLst>
-      <p:ext uri="{BB962C8B-B14F-4D97-AF65-F5344CB8AC3E}">
-        <p14:creationId xmlns:p14="http://schemas.microsoft.com/office/powerpoint/2010/main" val="2549121550"/>
-      </p:ext>
-    </p:extLst>
-  </p:cSld>
-  <p:clrMapOvr>
-    <a:masterClrMapping/>
-  </p:clrMapOvr>
-</p:sld>
-</file>
-
 <file path=ppt/slides/slide2.xml><?xml version="1.0" encoding="utf-8"?>
 <p:sld xmlns:a="http://schemas.openxmlformats.org/drawingml/2006/main" xmlns:r="http://schemas.openxmlformats.org/officeDocument/2006/relationships" xmlns:p="http://schemas.openxmlformats.org/presentationml/2006/main">
   <p:cSld>
@@ -6996,7 +6835,7 @@
         </p:blipFill>
         <p:spPr bwMode="auto">
           <a:xfrm>
-            <a:off x="6878630" y="3251200"/>
+            <a:off x="6996076" y="3172906"/>
             <a:ext cx="2200387" cy="995045"/>
           </a:xfrm>
           <a:prstGeom prst="rect">
@@ -10253,86 +10092,121 @@
         </p:nvSpPr>
         <p:spPr>
           <a:xfrm>
-            <a:off x="677334" y="2160589"/>
-            <a:ext cx="8596668" cy="3880773"/>
+            <a:off x="677334" y="1807081"/>
+            <a:ext cx="8596668" cy="4441319"/>
           </a:xfrm>
         </p:spPr>
         <p:txBody>
-          <a:bodyPr/>
+          <a:bodyPr>
+            <a:normAutofit/>
+          </a:bodyPr>
           <a:lstStyle/>
           <a:p>
             <a:r>
+              <a:rPr lang="en-US" dirty="0" err="1"/>
+              <a:t>PyTorch</a:t>
+            </a:r>
+            <a:r>
               <a:rPr lang="en-US" dirty="0"/>
-              <a:t>Popular framework for implementing neural networks</a:t>
-            </a:r>
-          </a:p>
-          <a:p>
+              <a:t> is a python library for tensor operations</a:t>
+            </a:r>
+          </a:p>
+          <a:p>
+            <a:pPr lvl="1"/>
             <a:r>
               <a:rPr lang="en-US" dirty="0"/>
-              <a:t>Developed by Facebook for rapid prototyping</a:t>
-            </a:r>
-          </a:p>
-          <a:p>
+              <a:t>Released by Facebook in 2016</a:t>
+            </a:r>
+          </a:p>
+          <a:p>
+            <a:pPr lvl="1"/>
             <a:r>
               <a:rPr lang="en-US" dirty="0"/>
-              <a:t>Essentially </a:t>
+              <a:t>Essentially NumPy (with GPU support)</a:t>
+            </a:r>
+          </a:p>
+          <a:p>
+            <a:pPr lvl="1"/>
+            <a:r>
+              <a:rPr lang="en-US" dirty="0"/>
+              <a:t>Support for neural networks and computer vision (</a:t>
             </a:r>
             <a:r>
               <a:rPr lang="en-US" dirty="0" err="1"/>
-              <a:t>numpy</a:t>
+              <a:t>torchvision</a:t>
             </a:r>
             <a:r>
               <a:rPr lang="en-US" dirty="0"/>
-              <a:t> with GPU support</a:t>
-            </a:r>
-          </a:p>
-          <a:p>
+              <a:t>)</a:t>
+            </a:r>
+          </a:p>
+          <a:p>
+            <a:pPr lvl="1"/>
+            <a:r>
+              <a:rPr lang="en-US" dirty="0"/>
+              <a:t>Dynamically typed (for fast experimentation)</a:t>
+            </a:r>
+          </a:p>
+          <a:p>
+            <a:pPr lvl="1"/>
+            <a:endParaRPr lang="en-US" dirty="0"/>
+          </a:p>
+          <a:p>
+            <a:r>
+              <a:rPr lang="en-US" dirty="0"/>
+              <a:t>Examples on Github: </a:t>
+            </a:r>
+            <a:r>
+              <a:rPr lang="en-US" dirty="0">
+                <a:hlinkClick r:id="rId2"/>
+              </a:rPr>
+              <a:t>https://github.com/danieljbrooks/PyTorchTutorial</a:t>
+            </a:r>
+            <a:endParaRPr lang="en-US" dirty="0"/>
+          </a:p>
+          <a:p>
+            <a:pPr lvl="1"/>
+            <a:r>
+              <a:rPr lang="en-US" dirty="0"/>
+              <a:t>1. Working with Image Data in </a:t>
+            </a:r>
             <a:r>
               <a:rPr lang="en-US" dirty="0" err="1"/>
-              <a:t>Torchvision</a:t>
-            </a:r>
+              <a:t>PyTorch</a:t>
+            </a:r>
+            <a:endParaRPr lang="en-US" dirty="0"/>
+          </a:p>
+          <a:p>
+            <a:pPr lvl="1"/>
             <a:r>
               <a:rPr lang="en-US" dirty="0"/>
-              <a:t> library supports computer vision</a:t>
-            </a:r>
-          </a:p>
-          <a:p>
+              <a:t>2. Inference with Pretrained Models in </a:t>
+            </a:r>
+            <a:r>
+              <a:rPr lang="en-US" dirty="0" err="1"/>
+              <a:t>PyTorch</a:t>
+            </a:r>
+            <a:endParaRPr lang="en-US" dirty="0"/>
+          </a:p>
+          <a:p>
+            <a:pPr lvl="1"/>
             <a:r>
               <a:rPr lang="en-US" dirty="0"/>
-              <a:t>Dynamically typed, research oriented</a:t>
-            </a:r>
-          </a:p>
-          <a:p>
-            <a:pPr marL="457200" lvl="1" indent="0">
+              <a:t>3. Training Computer Vision Models in </a:t>
+            </a:r>
+            <a:r>
+              <a:rPr lang="en-US" dirty="0" err="1"/>
+              <a:t>PyTorch</a:t>
+            </a:r>
+            <a:endParaRPr lang="en-US" dirty="0"/>
+          </a:p>
+          <a:p>
+            <a:pPr marL="0" indent="0">
               <a:buNone/>
             </a:pPr>
-            <a:endParaRPr lang="en-US" dirty="0"/>
-          </a:p>
-          <a:p>
-            <a:pPr marL="457200" lvl="1" indent="0">
-              <a:buNone/>
-            </a:pPr>
-            <a:r>
-              <a:rPr lang="en-US" dirty="0"/>
-              <a:t>Example network</a:t>
-            </a:r>
-          </a:p>
-          <a:p>
-            <a:pPr marL="457200" lvl="1" indent="0">
-              <a:buNone/>
-            </a:pPr>
-            <a:r>
-              <a:rPr lang="en-US" dirty="0"/>
-              <a:t>	(</a:t>
-            </a:r>
-            <a:r>
-              <a:rPr lang="en-US" dirty="0" err="1"/>
-              <a:t>Tensorflow</a:t>
-            </a:r>
-            <a:r>
-              <a:rPr lang="en-US" dirty="0"/>
-              <a:t> has a compile statement here)</a:t>
-            </a:r>
+            <a:endParaRPr lang="en-US" dirty="0">
+              <a:hlinkClick r:id="rId2"/>
+            </a:endParaRPr>
           </a:p>
           <a:p>
             <a:pPr lvl="1"/>
@@ -10379,121 +10253,53 @@
           </a:p>
         </p:txBody>
       </p:sp>
-      <p:grpSp>
-        <p:nvGrpSpPr>
-          <p:cNvPr id="7" name="Group 6">
+      <p:pic>
+        <p:nvPicPr>
+          <p:cNvPr id="6" name="Picture 2" descr="Image result for pytorch&quot;">
             <a:extLst>
               <a:ext uri="{FF2B5EF4-FFF2-40B4-BE49-F238E27FC236}">
-                <a16:creationId xmlns:a16="http://schemas.microsoft.com/office/drawing/2014/main" id="{C0691906-2C0D-403D-B86D-E05F24433C7E}"/>
+                <a16:creationId xmlns:a16="http://schemas.microsoft.com/office/drawing/2014/main" id="{B91E0B9F-476F-42D3-BD9D-966154E2F2B9}"/>
               </a:ext>
             </a:extLst>
           </p:cNvPr>
-          <p:cNvGrpSpPr/>
+          <p:cNvPicPr>
+            <a:picLocks noChangeAspect="1" noChangeArrowheads="1"/>
+          </p:cNvPicPr>
           <p:nvPr/>
-        </p:nvGrpSpPr>
-        <p:grpSpPr>
-          <a:xfrm>
-            <a:off x="8207621" y="5300981"/>
-            <a:ext cx="3072178" cy="995045"/>
-            <a:chOff x="6026476" y="552927"/>
-            <a:chExt cx="3072178" cy="995045"/>
-          </a:xfrm>
-        </p:grpSpPr>
-        <p:pic>
-          <p:nvPicPr>
-            <p:cNvPr id="6" name="Picture 2" descr="Image result for pytorch&quot;">
-              <a:extLst>
-                <a:ext uri="{FF2B5EF4-FFF2-40B4-BE49-F238E27FC236}">
-                  <a16:creationId xmlns:a16="http://schemas.microsoft.com/office/drawing/2014/main" id="{B91E0B9F-476F-42D3-BD9D-966154E2F2B9}"/>
-                </a:ext>
-              </a:extLst>
-            </p:cNvPr>
-            <p:cNvPicPr>
-              <a:picLocks noChangeAspect="1" noChangeArrowheads="1"/>
-            </p:cNvPicPr>
-            <p:nvPr/>
-          </p:nvPicPr>
-          <p:blipFill>
-            <a:blip r:embed="rId2">
-              <a:extLst>
-                <a:ext uri="{28A0092B-C50C-407E-A947-70E740481C1C}">
-                  <a14:useLocalDpi xmlns:a14="http://schemas.microsoft.com/office/drawing/2010/main" val="0"/>
-                </a:ext>
-              </a:extLst>
-            </a:blip>
-            <a:srcRect/>
-            <a:stretch>
-              <a:fillRect/>
-            </a:stretch>
-          </p:blipFill>
-          <p:spPr bwMode="auto">
-            <a:xfrm>
-              <a:off x="6026476" y="552927"/>
-              <a:ext cx="2200387" cy="995045"/>
-            </a:xfrm>
-            <a:prstGeom prst="rect">
-              <a:avLst/>
-            </a:prstGeom>
-            <a:noFill/>
+        </p:nvPicPr>
+        <p:blipFill>
+          <a:blip r:embed="rId3">
             <a:extLst>
-              <a:ext uri="{909E8E84-426E-40DD-AFC4-6F175D3DCCD1}">
-                <a14:hiddenFill xmlns:a14="http://schemas.microsoft.com/office/drawing/2010/main">
-                  <a:solidFill>
-                    <a:srgbClr val="FFFFFF"/>
-                  </a:solidFill>
-                </a14:hiddenFill>
+              <a:ext uri="{28A0092B-C50C-407E-A947-70E740481C1C}">
+                <a14:useLocalDpi xmlns:a14="http://schemas.microsoft.com/office/drawing/2010/main" val="0"/>
               </a:ext>
             </a:extLst>
-          </p:spPr>
-        </p:pic>
-        <p:pic>
-          <p:nvPicPr>
-            <p:cNvPr id="7170" name="Picture 2" descr="Image result for facebook logo">
-              <a:extLst>
-                <a:ext uri="{FF2B5EF4-FFF2-40B4-BE49-F238E27FC236}">
-                  <a16:creationId xmlns:a16="http://schemas.microsoft.com/office/drawing/2014/main" id="{42CF3561-C80C-47FD-8B3F-42D60A126544}"/>
-                </a:ext>
-              </a:extLst>
-            </p:cNvPr>
-            <p:cNvPicPr>
-              <a:picLocks noChangeAspect="1" noChangeArrowheads="1"/>
-            </p:cNvPicPr>
-            <p:nvPr/>
-          </p:nvPicPr>
-          <p:blipFill>
-            <a:blip r:embed="rId3">
-              <a:extLst>
-                <a:ext uri="{28A0092B-C50C-407E-A947-70E740481C1C}">
-                  <a14:useLocalDpi xmlns:a14="http://schemas.microsoft.com/office/drawing/2010/main" val="0"/>
-                </a:ext>
-              </a:extLst>
-            </a:blip>
-            <a:srcRect/>
-            <a:stretch>
-              <a:fillRect/>
-            </a:stretch>
-          </p:blipFill>
-          <p:spPr bwMode="auto">
-            <a:xfrm>
-              <a:off x="8438254" y="609600"/>
-              <a:ext cx="660400" cy="660400"/>
-            </a:xfrm>
-            <a:prstGeom prst="rect">
-              <a:avLst/>
-            </a:prstGeom>
-            <a:noFill/>
-            <a:extLst>
-              <a:ext uri="{909E8E84-426E-40DD-AFC4-6F175D3DCCD1}">
-                <a14:hiddenFill xmlns:a14="http://schemas.microsoft.com/office/drawing/2010/main">
-                  <a:solidFill>
-                    <a:srgbClr val="FFFFFF"/>
-                  </a:solidFill>
-                </a14:hiddenFill>
-              </a:ext>
-            </a:extLst>
-          </p:spPr>
-        </p:pic>
-      </p:grpSp>
+          </a:blip>
+          <a:srcRect/>
+          <a:stretch>
+            <a:fillRect/>
+          </a:stretch>
+        </p:blipFill>
+        <p:spPr bwMode="auto">
+          <a:xfrm>
+            <a:off x="7073615" y="1547972"/>
+            <a:ext cx="2200387" cy="995045"/>
+          </a:xfrm>
+          <a:prstGeom prst="rect">
+            <a:avLst/>
+          </a:prstGeom>
+          <a:noFill/>
+          <a:extLst>
+            <a:ext uri="{909E8E84-426E-40DD-AFC4-6F175D3DCCD1}">
+              <a14:hiddenFill xmlns:a14="http://schemas.microsoft.com/office/drawing/2010/main">
+                <a:solidFill>
+                  <a:srgbClr val="FFFFFF"/>
+                </a:solidFill>
+              </a14:hiddenFill>
+            </a:ext>
+          </a:extLst>
+        </p:spPr>
+      </p:pic>
     </p:spTree>
     <p:extLst>
       <p:ext uri="{BB962C8B-B14F-4D97-AF65-F5344CB8AC3E}">
@@ -10529,7 +10335,7 @@
           <p:cNvPr id="2" name="Title 1">
             <a:extLst>
               <a:ext uri="{FF2B5EF4-FFF2-40B4-BE49-F238E27FC236}">
-                <a16:creationId xmlns:a16="http://schemas.microsoft.com/office/drawing/2014/main" id="{076E539F-C9B6-451C-AF0E-9401844D1122}"/>
+                <a16:creationId xmlns:a16="http://schemas.microsoft.com/office/drawing/2014/main" id="{0BE76AD0-CDD5-42B4-AC46-3CA2EDCA1324}"/>
               </a:ext>
             </a:extLst>
           </p:cNvPr>
@@ -10547,7 +10353,7 @@
           <a:p>
             <a:r>
               <a:rPr lang="en-US" dirty="0"/>
-              <a:t>Examples</a:t>
+              <a:t>Additional Resources</a:t>
             </a:r>
           </a:p>
         </p:txBody>
@@ -10557,7 +10363,7 @@
           <p:cNvPr id="3" name="Content Placeholder 2">
             <a:extLst>
               <a:ext uri="{FF2B5EF4-FFF2-40B4-BE49-F238E27FC236}">
-                <a16:creationId xmlns:a16="http://schemas.microsoft.com/office/drawing/2014/main" id="{A802576D-E275-42C6-979B-8B765D551903}"/>
+                <a16:creationId xmlns:a16="http://schemas.microsoft.com/office/drawing/2014/main" id="{8382B0E1-3B2E-4F69-BD54-ED9F2EE701C9}"/>
               </a:ext>
             </a:extLst>
           </p:cNvPr>
@@ -10574,19 +10380,79 @@
           <a:lstStyle/>
           <a:p>
             <a:r>
+              <a:rPr lang="en-US" dirty="0" err="1"/>
+              <a:t>PyTorch</a:t>
+            </a:r>
+            <a:r>
               <a:rPr lang="en-US" dirty="0"/>
-              <a:t>Check out the notebooks on the tutorial GitHub page</a:t>
-            </a:r>
-          </a:p>
-          <a:p>
-            <a:pPr lvl="2"/>
-            <a:r>
-              <a:rPr lang="en-US" sz="1600" dirty="0">
+              <a:t> documentation and tutorials</a:t>
+            </a:r>
+          </a:p>
+          <a:p>
+            <a:pPr lvl="1"/>
+            <a:r>
+              <a:rPr lang="en-US" dirty="0">
                 <a:hlinkClick r:id="rId2"/>
               </a:rPr>
-              <a:t>https://github.com/danieljbrooks/PyTorchTutorial</a:t>
-            </a:r>
-            <a:endParaRPr lang="en-US" sz="1600" dirty="0"/>
+              <a:t>http://pytorch.org</a:t>
+            </a:r>
+            <a:r>
+              <a:rPr lang="en-US" dirty="0"/>
+              <a:t> </a:t>
+            </a:r>
+          </a:p>
+          <a:p>
+            <a:pPr lvl="1"/>
+            <a:endParaRPr lang="en-US" dirty="0"/>
+          </a:p>
+          <a:p>
+            <a:r>
+              <a:rPr lang="en-US" dirty="0"/>
+              <a:t>Stanford CS231n: Convolutional Neural Networks for Visual Recognition</a:t>
+            </a:r>
+          </a:p>
+          <a:p>
+            <a:pPr lvl="1"/>
+            <a:r>
+              <a:rPr lang="en-US" dirty="0">
+                <a:hlinkClick r:id="rId3"/>
+              </a:rPr>
+              <a:t>http://cs231n.stanford.edu</a:t>
+            </a:r>
+            <a:endParaRPr lang="en-US" dirty="0"/>
+          </a:p>
+          <a:p>
+            <a:pPr lvl="1"/>
+            <a:endParaRPr lang="en-US" dirty="0"/>
+          </a:p>
+          <a:p>
+            <a:r>
+              <a:rPr lang="en-US" dirty="0"/>
+              <a:t>Deep Learning Book by Ian Goodfellow</a:t>
+            </a:r>
+          </a:p>
+          <a:p>
+            <a:pPr lvl="1"/>
+            <a:r>
+              <a:rPr lang="en-US" dirty="0">
+                <a:hlinkClick r:id="rId4"/>
+              </a:rPr>
+              <a:t>http://deeplearningbook.org</a:t>
+            </a:r>
+            <a:r>
+              <a:rPr lang="en-US" dirty="0"/>
+              <a:t> </a:t>
+            </a:r>
+          </a:p>
+          <a:p>
+            <a:pPr lvl="1"/>
+            <a:endParaRPr lang="en-US" dirty="0"/>
+          </a:p>
+          <a:p>
+            <a:pPr marL="457200" lvl="1" indent="0">
+              <a:buNone/>
+            </a:pPr>
+            <a:endParaRPr lang="en-US" dirty="0"/>
           </a:p>
         </p:txBody>
       </p:sp>
@@ -10595,7 +10461,7 @@
           <p:cNvPr id="5" name="Slide Number Placeholder 4">
             <a:extLst>
               <a:ext uri="{FF2B5EF4-FFF2-40B4-BE49-F238E27FC236}">
-                <a16:creationId xmlns:a16="http://schemas.microsoft.com/office/drawing/2014/main" id="{2D81541E-688C-4D84-A033-7E6F3981EDAB}"/>
+                <a16:creationId xmlns:a16="http://schemas.microsoft.com/office/drawing/2014/main" id="{2413CF60-EB89-4F73-9459-BE183F14CEC9}"/>
               </a:ext>
             </a:extLst>
           </p:cNvPr>
@@ -10623,7 +10489,7 @@
     </p:spTree>
     <p:extLst>
       <p:ext uri="{BB962C8B-B14F-4D97-AF65-F5344CB8AC3E}">
-        <p14:creationId xmlns:p14="http://schemas.microsoft.com/office/powerpoint/2010/main" val="3694587229"/>
+        <p14:creationId xmlns:p14="http://schemas.microsoft.com/office/powerpoint/2010/main" val="2577437985"/>
       </p:ext>
     </p:extLst>
   </p:cSld>
@@ -10655,7 +10521,7 @@
           <p:cNvPr id="2" name="Title 1">
             <a:extLst>
               <a:ext uri="{FF2B5EF4-FFF2-40B4-BE49-F238E27FC236}">
-                <a16:creationId xmlns:a16="http://schemas.microsoft.com/office/drawing/2014/main" id="{0BE76AD0-CDD5-42B4-AC46-3CA2EDCA1324}"/>
+                <a16:creationId xmlns:a16="http://schemas.microsoft.com/office/drawing/2014/main" id="{34F784C8-9387-4C33-83DC-0E0543F1B493}"/>
               </a:ext>
             </a:extLst>
           </p:cNvPr>
@@ -10673,7 +10539,7 @@
           <a:p>
             <a:r>
               <a:rPr lang="en-US" dirty="0"/>
-              <a:t>Additional Resources</a:t>
+              <a:t>Questions?</a:t>
             </a:r>
           </a:p>
         </p:txBody>
@@ -10683,7 +10549,7 @@
           <p:cNvPr id="3" name="Content Placeholder 2">
             <a:extLst>
               <a:ext uri="{FF2B5EF4-FFF2-40B4-BE49-F238E27FC236}">
-                <a16:creationId xmlns:a16="http://schemas.microsoft.com/office/drawing/2014/main" id="{8382B0E1-3B2E-4F69-BD54-ED9F2EE701C9}"/>
+                <a16:creationId xmlns:a16="http://schemas.microsoft.com/office/drawing/2014/main" id="{BA531FF5-A284-4C26-871C-198C6EDF394E}"/>
               </a:ext>
             </a:extLst>
           </p:cNvPr>
@@ -10696,83 +10562,57 @@
         </p:nvSpPr>
         <p:spPr/>
         <p:txBody>
-          <a:bodyPr/>
+          <a:bodyPr>
+            <a:normAutofit/>
+          </a:bodyPr>
           <a:lstStyle/>
           <a:p>
             <a:r>
-              <a:rPr lang="en-US" dirty="0" err="1"/>
-              <a:t>PyTorch</a:t>
-            </a:r>
-            <a:r>
-              <a:rPr lang="en-US" dirty="0"/>
-              <a:t> documentation and tutorials</a:t>
+              <a:rPr lang="en-US" sz="2000" dirty="0"/>
+              <a:t>Thank you for listening!</a:t>
+            </a:r>
+          </a:p>
+          <a:p>
+            <a:endParaRPr lang="en-US" sz="2000" dirty="0"/>
+          </a:p>
+          <a:p>
+            <a:r>
+              <a:rPr lang="en-US" sz="2000" dirty="0"/>
+              <a:t>Contact:</a:t>
             </a:r>
           </a:p>
           <a:p>
             <a:pPr lvl="1"/>
             <a:r>
-              <a:rPr lang="en-US" dirty="0">
-                <a:hlinkClick r:id="rId2"/>
-              </a:rPr>
-              <a:t>http://pytorch.org</a:t>
-            </a:r>
-            <a:r>
-              <a:rPr lang="en-US" dirty="0"/>
-              <a:t> </a:t>
+              <a:rPr lang="en-US" sz="1800" dirty="0"/>
+              <a:t>Email:</a:t>
+            </a:r>
+          </a:p>
+          <a:p>
+            <a:pPr lvl="2"/>
+            <a:r>
+              <a:rPr lang="en-US" sz="1600" dirty="0"/>
+              <a:t>Daniel.Brooks@alumni.caltech.edu</a:t>
             </a:r>
           </a:p>
           <a:p>
             <a:pPr lvl="1"/>
-            <a:endParaRPr lang="en-US" dirty="0"/>
-          </a:p>
-          <a:p>
-            <a:r>
-              <a:rPr lang="en-US" dirty="0"/>
-              <a:t>Stanford CS231n: Convolutional Neural Networks for Visual Recognition</a:t>
-            </a:r>
-          </a:p>
-          <a:p>
-            <a:pPr lvl="1"/>
-            <a:r>
-              <a:rPr lang="en-US" dirty="0">
-                <a:hlinkClick r:id="rId3"/>
-              </a:rPr>
-              <a:t>http://cs231n.stanford.edu</a:t>
-            </a:r>
-            <a:endParaRPr lang="en-US" dirty="0"/>
-          </a:p>
-          <a:p>
-            <a:pPr lvl="1"/>
-            <a:endParaRPr lang="en-US" dirty="0"/>
-          </a:p>
-          <a:p>
-            <a:r>
-              <a:rPr lang="en-US" dirty="0"/>
-              <a:t>Deep Learning Book by Ian Goodfellow</a:t>
-            </a:r>
-          </a:p>
-          <a:p>
-            <a:pPr lvl="1"/>
-            <a:r>
-              <a:rPr lang="en-US" dirty="0">
-                <a:hlinkClick r:id="rId4"/>
-              </a:rPr>
-              <a:t>http://deeplearningbook.org</a:t>
-            </a:r>
-            <a:r>
-              <a:rPr lang="en-US" dirty="0"/>
-              <a:t> </a:t>
-            </a:r>
-          </a:p>
-          <a:p>
-            <a:pPr lvl="1"/>
-            <a:endParaRPr lang="en-US" dirty="0"/>
-          </a:p>
-          <a:p>
-            <a:pPr marL="457200" lvl="1" indent="0">
-              <a:buNone/>
-            </a:pPr>
-            <a:endParaRPr lang="en-US" dirty="0"/>
+            <a:r>
+              <a:rPr lang="en-US" sz="1800" dirty="0"/>
+              <a:t>Twitter:</a:t>
+            </a:r>
+          </a:p>
+          <a:p>
+            <a:pPr lvl="2"/>
+            <a:r>
+              <a:rPr lang="en-US" sz="1600" dirty="0"/>
+              <a:t>@</a:t>
+            </a:r>
+            <a:r>
+              <a:rPr lang="en-US" sz="1600" dirty="0" err="1"/>
+              <a:t>cocacolamandan</a:t>
+            </a:r>
+            <a:endParaRPr lang="en-US" sz="1600" dirty="0"/>
           </a:p>
         </p:txBody>
       </p:sp>
@@ -10781,7 +10621,7 @@
           <p:cNvPr id="5" name="Slide Number Placeholder 4">
             <a:extLst>
               <a:ext uri="{FF2B5EF4-FFF2-40B4-BE49-F238E27FC236}">
-                <a16:creationId xmlns:a16="http://schemas.microsoft.com/office/drawing/2014/main" id="{2413CF60-EB89-4F73-9459-BE183F14CEC9}"/>
+                <a16:creationId xmlns:a16="http://schemas.microsoft.com/office/drawing/2014/main" id="{23DCB22B-CEF1-41AC-8BD0-B23161328CA2}"/>
               </a:ext>
             </a:extLst>
           </p:cNvPr>
@@ -10809,7 +10649,7 @@
     </p:spTree>
     <p:extLst>
       <p:ext uri="{BB962C8B-B14F-4D97-AF65-F5344CB8AC3E}">
-        <p14:creationId xmlns:p14="http://schemas.microsoft.com/office/powerpoint/2010/main" val="2577437985"/>
+        <p14:creationId xmlns:p14="http://schemas.microsoft.com/office/powerpoint/2010/main" val="2549121550"/>
       </p:ext>
     </p:extLst>
   </p:cSld>

--- a/computer_vision.pptx
+++ b/computer_vision.pptx
@@ -6835,7 +6835,7 @@
         </p:blipFill>
         <p:spPr bwMode="auto">
           <a:xfrm>
-            <a:off x="6996076" y="3172906"/>
+            <a:off x="7134617" y="608616"/>
             <a:ext cx="2200387" cy="995045"/>
           </a:xfrm>
           <a:prstGeom prst="rect">
@@ -7627,7 +7627,15 @@
           <a:p>
             <a:r>
               <a:rPr lang="en-US" dirty="0"/>
-              <a:t>2. http://twitter.com/CSProfKGD/status/1141009378830684161</a:t>
+              <a:t>2. </a:t>
+            </a:r>
+            <a:r>
+              <a:rPr lang="en-US" dirty="0" err="1"/>
+              <a:t>Russakovsky</a:t>
+            </a:r>
+            <a:r>
+              <a:rPr lang="en-US" dirty="0"/>
+              <a:t> et al. (2015).</a:t>
             </a:r>
           </a:p>
         </p:txBody>
@@ -9045,7 +9053,15 @@
           <a:p>
             <a:r>
               <a:rPr lang="en-US" dirty="0"/>
-              <a:t>Convolution neural networks extract features from images</a:t>
+              <a:t>Convolution neural networks </a:t>
+            </a:r>
+            <a:r>
+              <a:rPr lang="en-US" i="1" dirty="0"/>
+              <a:t>extract features </a:t>
+            </a:r>
+            <a:r>
+              <a:rPr lang="en-US" dirty="0"/>
+              <a:t>from images</a:t>
             </a:r>
           </a:p>
           <a:p>
@@ -9995,11 +10011,28 @@
             </a:r>
             <a:r>
               <a:rPr lang="en-US" dirty="0">
-                <a:hlinkClick r:id="rId2"/>
+                <a:solidFill>
+                  <a:schemeClr val="accent2">
+                    <a:lumMod val="50000"/>
+                  </a:schemeClr>
+                </a:solidFill>
+                <a:hlinkClick r:id="rId2">
+                  <a:extLst>
+                    <a:ext uri="{A12FA001-AC4F-418D-AE19-62706E023703}">
+                      <ahyp:hlinkClr xmlns:ahyp="http://schemas.microsoft.com/office/drawing/2018/hyperlinkcolor" val="tx"/>
+                    </a:ext>
+                  </a:extLst>
+                </a:hlinkClick>
               </a:rPr>
               <a:t>https://pytorch.org/docs/stable/torchvision/models.html</a:t>
             </a:r>
-            <a:endParaRPr lang="en-US" dirty="0"/>
+            <a:endParaRPr lang="en-US" dirty="0">
+              <a:solidFill>
+                <a:schemeClr val="accent2">
+                  <a:lumMod val="50000"/>
+                </a:schemeClr>
+              </a:solidFill>
+            </a:endParaRPr>
           </a:p>
         </p:txBody>
       </p:sp>
@@ -10158,11 +10191,28 @@
             </a:r>
             <a:r>
               <a:rPr lang="en-US" dirty="0">
-                <a:hlinkClick r:id="rId2"/>
+                <a:solidFill>
+                  <a:schemeClr val="accent2">
+                    <a:lumMod val="50000"/>
+                  </a:schemeClr>
+                </a:solidFill>
+                <a:hlinkClick r:id="rId2">
+                  <a:extLst>
+                    <a:ext uri="{A12FA001-AC4F-418D-AE19-62706E023703}">
+                      <ahyp:hlinkClr xmlns:ahyp="http://schemas.microsoft.com/office/drawing/2018/hyperlinkcolor" val="tx"/>
+                    </a:ext>
+                  </a:extLst>
+                </a:hlinkClick>
               </a:rPr>
               <a:t>https://github.com/danieljbrooks/PyTorchTutorial</a:t>
             </a:r>
-            <a:endParaRPr lang="en-US" dirty="0"/>
+            <a:endParaRPr lang="en-US" dirty="0">
+              <a:solidFill>
+                <a:schemeClr val="accent2">
+                  <a:lumMod val="50000"/>
+                </a:schemeClr>
+              </a:solidFill>
+            </a:endParaRPr>
           </a:p>
           <a:p>
             <a:pPr lvl="1"/>
@@ -10282,7 +10332,7 @@
         </p:blipFill>
         <p:spPr bwMode="auto">
           <a:xfrm>
-            <a:off x="7073615" y="1547972"/>
+            <a:off x="6975785" y="609600"/>
             <a:ext cx="2200387" cy="995045"/>
           </a:xfrm>
           <a:prstGeom prst="rect">
@@ -10392,12 +10442,29 @@
             <a:pPr lvl="1"/>
             <a:r>
               <a:rPr lang="en-US" dirty="0">
-                <a:hlinkClick r:id="rId2"/>
+                <a:solidFill>
+                  <a:schemeClr val="accent2">
+                    <a:lumMod val="50000"/>
+                  </a:schemeClr>
+                </a:solidFill>
+                <a:hlinkClick r:id="rId2">
+                  <a:extLst>
+                    <a:ext uri="{A12FA001-AC4F-418D-AE19-62706E023703}">
+                      <ahyp:hlinkClr xmlns:ahyp="http://schemas.microsoft.com/office/drawing/2018/hyperlinkcolor" val="tx"/>
+                    </a:ext>
+                  </a:extLst>
+                </a:hlinkClick>
               </a:rPr>
               <a:t>http://pytorch.org</a:t>
             </a:r>
             <a:r>
-              <a:rPr lang="en-US" dirty="0"/>
+              <a:rPr lang="en-US" dirty="0">
+                <a:solidFill>
+                  <a:schemeClr val="accent2">
+                    <a:lumMod val="50000"/>
+                  </a:schemeClr>
+                </a:solidFill>
+              </a:rPr>
               <a:t> </a:t>
             </a:r>
           </a:p>
@@ -10415,11 +10482,28 @@
             <a:pPr lvl="1"/>
             <a:r>
               <a:rPr lang="en-US" dirty="0">
-                <a:hlinkClick r:id="rId3"/>
+                <a:solidFill>
+                  <a:schemeClr val="accent2">
+                    <a:lumMod val="50000"/>
+                  </a:schemeClr>
+                </a:solidFill>
+                <a:hlinkClick r:id="rId3">
+                  <a:extLst>
+                    <a:ext uri="{A12FA001-AC4F-418D-AE19-62706E023703}">
+                      <ahyp:hlinkClr xmlns:ahyp="http://schemas.microsoft.com/office/drawing/2018/hyperlinkcolor" val="tx"/>
+                    </a:ext>
+                  </a:extLst>
+                </a:hlinkClick>
               </a:rPr>
               <a:t>http://cs231n.stanford.edu</a:t>
             </a:r>
-            <a:endParaRPr lang="en-US" dirty="0"/>
+            <a:endParaRPr lang="en-US" dirty="0">
+              <a:solidFill>
+                <a:schemeClr val="accent2">
+                  <a:lumMod val="50000"/>
+                </a:schemeClr>
+              </a:solidFill>
+            </a:endParaRPr>
           </a:p>
           <a:p>
             <a:pPr lvl="1"/>
@@ -10435,12 +10519,29 @@
             <a:pPr lvl="1"/>
             <a:r>
               <a:rPr lang="en-US" dirty="0">
-                <a:hlinkClick r:id="rId4"/>
+                <a:solidFill>
+                  <a:schemeClr val="accent2">
+                    <a:lumMod val="50000"/>
+                  </a:schemeClr>
+                </a:solidFill>
+                <a:hlinkClick r:id="rId4">
+                  <a:extLst>
+                    <a:ext uri="{A12FA001-AC4F-418D-AE19-62706E023703}">
+                      <ahyp:hlinkClr xmlns:ahyp="http://schemas.microsoft.com/office/drawing/2018/hyperlinkcolor" val="tx"/>
+                    </a:ext>
+                  </a:extLst>
+                </a:hlinkClick>
               </a:rPr>
               <a:t>http://deeplearningbook.org</a:t>
             </a:r>
             <a:r>
-              <a:rPr lang="en-US" dirty="0"/>
+              <a:rPr lang="en-US" dirty="0">
+                <a:solidFill>
+                  <a:schemeClr val="accent2">
+                    <a:lumMod val="50000"/>
+                  </a:schemeClr>
+                </a:solidFill>
+              </a:rPr>
               <a:t> </a:t>
             </a:r>
           </a:p>
